--- a/1. Логотип компании.pptx
+++ b/1. Логотип компании.pptx
@@ -17,7 +17,7 @@
   <p:notesSz cx="6858000" cy="9144000"/>
   <p:embeddedFontLst>
     <p:embeddedFont>
-      <p:font typeface="Raleway"/>
+      <p:font typeface="Montserrat"/>
       <p:regular r:id="rId10"/>
       <p:bold r:id="rId11"/>
       <p:italic r:id="rId12"/>
@@ -710,7 +710,7 @@
   <p:cSld>
     <p:spTree>
       <p:nvGrpSpPr>
-        <p:cNvPr id="82" name="Shape 82"/>
+        <p:cNvPr id="130" name="Shape 130"/>
         <p:cNvGrpSpPr/>
         <p:nvPr/>
       </p:nvGrpSpPr>
@@ -724,7 +724,7 @@
       </p:grpSpPr>
       <p:sp>
         <p:nvSpPr>
-          <p:cNvPr id="83" name="Google Shape;83;p:notes"/>
+          <p:cNvPr id="131" name="Google Shape;131;p:notes"/>
           <p:cNvSpPr/>
           <p:nvPr>
             <p:ph idx="2" type="sldImg"/>
@@ -759,7 +759,7 @@
       </p:sp>
       <p:sp>
         <p:nvSpPr>
-          <p:cNvPr id="84" name="Google Shape;84;p:notes"/>
+          <p:cNvPr id="132" name="Google Shape;132;p:notes"/>
           <p:cNvSpPr txBox="1"/>
           <p:nvPr>
             <p:ph idx="1" type="body"/>
@@ -809,7 +809,7 @@
   <p:cSld>
     <p:spTree>
       <p:nvGrpSpPr>
-        <p:cNvPr id="88" name="Shape 88"/>
+        <p:cNvPr id="136" name="Shape 136"/>
         <p:cNvGrpSpPr/>
         <p:nvPr/>
       </p:nvGrpSpPr>
@@ -823,7 +823,7 @@
       </p:grpSpPr>
       <p:sp>
         <p:nvSpPr>
-          <p:cNvPr id="89" name="Google Shape;89;g2a6e87816e2_0_0:notes"/>
+          <p:cNvPr id="137" name="Google Shape;137;g2a6e87816e2_0_0:notes"/>
           <p:cNvSpPr/>
           <p:nvPr>
             <p:ph idx="2" type="sldImg"/>
@@ -858,7 +858,7 @@
       </p:sp>
       <p:sp>
         <p:nvSpPr>
-          <p:cNvPr id="90" name="Google Shape;90;g2a6e87816e2_0_0:notes"/>
+          <p:cNvPr id="138" name="Google Shape;138;g2a6e87816e2_0_0:notes"/>
           <p:cNvSpPr txBox="1"/>
           <p:nvPr>
             <p:ph idx="1" type="body"/>
@@ -908,7 +908,7 @@
   <p:cSld>
     <p:spTree>
       <p:nvGrpSpPr>
-        <p:cNvPr id="94" name="Shape 94"/>
+        <p:cNvPr id="142" name="Shape 142"/>
         <p:cNvGrpSpPr/>
         <p:nvPr/>
       </p:nvGrpSpPr>
@@ -922,7 +922,7 @@
       </p:grpSpPr>
       <p:sp>
         <p:nvSpPr>
-          <p:cNvPr id="95" name="Google Shape;95;g2a6e87816e2_0_18:notes"/>
+          <p:cNvPr id="143" name="Google Shape;143;g2a6e87816e2_0_18:notes"/>
           <p:cNvSpPr/>
           <p:nvPr>
             <p:ph idx="2" type="sldImg"/>
@@ -957,7 +957,7 @@
       </p:sp>
       <p:sp>
         <p:nvSpPr>
-          <p:cNvPr id="96" name="Google Shape;96;g2a6e87816e2_0_18:notes"/>
+          <p:cNvPr id="144" name="Google Shape;144;g2a6e87816e2_0_18:notes"/>
           <p:cNvSpPr txBox="1"/>
           <p:nvPr>
             <p:ph idx="1" type="body"/>
@@ -1007,7 +1007,7 @@
   <p:cSld>
     <p:spTree>
       <p:nvGrpSpPr>
-        <p:cNvPr id="100" name="Shape 100"/>
+        <p:cNvPr id="148" name="Shape 148"/>
         <p:cNvGrpSpPr/>
         <p:nvPr/>
       </p:nvGrpSpPr>
@@ -1021,7 +1021,7 @@
       </p:grpSpPr>
       <p:sp>
         <p:nvSpPr>
-          <p:cNvPr id="101" name="Google Shape;101;g2a6e87816e2_0_5:notes"/>
+          <p:cNvPr id="149" name="Google Shape;149;g2a6e87816e2_0_5:notes"/>
           <p:cNvSpPr/>
           <p:nvPr>
             <p:ph idx="2" type="sldImg"/>
@@ -1056,7 +1056,7 @@
       </p:sp>
       <p:sp>
         <p:nvSpPr>
-          <p:cNvPr id="102" name="Google Shape;102;g2a6e87816e2_0_5:notes"/>
+          <p:cNvPr id="150" name="Google Shape;150;g2a6e87816e2_0_5:notes"/>
           <p:cNvSpPr txBox="1"/>
           <p:nvPr>
             <p:ph idx="1" type="body"/>
@@ -1104,13 +1104,6 @@
 <file path=ppt/slideLayouts/slideLayout1.xml><?xml version="1.0" encoding="utf-8"?>
 <p:sldLayout xmlns:a="http://schemas.openxmlformats.org/drawingml/2006/main" xmlns:r="http://schemas.openxmlformats.org/officeDocument/2006/relationships" xmlns:mc="http://schemas.openxmlformats.org/markup-compatibility/2006" xmlns:mv="urn:schemas-microsoft-com:mac:vml" xmlns:p="http://schemas.openxmlformats.org/presentationml/2006/main" xmlns:c="http://schemas.openxmlformats.org/drawingml/2006/chart" xmlns:dgm="http://schemas.openxmlformats.org/drawingml/2006/diagram" xmlns:o="urn:schemas-microsoft-com:office:office" xmlns:v="urn:schemas-microsoft-com:vml" xmlns:pvml="urn:schemas-microsoft-com:office:powerpoint" xmlns:com="http://schemas.openxmlformats.org/drawingml/2006/compatibility" xmlns:p14="http://schemas.microsoft.com/office/powerpoint/2010/main" xmlns:p15="http://schemas.microsoft.com/office/powerpoint/2012/main" xmlns:ahyp="http://schemas.microsoft.com/office/drawing/2018/hyperlinkcolor" matchingName="Title slide" type="title">
   <p:cSld name="TITLE">
-    <p:bg>
-      <p:bgPr>
-        <a:solidFill>
-          <a:schemeClr val="lt2"/>
-        </a:solidFill>
-      </p:bgPr>
-    </p:bg>
     <p:spTree>
       <p:nvGrpSpPr>
         <p:cNvPr id="9" name="Shape 9"/>
@@ -1132,15 +1125,19 @@
           <p:nvPr/>
         </p:nvSpPr>
         <p:spPr>
-          <a:xfrm>
-            <a:off x="0" y="0"/>
-            <a:ext cx="9144000" cy="487800"/>
+          <a:xfrm rot="5400000">
+            <a:off x="7500300" y="505"/>
+            <a:ext cx="1643700" cy="1643700"/>
           </a:xfrm>
-          <a:prstGeom prst="rect">
-            <a:avLst/>
+          <a:prstGeom prst="diagStripe">
+            <a:avLst>
+              <a:gd fmla="val 0" name="adj"/>
+            </a:avLst>
           </a:prstGeom>
           <a:solidFill>
-            <a:schemeClr val="lt1"/>
+            <a:schemeClr val="lt1">
+              <a:alpha val="3030"/>
+            </a:schemeClr>
           </a:solidFill>
           <a:ln>
             <a:noFill/>
@@ -1176,10 +1173,10 @@
         </p:nvGrpSpPr>
         <p:grpSpPr>
           <a:xfrm>
-            <a:off x="830392" y="1191256"/>
-            <a:ext cx="745763" cy="45826"/>
-            <a:chOff x="4580561" y="2589004"/>
-            <a:chExt cx="1064464" cy="25200"/>
+            <a:off x="0" y="490"/>
+            <a:ext cx="5153705" cy="5134399"/>
+            <a:chOff x="0" y="75"/>
+            <a:chExt cx="5153705" cy="5152950"/>
           </a:xfrm>
         </p:grpSpPr>
         <p:sp>
@@ -1190,14 +1187,18 @@
           </p:nvSpPr>
           <p:spPr>
             <a:xfrm rot="-5400000">
-              <a:off x="5366325" y="2335504"/>
-              <a:ext cx="25200" cy="532200"/>
+              <a:off x="455" y="-225"/>
+              <a:ext cx="5152800" cy="5153700"/>
             </a:xfrm>
-            <a:prstGeom prst="rect">
-              <a:avLst/>
+            <a:prstGeom prst="diagStripe">
+              <a:avLst>
+                <a:gd fmla="val 50000" name="adj"/>
+              </a:avLst>
             </a:prstGeom>
             <a:solidFill>
-              <a:schemeClr val="accent3"/>
+              <a:schemeClr val="lt1">
+                <a:alpha val="3030"/>
+              </a:schemeClr>
             </a:solidFill>
             <a:ln>
               <a:noFill/>
@@ -1233,14 +1234,18 @@
           </p:nvSpPr>
           <p:spPr>
             <a:xfrm rot="-5400000">
-              <a:off x="4836311" y="2333254"/>
-              <a:ext cx="25200" cy="536700"/>
+              <a:off x="150" y="1145825"/>
+              <a:ext cx="3996600" cy="3996900"/>
             </a:xfrm>
-            <a:prstGeom prst="rect">
-              <a:avLst/>
+            <a:prstGeom prst="diagStripe">
+              <a:avLst>
+                <a:gd fmla="val 58774" name="adj"/>
+              </a:avLst>
             </a:prstGeom>
             <a:solidFill>
-              <a:schemeClr val="dk1"/>
+              <a:schemeClr val="lt1">
+                <a:alpha val="3030"/>
+              </a:schemeClr>
             </a:solidFill>
             <a:ln>
               <a:noFill/>
@@ -1268,10 +1273,100 @@
             </a:p>
           </p:txBody>
         </p:sp>
+        <p:sp>
+          <p:nvSpPr>
+            <p:cNvPr id="14" name="Google Shape;14;p2"/>
+            <p:cNvSpPr/>
+            <p:nvPr/>
+          </p:nvSpPr>
+          <p:spPr>
+            <a:xfrm rot="-5400000">
+              <a:off x="1646" y="-75"/>
+              <a:ext cx="2299800" cy="2300100"/>
+            </a:xfrm>
+            <a:prstGeom prst="diagStripe">
+              <a:avLst>
+                <a:gd fmla="val 50000" name="adj"/>
+              </a:avLst>
+            </a:prstGeom>
+            <a:solidFill>
+              <a:schemeClr val="accent1"/>
+            </a:solidFill>
+            <a:ln>
+              <a:noFill/>
+            </a:ln>
+          </p:spPr>
+          <p:txBody>
+            <a:bodyPr anchorCtr="0" anchor="ctr" bIns="91425" lIns="91425" spcFirstLastPara="1" rIns="91425" wrap="square" tIns="91425">
+              <a:noAutofit/>
+            </a:bodyPr>
+            <a:lstStyle/>
+            <a:p>
+              <a:pPr indent="0" lvl="0" marL="0" rtl="0" algn="l">
+                <a:spcBef>
+                  <a:spcPts val="0"/>
+                </a:spcBef>
+                <a:spcAft>
+                  <a:spcPts val="0"/>
+                </a:spcAft>
+                <a:buNone/>
+              </a:pPr>
+              <a:r>
+                <a:t/>
+              </a:r>
+              <a:endParaRPr/>
+            </a:p>
+          </p:txBody>
+        </p:sp>
+        <p:sp>
+          <p:nvSpPr>
+            <p:cNvPr id="15" name="Google Shape;15;p2"/>
+            <p:cNvSpPr/>
+            <p:nvPr/>
+          </p:nvSpPr>
+          <p:spPr>
+            <a:xfrm flipH="1">
+              <a:off x="652821" y="590035"/>
+              <a:ext cx="2300100" cy="2299800"/>
+            </a:xfrm>
+            <a:prstGeom prst="diagStripe">
+              <a:avLst>
+                <a:gd fmla="val 50000" name="adj"/>
+              </a:avLst>
+            </a:prstGeom>
+            <a:solidFill>
+              <a:schemeClr val="lt2"/>
+            </a:solidFill>
+            <a:ln>
+              <a:noFill/>
+            </a:ln>
+          </p:spPr>
+          <p:txBody>
+            <a:bodyPr anchorCtr="0" anchor="ctr" bIns="91425" lIns="91425" spcFirstLastPara="1" rIns="91425" wrap="square" tIns="91425">
+              <a:noAutofit/>
+            </a:bodyPr>
+            <a:lstStyle/>
+            <a:p>
+              <a:pPr indent="0" lvl="0" marL="0" rtl="0" algn="l">
+                <a:spcBef>
+                  <a:spcPts val="0"/>
+                </a:spcBef>
+                <a:spcAft>
+                  <a:spcPts val="0"/>
+                </a:spcAft>
+                <a:buNone/>
+              </a:pPr>
+              <a:r>
+                <a:t/>
+              </a:r>
+              <a:endParaRPr/>
+            </a:p>
+          </p:txBody>
+        </p:sp>
       </p:grpSp>
       <p:sp>
         <p:nvSpPr>
-          <p:cNvPr id="14" name="Google Shape;14;p2"/>
+          <p:cNvPr id="16" name="Google Shape;16;p2"/>
           <p:cNvSpPr txBox="1"/>
           <p:nvPr>
             <p:ph type="ctrTitle"/>
@@ -1279,8 +1374,8 @@
         </p:nvSpPr>
         <p:spPr>
           <a:xfrm>
-            <a:off x="729450" y="1322450"/>
-            <a:ext cx="7688100" cy="1664700"/>
+            <a:off x="3537150" y="1578400"/>
+            <a:ext cx="5017500" cy="1578900"/>
           </a:xfrm>
           <a:prstGeom prst="rect">
             <a:avLst/>
@@ -1298,9 +1393,9 @@
               <a:spcAft>
                 <a:spcPts val="0"/>
               </a:spcAft>
-              <a:buSzPts val="4200"/>
-              <a:buNone/>
-              <a:defRPr sz="4200"/>
+              <a:buSzPts val="4000"/>
+              <a:buNone/>
+              <a:defRPr sz="4000"/>
             </a:lvl1pPr>
             <a:lvl2pPr lvl="1">
               <a:spcBef>
@@ -1309,9 +1404,9 @@
               <a:spcAft>
                 <a:spcPts val="0"/>
               </a:spcAft>
-              <a:buSzPts val="4200"/>
-              <a:buNone/>
-              <a:defRPr sz="4200"/>
+              <a:buSzPts val="4000"/>
+              <a:buNone/>
+              <a:defRPr sz="4000"/>
             </a:lvl2pPr>
             <a:lvl3pPr lvl="2">
               <a:spcBef>
@@ -1320,9 +1415,9 @@
               <a:spcAft>
                 <a:spcPts val="0"/>
               </a:spcAft>
-              <a:buSzPts val="4200"/>
-              <a:buNone/>
-              <a:defRPr sz="4200"/>
+              <a:buSzPts val="4000"/>
+              <a:buNone/>
+              <a:defRPr sz="4000"/>
             </a:lvl3pPr>
             <a:lvl4pPr lvl="3">
               <a:spcBef>
@@ -1331,9 +1426,9 @@
               <a:spcAft>
                 <a:spcPts val="0"/>
               </a:spcAft>
-              <a:buSzPts val="4200"/>
-              <a:buNone/>
-              <a:defRPr sz="4200"/>
+              <a:buSzPts val="4000"/>
+              <a:buNone/>
+              <a:defRPr sz="4000"/>
             </a:lvl4pPr>
             <a:lvl5pPr lvl="4">
               <a:spcBef>
@@ -1342,9 +1437,9 @@
               <a:spcAft>
                 <a:spcPts val="0"/>
               </a:spcAft>
-              <a:buSzPts val="4200"/>
-              <a:buNone/>
-              <a:defRPr sz="4200"/>
+              <a:buSzPts val="4000"/>
+              <a:buNone/>
+              <a:defRPr sz="4000"/>
             </a:lvl5pPr>
             <a:lvl6pPr lvl="5">
               <a:spcBef>
@@ -1353,9 +1448,9 @@
               <a:spcAft>
                 <a:spcPts val="0"/>
               </a:spcAft>
-              <a:buSzPts val="4200"/>
-              <a:buNone/>
-              <a:defRPr sz="4200"/>
+              <a:buSzPts val="4000"/>
+              <a:buNone/>
+              <a:defRPr sz="4000"/>
             </a:lvl6pPr>
             <a:lvl7pPr lvl="6">
               <a:spcBef>
@@ -1364,9 +1459,9 @@
               <a:spcAft>
                 <a:spcPts val="0"/>
               </a:spcAft>
-              <a:buSzPts val="4200"/>
-              <a:buNone/>
-              <a:defRPr sz="4200"/>
+              <a:buSzPts val="4000"/>
+              <a:buNone/>
+              <a:defRPr sz="4000"/>
             </a:lvl7pPr>
             <a:lvl8pPr lvl="7">
               <a:spcBef>
@@ -1375,9 +1470,9 @@
               <a:spcAft>
                 <a:spcPts val="0"/>
               </a:spcAft>
-              <a:buSzPts val="4200"/>
-              <a:buNone/>
-              <a:defRPr sz="4200"/>
+              <a:buSzPts val="4000"/>
+              <a:buNone/>
+              <a:defRPr sz="4000"/>
             </a:lvl8pPr>
             <a:lvl9pPr lvl="8">
               <a:spcBef>
@@ -1386,9 +1481,9 @@
               <a:spcAft>
                 <a:spcPts val="0"/>
               </a:spcAft>
-              <a:buSzPts val="4200"/>
-              <a:buNone/>
-              <a:defRPr sz="4200"/>
+              <a:buSzPts val="4000"/>
+              <a:buNone/>
+              <a:defRPr sz="4000"/>
             </a:lvl9pPr>
           </a:lstStyle>
           <a:p/>
@@ -1396,7 +1491,7 @@
       </p:sp>
       <p:sp>
         <p:nvSpPr>
-          <p:cNvPr id="15" name="Google Shape;15;p2"/>
+          <p:cNvPr id="17" name="Google Shape;17;p2"/>
           <p:cNvSpPr txBox="1"/>
           <p:nvPr>
             <p:ph idx="1" type="subTitle"/>
@@ -1404,8 +1499,8 @@
         </p:nvSpPr>
         <p:spPr>
           <a:xfrm>
-            <a:off x="729627" y="3172900"/>
-            <a:ext cx="7688100" cy="541200"/>
+            <a:off x="5083950" y="3924925"/>
+            <a:ext cx="3470700" cy="506100"/>
           </a:xfrm>
           <a:prstGeom prst="rect">
             <a:avLst/>
@@ -1426,9 +1521,9 @@
               <a:spcAft>
                 <a:spcPts val="0"/>
               </a:spcAft>
-              <a:buSzPts val="1600"/>
-              <a:buNone/>
-              <a:defRPr sz="1600"/>
+              <a:buSzPts val="1300"/>
+              <a:buNone/>
+              <a:defRPr/>
             </a:lvl1pPr>
             <a:lvl2pPr lvl="1">
               <a:lnSpc>
@@ -1440,9 +1535,9 @@
               <a:spcAft>
                 <a:spcPts val="0"/>
               </a:spcAft>
-              <a:buSzPts val="1600"/>
-              <a:buNone/>
-              <a:defRPr sz="1600"/>
+              <a:buSzPts val="1300"/>
+              <a:buNone/>
+              <a:defRPr sz="1300"/>
             </a:lvl2pPr>
             <a:lvl3pPr lvl="2">
               <a:lnSpc>
@@ -1454,9 +1549,9 @@
               <a:spcAft>
                 <a:spcPts val="0"/>
               </a:spcAft>
-              <a:buSzPts val="1600"/>
-              <a:buNone/>
-              <a:defRPr sz="1600"/>
+              <a:buSzPts val="1300"/>
+              <a:buNone/>
+              <a:defRPr sz="1300"/>
             </a:lvl3pPr>
             <a:lvl4pPr lvl="3">
               <a:lnSpc>
@@ -1468,9 +1563,9 @@
               <a:spcAft>
                 <a:spcPts val="0"/>
               </a:spcAft>
-              <a:buSzPts val="1600"/>
-              <a:buNone/>
-              <a:defRPr sz="1600"/>
+              <a:buSzPts val="1300"/>
+              <a:buNone/>
+              <a:defRPr sz="1300"/>
             </a:lvl4pPr>
             <a:lvl5pPr lvl="4">
               <a:lnSpc>
@@ -1482,9 +1577,9 @@
               <a:spcAft>
                 <a:spcPts val="0"/>
               </a:spcAft>
-              <a:buSzPts val="1600"/>
-              <a:buNone/>
-              <a:defRPr sz="1600"/>
+              <a:buSzPts val="1300"/>
+              <a:buNone/>
+              <a:defRPr sz="1300"/>
             </a:lvl5pPr>
             <a:lvl6pPr lvl="5">
               <a:lnSpc>
@@ -1496,9 +1591,9 @@
               <a:spcAft>
                 <a:spcPts val="0"/>
               </a:spcAft>
-              <a:buSzPts val="1600"/>
-              <a:buNone/>
-              <a:defRPr sz="1600"/>
+              <a:buSzPts val="1300"/>
+              <a:buNone/>
+              <a:defRPr sz="1300"/>
             </a:lvl6pPr>
             <a:lvl7pPr lvl="6">
               <a:lnSpc>
@@ -1510,9 +1605,9 @@
               <a:spcAft>
                 <a:spcPts val="0"/>
               </a:spcAft>
-              <a:buSzPts val="1600"/>
-              <a:buNone/>
-              <a:defRPr sz="1600"/>
+              <a:buSzPts val="1300"/>
+              <a:buNone/>
+              <a:defRPr sz="1300"/>
             </a:lvl7pPr>
             <a:lvl8pPr lvl="7">
               <a:lnSpc>
@@ -1524,9 +1619,9 @@
               <a:spcAft>
                 <a:spcPts val="0"/>
               </a:spcAft>
-              <a:buSzPts val="1600"/>
-              <a:buNone/>
-              <a:defRPr sz="1600"/>
+              <a:buSzPts val="1300"/>
+              <a:buNone/>
+              <a:defRPr sz="1300"/>
             </a:lvl8pPr>
             <a:lvl9pPr lvl="8">
               <a:lnSpc>
@@ -1538,9 +1633,9 @@
               <a:spcAft>
                 <a:spcPts val="0"/>
               </a:spcAft>
-              <a:buSzPts val="1600"/>
-              <a:buNone/>
-              <a:defRPr sz="1600"/>
+              <a:buSzPts val="1300"/>
+              <a:buNone/>
+              <a:defRPr sz="1300"/>
             </a:lvl9pPr>
           </a:lstStyle>
           <a:p/>
@@ -1548,7 +1643,7 @@
       </p:sp>
       <p:sp>
         <p:nvSpPr>
-          <p:cNvPr id="16" name="Google Shape;16;p2"/>
+          <p:cNvPr id="18" name="Google Shape;18;p2"/>
           <p:cNvSpPr txBox="1"/>
           <p:nvPr>
             <p:ph idx="12" type="sldNum"/>
@@ -1556,7 +1651,7 @@
         </p:nvSpPr>
         <p:spPr>
           <a:xfrm>
-            <a:off x="8536302" y="4749851"/>
+            <a:off x="8472458" y="4663217"/>
             <a:ext cx="548700" cy="393600"/>
           </a:xfrm>
           <a:prstGeom prst="rect">
@@ -1634,16 +1729,9 @@
 <file path=ppt/slideLayouts/slideLayout10.xml><?xml version="1.0" encoding="utf-8"?>
 <p:sldLayout xmlns:a="http://schemas.openxmlformats.org/drawingml/2006/main" xmlns:r="http://schemas.openxmlformats.org/officeDocument/2006/relationships" xmlns:mc="http://schemas.openxmlformats.org/markup-compatibility/2006" xmlns:mv="urn:schemas-microsoft-com:mac:vml" xmlns:p="http://schemas.openxmlformats.org/presentationml/2006/main" xmlns:c="http://schemas.openxmlformats.org/drawingml/2006/chart" xmlns:dgm="http://schemas.openxmlformats.org/drawingml/2006/diagram" xmlns:o="urn:schemas-microsoft-com:office:office" xmlns:v="urn:schemas-microsoft-com:vml" xmlns:pvml="urn:schemas-microsoft-com:office:powerpoint" xmlns:com="http://schemas.openxmlformats.org/drawingml/2006/compatibility" xmlns:p14="http://schemas.microsoft.com/office/powerpoint/2010/main" xmlns:p15="http://schemas.microsoft.com/office/powerpoint/2012/main" xmlns:ahyp="http://schemas.microsoft.com/office/drawing/2018/hyperlinkcolor" matchingName="Big number">
   <p:cSld name="BIG_NUMBER">
-    <p:bg>
-      <p:bgPr>
-        <a:solidFill>
-          <a:schemeClr val="dk1"/>
-        </a:solidFill>
-      </p:bgPr>
-    </p:bg>
     <p:spTree>
       <p:nvGrpSpPr>
-        <p:cNvPr id="73" name="Shape 73"/>
+        <p:cNvPr id="105" name="Shape 105"/>
         <p:cNvGrpSpPr/>
         <p:nvPr/>
       </p:nvGrpSpPr>
@@ -1657,34 +1745,38 @@
       </p:grpSpPr>
       <p:grpSp>
         <p:nvGrpSpPr>
-          <p:cNvPr id="74" name="Google Shape;74;p11"/>
+          <p:cNvPr id="106" name="Google Shape;106;p11"/>
           <p:cNvGrpSpPr/>
           <p:nvPr/>
         </p:nvGrpSpPr>
         <p:grpSpPr>
           <a:xfrm>
-            <a:off x="830392" y="4169130"/>
-            <a:ext cx="745763" cy="45826"/>
-            <a:chOff x="4580561" y="2589004"/>
-            <a:chExt cx="1064464" cy="25200"/>
+            <a:off x="4406400" y="0"/>
+            <a:ext cx="4737600" cy="5143065"/>
+            <a:chOff x="4406400" y="0"/>
+            <a:chExt cx="4737600" cy="5143065"/>
           </a:xfrm>
         </p:grpSpPr>
         <p:sp>
           <p:nvSpPr>
-            <p:cNvPr id="75" name="Google Shape;75;p11"/>
+            <p:cNvPr id="107" name="Google Shape;107;p11"/>
             <p:cNvSpPr/>
             <p:nvPr/>
           </p:nvSpPr>
           <p:spPr>
-            <a:xfrm rot="-5400000">
-              <a:off x="5366325" y="2335504"/>
-              <a:ext cx="25200" cy="532200"/>
+            <a:xfrm rot="5400000">
+              <a:off x="4408200" y="-1800"/>
+              <a:ext cx="4734000" cy="4737600"/>
             </a:xfrm>
-            <a:prstGeom prst="rect">
-              <a:avLst/>
+            <a:prstGeom prst="diagStripe">
+              <a:avLst>
+                <a:gd fmla="val 49469" name="adj"/>
+              </a:avLst>
             </a:prstGeom>
             <a:solidFill>
-              <a:schemeClr val="lt1"/>
+              <a:schemeClr val="lt1">
+                <a:alpha val="3460"/>
+              </a:schemeClr>
             </a:solidFill>
             <a:ln>
               <a:noFill/>
@@ -1714,20 +1806,24 @@
         </p:sp>
         <p:sp>
           <p:nvSpPr>
-            <p:cNvPr id="76" name="Google Shape;76;p11"/>
+            <p:cNvPr id="108" name="Google Shape;108;p11"/>
             <p:cNvSpPr/>
             <p:nvPr/>
           </p:nvSpPr>
           <p:spPr>
-            <a:xfrm rot="-5400000">
-              <a:off x="4836311" y="2333254"/>
-              <a:ext cx="25200" cy="536700"/>
+            <a:xfrm rot="5400000">
+              <a:off x="4841125" y="5700"/>
+              <a:ext cx="4298100" cy="4286700"/>
             </a:xfrm>
-            <a:prstGeom prst="rect">
-              <a:avLst/>
+            <a:prstGeom prst="diagStripe">
+              <a:avLst>
+                <a:gd fmla="val 0" name="adj"/>
+              </a:avLst>
             </a:prstGeom>
             <a:solidFill>
-              <a:schemeClr val="lt1"/>
+              <a:schemeClr val="lt1">
+                <a:alpha val="3460"/>
+              </a:schemeClr>
             </a:solidFill>
             <a:ln>
               <a:noFill/>
@@ -1755,10 +1851,758 @@
             </a:p>
           </p:txBody>
         </p:sp>
+        <p:sp>
+          <p:nvSpPr>
+            <p:cNvPr id="109" name="Google Shape;109;p11"/>
+            <p:cNvSpPr/>
+            <p:nvPr/>
+          </p:nvSpPr>
+          <p:spPr>
+            <a:xfrm rot="-5400000">
+              <a:off x="5618399" y="1236468"/>
+              <a:ext cx="808800" cy="808800"/>
+            </a:xfrm>
+            <a:prstGeom prst="diagStripe">
+              <a:avLst>
+                <a:gd fmla="val 50000" name="adj"/>
+              </a:avLst>
+            </a:prstGeom>
+            <a:solidFill>
+              <a:schemeClr val="lt1">
+                <a:alpha val="7310"/>
+              </a:schemeClr>
+            </a:solidFill>
+            <a:ln>
+              <a:noFill/>
+            </a:ln>
+          </p:spPr>
+          <p:txBody>
+            <a:bodyPr anchorCtr="0" anchor="ctr" bIns="91425" lIns="91425" spcFirstLastPara="1" rIns="91425" wrap="square" tIns="91425">
+              <a:noAutofit/>
+            </a:bodyPr>
+            <a:lstStyle/>
+            <a:p>
+              <a:pPr indent="0" lvl="0" marL="0" rtl="0" algn="l">
+                <a:spcBef>
+                  <a:spcPts val="0"/>
+                </a:spcBef>
+                <a:spcAft>
+                  <a:spcPts val="0"/>
+                </a:spcAft>
+                <a:buNone/>
+              </a:pPr>
+              <a:r>
+                <a:t/>
+              </a:r>
+              <a:endParaRPr/>
+            </a:p>
+          </p:txBody>
+        </p:sp>
+        <p:sp>
+          <p:nvSpPr>
+            <p:cNvPr id="110" name="Google Shape;110;p11"/>
+            <p:cNvSpPr/>
+            <p:nvPr/>
+          </p:nvSpPr>
+          <p:spPr>
+            <a:xfrm flipH="1">
+              <a:off x="5849857" y="1443956"/>
+              <a:ext cx="808800" cy="808800"/>
+            </a:xfrm>
+            <a:prstGeom prst="diagStripe">
+              <a:avLst>
+                <a:gd fmla="val 50000" name="adj"/>
+              </a:avLst>
+            </a:prstGeom>
+            <a:solidFill>
+              <a:schemeClr val="lt1">
+                <a:alpha val="7310"/>
+              </a:schemeClr>
+            </a:solidFill>
+            <a:ln>
+              <a:noFill/>
+            </a:ln>
+          </p:spPr>
+          <p:txBody>
+            <a:bodyPr anchorCtr="0" anchor="ctr" bIns="91425" lIns="91425" spcFirstLastPara="1" rIns="91425" wrap="square" tIns="91425">
+              <a:noAutofit/>
+            </a:bodyPr>
+            <a:lstStyle/>
+            <a:p>
+              <a:pPr indent="0" lvl="0" marL="0" rtl="0" algn="l">
+                <a:spcBef>
+                  <a:spcPts val="0"/>
+                </a:spcBef>
+                <a:spcAft>
+                  <a:spcPts val="0"/>
+                </a:spcAft>
+                <a:buNone/>
+              </a:pPr>
+              <a:r>
+                <a:t/>
+              </a:r>
+              <a:endParaRPr/>
+            </a:p>
+          </p:txBody>
+        </p:sp>
+        <p:sp>
+          <p:nvSpPr>
+            <p:cNvPr id="111" name="Google Shape;111;p11"/>
+            <p:cNvSpPr/>
+            <p:nvPr/>
+          </p:nvSpPr>
+          <p:spPr>
+            <a:xfrm rot="-5400000">
+              <a:off x="5987081" y="2469465"/>
+              <a:ext cx="808800" cy="808800"/>
+            </a:xfrm>
+            <a:prstGeom prst="diagStripe">
+              <a:avLst>
+                <a:gd fmla="val 50000" name="adj"/>
+              </a:avLst>
+            </a:prstGeom>
+            <a:solidFill>
+              <a:schemeClr val="lt1">
+                <a:alpha val="7310"/>
+              </a:schemeClr>
+            </a:solidFill>
+            <a:ln>
+              <a:noFill/>
+            </a:ln>
+          </p:spPr>
+          <p:txBody>
+            <a:bodyPr anchorCtr="0" anchor="ctr" bIns="91425" lIns="91425" spcFirstLastPara="1" rIns="91425" wrap="square" tIns="91425">
+              <a:noAutofit/>
+            </a:bodyPr>
+            <a:lstStyle/>
+            <a:p>
+              <a:pPr indent="0" lvl="0" marL="0" rtl="0" algn="l">
+                <a:spcBef>
+                  <a:spcPts val="0"/>
+                </a:spcBef>
+                <a:spcAft>
+                  <a:spcPts val="0"/>
+                </a:spcAft>
+                <a:buNone/>
+              </a:pPr>
+              <a:r>
+                <a:t/>
+              </a:r>
+              <a:endParaRPr/>
+            </a:p>
+          </p:txBody>
+        </p:sp>
+        <p:sp>
+          <p:nvSpPr>
+            <p:cNvPr id="112" name="Google Shape;112;p11"/>
+            <p:cNvSpPr/>
+            <p:nvPr/>
+          </p:nvSpPr>
+          <p:spPr>
+            <a:xfrm flipH="1">
+              <a:off x="6222115" y="2676953"/>
+              <a:ext cx="808800" cy="808800"/>
+            </a:xfrm>
+            <a:prstGeom prst="diagStripe">
+              <a:avLst>
+                <a:gd fmla="val 50000" name="adj"/>
+              </a:avLst>
+            </a:prstGeom>
+            <a:solidFill>
+              <a:schemeClr val="lt1">
+                <a:alpha val="7310"/>
+              </a:schemeClr>
+            </a:solidFill>
+            <a:ln>
+              <a:noFill/>
+            </a:ln>
+          </p:spPr>
+          <p:txBody>
+            <a:bodyPr anchorCtr="0" anchor="ctr" bIns="91425" lIns="91425" spcFirstLastPara="1" rIns="91425" wrap="square" tIns="91425">
+              <a:noAutofit/>
+            </a:bodyPr>
+            <a:lstStyle/>
+            <a:p>
+              <a:pPr indent="0" lvl="0" marL="0" rtl="0" algn="l">
+                <a:spcBef>
+                  <a:spcPts val="0"/>
+                </a:spcBef>
+                <a:spcAft>
+                  <a:spcPts val="0"/>
+                </a:spcAft>
+                <a:buNone/>
+              </a:pPr>
+              <a:r>
+                <a:t/>
+              </a:r>
+              <a:endParaRPr/>
+            </a:p>
+          </p:txBody>
+        </p:sp>
+        <p:sp>
+          <p:nvSpPr>
+            <p:cNvPr id="113" name="Google Shape;113;p11"/>
+            <p:cNvSpPr/>
+            <p:nvPr/>
+          </p:nvSpPr>
+          <p:spPr>
+            <a:xfrm rot="-5400000">
+              <a:off x="6675341" y="1862018"/>
+              <a:ext cx="808800" cy="808800"/>
+            </a:xfrm>
+            <a:prstGeom prst="diagStripe">
+              <a:avLst>
+                <a:gd fmla="val 50000" name="adj"/>
+              </a:avLst>
+            </a:prstGeom>
+            <a:solidFill>
+              <a:schemeClr val="lt1">
+                <a:alpha val="7310"/>
+              </a:schemeClr>
+            </a:solidFill>
+            <a:ln>
+              <a:noFill/>
+            </a:ln>
+          </p:spPr>
+          <p:txBody>
+            <a:bodyPr anchorCtr="0" anchor="ctr" bIns="91425" lIns="91425" spcFirstLastPara="1" rIns="91425" wrap="square" tIns="91425">
+              <a:noAutofit/>
+            </a:bodyPr>
+            <a:lstStyle/>
+            <a:p>
+              <a:pPr indent="0" lvl="0" marL="0" rtl="0" algn="l">
+                <a:spcBef>
+                  <a:spcPts val="0"/>
+                </a:spcBef>
+                <a:spcAft>
+                  <a:spcPts val="0"/>
+                </a:spcAft>
+                <a:buNone/>
+              </a:pPr>
+              <a:r>
+                <a:t/>
+              </a:r>
+              <a:endParaRPr/>
+            </a:p>
+          </p:txBody>
+        </p:sp>
+        <p:sp>
+          <p:nvSpPr>
+            <p:cNvPr id="114" name="Google Shape;114;p11"/>
+            <p:cNvSpPr/>
+            <p:nvPr/>
+          </p:nvSpPr>
+          <p:spPr>
+            <a:xfrm flipH="1">
+              <a:off x="6908099" y="2069505"/>
+              <a:ext cx="808800" cy="808800"/>
+            </a:xfrm>
+            <a:prstGeom prst="diagStripe">
+              <a:avLst>
+                <a:gd fmla="val 50000" name="adj"/>
+              </a:avLst>
+            </a:prstGeom>
+            <a:solidFill>
+              <a:schemeClr val="lt2"/>
+            </a:solidFill>
+            <a:ln>
+              <a:noFill/>
+            </a:ln>
+          </p:spPr>
+          <p:txBody>
+            <a:bodyPr anchorCtr="0" anchor="ctr" bIns="91425" lIns="91425" spcFirstLastPara="1" rIns="91425" wrap="square" tIns="91425">
+              <a:noAutofit/>
+            </a:bodyPr>
+            <a:lstStyle/>
+            <a:p>
+              <a:pPr indent="0" lvl="0" marL="0" rtl="0" algn="l">
+                <a:spcBef>
+                  <a:spcPts val="0"/>
+                </a:spcBef>
+                <a:spcAft>
+                  <a:spcPts val="0"/>
+                </a:spcAft>
+                <a:buNone/>
+              </a:pPr>
+              <a:r>
+                <a:t/>
+              </a:r>
+              <a:endParaRPr/>
+            </a:p>
+          </p:txBody>
+        </p:sp>
+        <p:sp>
+          <p:nvSpPr>
+            <p:cNvPr id="115" name="Google Shape;115;p11"/>
+            <p:cNvSpPr/>
+            <p:nvPr/>
+          </p:nvSpPr>
+          <p:spPr>
+            <a:xfrm rot="-5400000">
+              <a:off x="6861141" y="2477810"/>
+              <a:ext cx="808800" cy="808800"/>
+            </a:xfrm>
+            <a:prstGeom prst="diagStripe">
+              <a:avLst>
+                <a:gd fmla="val 50000" name="adj"/>
+              </a:avLst>
+            </a:prstGeom>
+            <a:solidFill>
+              <a:schemeClr val="lt1">
+                <a:alpha val="7310"/>
+              </a:schemeClr>
+            </a:solidFill>
+            <a:ln>
+              <a:noFill/>
+            </a:ln>
+          </p:spPr>
+          <p:txBody>
+            <a:bodyPr anchorCtr="0" anchor="ctr" bIns="91425" lIns="91425" spcFirstLastPara="1" rIns="91425" wrap="square" tIns="91425">
+              <a:noAutofit/>
+            </a:bodyPr>
+            <a:lstStyle/>
+            <a:p>
+              <a:pPr indent="0" lvl="0" marL="0" rtl="0" algn="l">
+                <a:spcBef>
+                  <a:spcPts val="0"/>
+                </a:spcBef>
+                <a:spcAft>
+                  <a:spcPts val="0"/>
+                </a:spcAft>
+                <a:buNone/>
+              </a:pPr>
+              <a:r>
+                <a:t/>
+              </a:r>
+              <a:endParaRPr/>
+            </a:p>
+          </p:txBody>
+        </p:sp>
+        <p:sp>
+          <p:nvSpPr>
+            <p:cNvPr id="116" name="Google Shape;116;p11"/>
+            <p:cNvSpPr/>
+            <p:nvPr/>
+          </p:nvSpPr>
+          <p:spPr>
+            <a:xfrm flipH="1">
+              <a:off x="7965266" y="2692963"/>
+              <a:ext cx="808800" cy="808800"/>
+            </a:xfrm>
+            <a:prstGeom prst="diagStripe">
+              <a:avLst>
+                <a:gd fmla="val 50000" name="adj"/>
+              </a:avLst>
+            </a:prstGeom>
+            <a:solidFill>
+              <a:schemeClr val="lt1">
+                <a:alpha val="7310"/>
+              </a:schemeClr>
+            </a:solidFill>
+            <a:ln>
+              <a:noFill/>
+            </a:ln>
+          </p:spPr>
+          <p:txBody>
+            <a:bodyPr anchorCtr="0" anchor="ctr" bIns="91425" lIns="91425" spcFirstLastPara="1" rIns="91425" wrap="square" tIns="91425">
+              <a:noAutofit/>
+            </a:bodyPr>
+            <a:lstStyle/>
+            <a:p>
+              <a:pPr indent="0" lvl="0" marL="0" rtl="0" algn="l">
+                <a:spcBef>
+                  <a:spcPts val="0"/>
+                </a:spcBef>
+                <a:spcAft>
+                  <a:spcPts val="0"/>
+                </a:spcAft>
+                <a:buNone/>
+              </a:pPr>
+              <a:r>
+                <a:t/>
+              </a:r>
+              <a:endParaRPr/>
+            </a:p>
+          </p:txBody>
+        </p:sp>
+        <p:sp>
+          <p:nvSpPr>
+            <p:cNvPr id="117" name="Google Shape;117;p11"/>
+            <p:cNvSpPr/>
+            <p:nvPr/>
+          </p:nvSpPr>
+          <p:spPr>
+            <a:xfrm flipH="1">
+              <a:off x="8145082" y="3308755"/>
+              <a:ext cx="808800" cy="808800"/>
+            </a:xfrm>
+            <a:prstGeom prst="diagStripe">
+              <a:avLst>
+                <a:gd fmla="val 50000" name="adj"/>
+              </a:avLst>
+            </a:prstGeom>
+            <a:solidFill>
+              <a:schemeClr val="lt1">
+                <a:alpha val="7310"/>
+              </a:schemeClr>
+            </a:solidFill>
+            <a:ln>
+              <a:noFill/>
+            </a:ln>
+          </p:spPr>
+          <p:txBody>
+            <a:bodyPr anchorCtr="0" anchor="ctr" bIns="91425" lIns="91425" spcFirstLastPara="1" rIns="91425" wrap="square" tIns="91425">
+              <a:noAutofit/>
+            </a:bodyPr>
+            <a:lstStyle/>
+            <a:p>
+              <a:pPr indent="0" lvl="0" marL="0" rtl="0" algn="l">
+                <a:spcBef>
+                  <a:spcPts val="0"/>
+                </a:spcBef>
+                <a:spcAft>
+                  <a:spcPts val="0"/>
+                </a:spcAft>
+                <a:buNone/>
+              </a:pPr>
+              <a:r>
+                <a:t/>
+              </a:r>
+              <a:endParaRPr/>
+            </a:p>
+          </p:txBody>
+        </p:sp>
+        <p:sp>
+          <p:nvSpPr>
+            <p:cNvPr id="118" name="Google Shape;118;p11"/>
+            <p:cNvSpPr/>
+            <p:nvPr/>
+          </p:nvSpPr>
+          <p:spPr>
+            <a:xfrm rot="-5400000">
+              <a:off x="7047599" y="3095015"/>
+              <a:ext cx="808800" cy="808800"/>
+            </a:xfrm>
+            <a:prstGeom prst="diagStripe">
+              <a:avLst>
+                <a:gd fmla="val 50000" name="adj"/>
+              </a:avLst>
+            </a:prstGeom>
+            <a:solidFill>
+              <a:schemeClr val="lt1">
+                <a:alpha val="7310"/>
+              </a:schemeClr>
+            </a:solidFill>
+            <a:ln>
+              <a:noFill/>
+            </a:ln>
+          </p:spPr>
+          <p:txBody>
+            <a:bodyPr anchorCtr="0" anchor="ctr" bIns="91425" lIns="91425" spcFirstLastPara="1" rIns="91425" wrap="square" tIns="91425">
+              <a:noAutofit/>
+            </a:bodyPr>
+            <a:lstStyle/>
+            <a:p>
+              <a:pPr indent="0" lvl="0" marL="0" rtl="0" algn="l">
+                <a:spcBef>
+                  <a:spcPts val="0"/>
+                </a:spcBef>
+                <a:spcAft>
+                  <a:spcPts val="0"/>
+                </a:spcAft>
+                <a:buNone/>
+              </a:pPr>
+              <a:r>
+                <a:t/>
+              </a:r>
+              <a:endParaRPr/>
+            </a:p>
+          </p:txBody>
+        </p:sp>
+        <p:sp>
+          <p:nvSpPr>
+            <p:cNvPr id="119" name="Google Shape;119;p11"/>
+            <p:cNvSpPr/>
+            <p:nvPr/>
+          </p:nvSpPr>
+          <p:spPr>
+            <a:xfrm flipH="1">
+              <a:off x="7276649" y="3302502"/>
+              <a:ext cx="808800" cy="808800"/>
+            </a:xfrm>
+            <a:prstGeom prst="diagStripe">
+              <a:avLst>
+                <a:gd fmla="val 50000" name="adj"/>
+              </a:avLst>
+            </a:prstGeom>
+            <a:solidFill>
+              <a:schemeClr val="lt1">
+                <a:alpha val="7310"/>
+              </a:schemeClr>
+            </a:solidFill>
+            <a:ln>
+              <a:noFill/>
+            </a:ln>
+          </p:spPr>
+          <p:txBody>
+            <a:bodyPr anchorCtr="0" anchor="ctr" bIns="91425" lIns="91425" spcFirstLastPara="1" rIns="91425" wrap="square" tIns="91425">
+              <a:noAutofit/>
+            </a:bodyPr>
+            <a:lstStyle/>
+            <a:p>
+              <a:pPr indent="0" lvl="0" marL="0" rtl="0" algn="l">
+                <a:spcBef>
+                  <a:spcPts val="0"/>
+                </a:spcBef>
+                <a:spcAft>
+                  <a:spcPts val="0"/>
+                </a:spcAft>
+                <a:buNone/>
+              </a:pPr>
+              <a:r>
+                <a:t/>
+              </a:r>
+              <a:endParaRPr/>
+            </a:p>
+          </p:txBody>
+        </p:sp>
+        <p:sp>
+          <p:nvSpPr>
+            <p:cNvPr id="120" name="Google Shape;120;p11"/>
+            <p:cNvSpPr/>
+            <p:nvPr/>
+          </p:nvSpPr>
+          <p:spPr>
+            <a:xfrm rot="-5400000">
+              <a:off x="7227414" y="3710807"/>
+              <a:ext cx="808800" cy="808800"/>
+            </a:xfrm>
+            <a:prstGeom prst="diagStripe">
+              <a:avLst>
+                <a:gd fmla="val 50000" name="adj"/>
+              </a:avLst>
+            </a:prstGeom>
+            <a:solidFill>
+              <a:schemeClr val="accent1"/>
+            </a:solidFill>
+            <a:ln>
+              <a:noFill/>
+            </a:ln>
+          </p:spPr>
+          <p:txBody>
+            <a:bodyPr anchorCtr="0" anchor="ctr" bIns="91425" lIns="91425" spcFirstLastPara="1" rIns="91425" wrap="square" tIns="91425">
+              <a:noAutofit/>
+            </a:bodyPr>
+            <a:lstStyle/>
+            <a:p>
+              <a:pPr indent="0" lvl="0" marL="0" rtl="0" algn="l">
+                <a:spcBef>
+                  <a:spcPts val="0"/>
+                </a:spcBef>
+                <a:spcAft>
+                  <a:spcPts val="0"/>
+                </a:spcAft>
+                <a:buNone/>
+              </a:pPr>
+              <a:r>
+                <a:t/>
+              </a:r>
+              <a:endParaRPr/>
+            </a:p>
+          </p:txBody>
+        </p:sp>
+        <p:sp>
+          <p:nvSpPr>
+            <p:cNvPr id="121" name="Google Shape;121;p11"/>
+            <p:cNvSpPr/>
+            <p:nvPr/>
+          </p:nvSpPr>
+          <p:spPr>
+            <a:xfrm flipH="1">
+              <a:off x="7462448" y="3918294"/>
+              <a:ext cx="808800" cy="808800"/>
+            </a:xfrm>
+            <a:prstGeom prst="diagStripe">
+              <a:avLst>
+                <a:gd fmla="val 50000" name="adj"/>
+              </a:avLst>
+            </a:prstGeom>
+            <a:solidFill>
+              <a:schemeClr val="lt1">
+                <a:alpha val="7310"/>
+              </a:schemeClr>
+            </a:solidFill>
+            <a:ln>
+              <a:noFill/>
+            </a:ln>
+          </p:spPr>
+          <p:txBody>
+            <a:bodyPr anchorCtr="0" anchor="ctr" bIns="91425" lIns="91425" spcFirstLastPara="1" rIns="91425" wrap="square" tIns="91425">
+              <a:noAutofit/>
+            </a:bodyPr>
+            <a:lstStyle/>
+            <a:p>
+              <a:pPr indent="0" lvl="0" marL="0" rtl="0" algn="l">
+                <a:spcBef>
+                  <a:spcPts val="0"/>
+                </a:spcBef>
+                <a:spcAft>
+                  <a:spcPts val="0"/>
+                </a:spcAft>
+                <a:buNone/>
+              </a:pPr>
+              <a:r>
+                <a:t/>
+              </a:r>
+              <a:endParaRPr/>
+            </a:p>
+          </p:txBody>
+        </p:sp>
+        <p:sp>
+          <p:nvSpPr>
+            <p:cNvPr id="122" name="Google Shape;122;p11"/>
+            <p:cNvSpPr/>
+            <p:nvPr/>
+          </p:nvSpPr>
+          <p:spPr>
+            <a:xfrm rot="-5400000">
+              <a:off x="8102491" y="3718473"/>
+              <a:ext cx="808800" cy="808800"/>
+            </a:xfrm>
+            <a:prstGeom prst="diagStripe">
+              <a:avLst>
+                <a:gd fmla="val 50000" name="adj"/>
+              </a:avLst>
+            </a:prstGeom>
+            <a:solidFill>
+              <a:schemeClr val="lt1">
+                <a:alpha val="7310"/>
+              </a:schemeClr>
+            </a:solidFill>
+            <a:ln>
+              <a:noFill/>
+            </a:ln>
+          </p:spPr>
+          <p:txBody>
+            <a:bodyPr anchorCtr="0" anchor="ctr" bIns="91425" lIns="91425" spcFirstLastPara="1" rIns="91425" wrap="square" tIns="91425">
+              <a:noAutofit/>
+            </a:bodyPr>
+            <a:lstStyle/>
+            <a:p>
+              <a:pPr indent="0" lvl="0" marL="0" rtl="0" algn="l">
+                <a:spcBef>
+                  <a:spcPts val="0"/>
+                </a:spcBef>
+                <a:spcAft>
+                  <a:spcPts val="0"/>
+                </a:spcAft>
+                <a:buNone/>
+              </a:pPr>
+              <a:r>
+                <a:t/>
+              </a:r>
+              <a:endParaRPr/>
+            </a:p>
+          </p:txBody>
+        </p:sp>
+        <p:sp>
+          <p:nvSpPr>
+            <p:cNvPr id="123" name="Google Shape;123;p11"/>
+            <p:cNvSpPr/>
+            <p:nvPr/>
+          </p:nvSpPr>
+          <p:spPr>
+            <a:xfrm flipH="1">
+              <a:off x="8334533" y="3925960"/>
+              <a:ext cx="808800" cy="808800"/>
+            </a:xfrm>
+            <a:prstGeom prst="diagStripe">
+              <a:avLst>
+                <a:gd fmla="val 50000" name="adj"/>
+              </a:avLst>
+            </a:prstGeom>
+            <a:solidFill>
+              <a:schemeClr val="lt1">
+                <a:alpha val="7310"/>
+              </a:schemeClr>
+            </a:solidFill>
+            <a:ln>
+              <a:noFill/>
+            </a:ln>
+          </p:spPr>
+          <p:txBody>
+            <a:bodyPr anchorCtr="0" anchor="ctr" bIns="91425" lIns="91425" spcFirstLastPara="1" rIns="91425" wrap="square" tIns="91425">
+              <a:noAutofit/>
+            </a:bodyPr>
+            <a:lstStyle/>
+            <a:p>
+              <a:pPr indent="0" lvl="0" marL="0" rtl="0" algn="l">
+                <a:spcBef>
+                  <a:spcPts val="0"/>
+                </a:spcBef>
+                <a:spcAft>
+                  <a:spcPts val="0"/>
+                </a:spcAft>
+                <a:buNone/>
+              </a:pPr>
+              <a:r>
+                <a:t/>
+              </a:r>
+              <a:endParaRPr/>
+            </a:p>
+          </p:txBody>
+        </p:sp>
+        <p:sp>
+          <p:nvSpPr>
+            <p:cNvPr id="124" name="Google Shape;124;p11"/>
+            <p:cNvSpPr/>
+            <p:nvPr/>
+          </p:nvSpPr>
+          <p:spPr>
+            <a:xfrm rot="-5400000">
+              <a:off x="8288290" y="4334265"/>
+              <a:ext cx="808800" cy="808800"/>
+            </a:xfrm>
+            <a:prstGeom prst="diagStripe">
+              <a:avLst>
+                <a:gd fmla="val 50000" name="adj"/>
+              </a:avLst>
+            </a:prstGeom>
+            <a:solidFill>
+              <a:schemeClr val="lt1">
+                <a:alpha val="7310"/>
+              </a:schemeClr>
+            </a:solidFill>
+            <a:ln>
+              <a:noFill/>
+            </a:ln>
+          </p:spPr>
+          <p:txBody>
+            <a:bodyPr anchorCtr="0" anchor="ctr" bIns="91425" lIns="91425" spcFirstLastPara="1" rIns="91425" wrap="square" tIns="91425">
+              <a:noAutofit/>
+            </a:bodyPr>
+            <a:lstStyle/>
+            <a:p>
+              <a:pPr indent="0" lvl="0" marL="0" rtl="0" algn="l">
+                <a:spcBef>
+                  <a:spcPts val="0"/>
+                </a:spcBef>
+                <a:spcAft>
+                  <a:spcPts val="0"/>
+                </a:spcAft>
+                <a:buNone/>
+              </a:pPr>
+              <a:r>
+                <a:t/>
+              </a:r>
+              <a:endParaRPr/>
+            </a:p>
+          </p:txBody>
+        </p:sp>
       </p:grpSp>
       <p:sp>
         <p:nvSpPr>
-          <p:cNvPr id="77" name="Google Shape;77;p11"/>
+          <p:cNvPr id="125" name="Google Shape;125;p11"/>
           <p:cNvSpPr txBox="1"/>
           <p:nvPr>
             <p:ph hasCustomPrompt="1" type="title"/>
@@ -1766,8 +2610,8 @@
         </p:nvSpPr>
         <p:spPr>
           <a:xfrm>
-            <a:off x="729450" y="733950"/>
-            <a:ext cx="7688400" cy="1244700"/>
+            <a:off x="823850" y="1284675"/>
+            <a:ext cx="4776000" cy="1300800"/>
           </a:xfrm>
           <a:prstGeom prst="rect">
             <a:avLst/>
@@ -1785,16 +2629,9 @@
               <a:spcAft>
                 <a:spcPts val="0"/>
               </a:spcAft>
-              <a:buClr>
-                <a:schemeClr val="lt1"/>
-              </a:buClr>
               <a:buSzPts val="8000"/>
               <a:buNone/>
-              <a:defRPr sz="8000">
-                <a:solidFill>
-                  <a:schemeClr val="lt1"/>
-                </a:solidFill>
-              </a:defRPr>
+              <a:defRPr sz="8000"/>
             </a:lvl1pPr>
             <a:lvl2pPr lvl="1">
               <a:spcBef>
@@ -1803,16 +2640,9 @@
               <a:spcAft>
                 <a:spcPts val="0"/>
               </a:spcAft>
-              <a:buClr>
-                <a:schemeClr val="lt1"/>
-              </a:buClr>
               <a:buSzPts val="8000"/>
               <a:buNone/>
-              <a:defRPr sz="8000">
-                <a:solidFill>
-                  <a:schemeClr val="lt1"/>
-                </a:solidFill>
-              </a:defRPr>
+              <a:defRPr sz="8000"/>
             </a:lvl2pPr>
             <a:lvl3pPr lvl="2">
               <a:spcBef>
@@ -1821,16 +2651,9 @@
               <a:spcAft>
                 <a:spcPts val="0"/>
               </a:spcAft>
-              <a:buClr>
-                <a:schemeClr val="lt1"/>
-              </a:buClr>
               <a:buSzPts val="8000"/>
               <a:buNone/>
-              <a:defRPr sz="8000">
-                <a:solidFill>
-                  <a:schemeClr val="lt1"/>
-                </a:solidFill>
-              </a:defRPr>
+              <a:defRPr sz="8000"/>
             </a:lvl3pPr>
             <a:lvl4pPr lvl="3">
               <a:spcBef>
@@ -1839,16 +2662,9 @@
               <a:spcAft>
                 <a:spcPts val="0"/>
               </a:spcAft>
-              <a:buClr>
-                <a:schemeClr val="lt1"/>
-              </a:buClr>
               <a:buSzPts val="8000"/>
               <a:buNone/>
-              <a:defRPr sz="8000">
-                <a:solidFill>
-                  <a:schemeClr val="lt1"/>
-                </a:solidFill>
-              </a:defRPr>
+              <a:defRPr sz="8000"/>
             </a:lvl4pPr>
             <a:lvl5pPr lvl="4">
               <a:spcBef>
@@ -1857,16 +2673,9 @@
               <a:spcAft>
                 <a:spcPts val="0"/>
               </a:spcAft>
-              <a:buClr>
-                <a:schemeClr val="lt1"/>
-              </a:buClr>
               <a:buSzPts val="8000"/>
               <a:buNone/>
-              <a:defRPr sz="8000">
-                <a:solidFill>
-                  <a:schemeClr val="lt1"/>
-                </a:solidFill>
-              </a:defRPr>
+              <a:defRPr sz="8000"/>
             </a:lvl5pPr>
             <a:lvl6pPr lvl="5">
               <a:spcBef>
@@ -1875,16 +2684,9 @@
               <a:spcAft>
                 <a:spcPts val="0"/>
               </a:spcAft>
-              <a:buClr>
-                <a:schemeClr val="lt1"/>
-              </a:buClr>
               <a:buSzPts val="8000"/>
               <a:buNone/>
-              <a:defRPr sz="8000">
-                <a:solidFill>
-                  <a:schemeClr val="lt1"/>
-                </a:solidFill>
-              </a:defRPr>
+              <a:defRPr sz="8000"/>
             </a:lvl6pPr>
             <a:lvl7pPr lvl="6">
               <a:spcBef>
@@ -1893,16 +2695,9 @@
               <a:spcAft>
                 <a:spcPts val="0"/>
               </a:spcAft>
-              <a:buClr>
-                <a:schemeClr val="lt1"/>
-              </a:buClr>
               <a:buSzPts val="8000"/>
               <a:buNone/>
-              <a:defRPr sz="8000">
-                <a:solidFill>
-                  <a:schemeClr val="lt1"/>
-                </a:solidFill>
-              </a:defRPr>
+              <a:defRPr sz="8000"/>
             </a:lvl7pPr>
             <a:lvl8pPr lvl="7">
               <a:spcBef>
@@ -1911,16 +2706,9 @@
               <a:spcAft>
                 <a:spcPts val="0"/>
               </a:spcAft>
-              <a:buClr>
-                <a:schemeClr val="lt1"/>
-              </a:buClr>
               <a:buSzPts val="8000"/>
               <a:buNone/>
-              <a:defRPr sz="8000">
-                <a:solidFill>
-                  <a:schemeClr val="lt1"/>
-                </a:solidFill>
-              </a:defRPr>
+              <a:defRPr sz="8000"/>
             </a:lvl8pPr>
             <a:lvl9pPr lvl="8">
               <a:spcBef>
@@ -1929,16 +2717,9 @@
               <a:spcAft>
                 <a:spcPts val="0"/>
               </a:spcAft>
-              <a:buClr>
-                <a:schemeClr val="lt1"/>
-              </a:buClr>
               <a:buSzPts val="8000"/>
               <a:buNone/>
-              <a:defRPr sz="8000">
-                <a:solidFill>
-                  <a:schemeClr val="lt1"/>
-                </a:solidFill>
-              </a:defRPr>
+              <a:defRPr sz="8000"/>
             </a:lvl9pPr>
           </a:lstStyle>
           <a:p>
@@ -1950,7 +2731,7 @@
       </p:sp>
       <p:sp>
         <p:nvSpPr>
-          <p:cNvPr id="78" name="Google Shape;78;p11"/>
+          <p:cNvPr id="126" name="Google Shape;126;p11"/>
           <p:cNvSpPr txBox="1"/>
           <p:nvPr>
             <p:ph idx="1" type="body"/>
@@ -1958,8 +2739,8 @@
         </p:nvSpPr>
         <p:spPr>
           <a:xfrm>
-            <a:off x="729450" y="2272888"/>
-            <a:ext cx="7688400" cy="1580400"/>
+            <a:off x="823850" y="2643124"/>
+            <a:ext cx="4776000" cy="1218900"/>
           </a:xfrm>
           <a:prstGeom prst="rect">
             <a:avLst/>
@@ -1977,16 +2758,9 @@
               <a:spcAft>
                 <a:spcPts val="0"/>
               </a:spcAft>
-              <a:buClr>
-                <a:schemeClr val="lt1"/>
-              </a:buClr>
               <a:buSzPts val="1300"/>
               <a:buChar char="●"/>
-              <a:defRPr>
-                <a:solidFill>
-                  <a:schemeClr val="lt1"/>
-                </a:solidFill>
-              </a:defRPr>
+              <a:defRPr/>
             </a:lvl1pPr>
             <a:lvl2pPr indent="-298450" lvl="1" marL="914400">
               <a:spcBef>
@@ -1995,16 +2769,9 @@
               <a:spcAft>
                 <a:spcPts val="0"/>
               </a:spcAft>
-              <a:buClr>
-                <a:schemeClr val="lt1"/>
-              </a:buClr>
               <a:buSzPts val="1100"/>
               <a:buChar char="○"/>
-              <a:defRPr>
-                <a:solidFill>
-                  <a:schemeClr val="lt1"/>
-                </a:solidFill>
-              </a:defRPr>
+              <a:defRPr/>
             </a:lvl2pPr>
             <a:lvl3pPr indent="-298450" lvl="2" marL="1371600">
               <a:spcBef>
@@ -2013,16 +2780,9 @@
               <a:spcAft>
                 <a:spcPts val="0"/>
               </a:spcAft>
-              <a:buClr>
-                <a:schemeClr val="lt1"/>
-              </a:buClr>
               <a:buSzPts val="1100"/>
               <a:buChar char="■"/>
-              <a:defRPr>
-                <a:solidFill>
-                  <a:schemeClr val="lt1"/>
-                </a:solidFill>
-              </a:defRPr>
+              <a:defRPr/>
             </a:lvl3pPr>
             <a:lvl4pPr indent="-298450" lvl="3" marL="1828800">
               <a:spcBef>
@@ -2031,16 +2791,9 @@
               <a:spcAft>
                 <a:spcPts val="0"/>
               </a:spcAft>
-              <a:buClr>
-                <a:schemeClr val="lt1"/>
-              </a:buClr>
               <a:buSzPts val="1100"/>
               <a:buChar char="●"/>
-              <a:defRPr>
-                <a:solidFill>
-                  <a:schemeClr val="lt1"/>
-                </a:solidFill>
-              </a:defRPr>
+              <a:defRPr/>
             </a:lvl4pPr>
             <a:lvl5pPr indent="-298450" lvl="4" marL="2286000">
               <a:spcBef>
@@ -2049,16 +2802,9 @@
               <a:spcAft>
                 <a:spcPts val="0"/>
               </a:spcAft>
-              <a:buClr>
-                <a:schemeClr val="lt1"/>
-              </a:buClr>
               <a:buSzPts val="1100"/>
               <a:buChar char="○"/>
-              <a:defRPr>
-                <a:solidFill>
-                  <a:schemeClr val="lt1"/>
-                </a:solidFill>
-              </a:defRPr>
+              <a:defRPr/>
             </a:lvl5pPr>
             <a:lvl6pPr indent="-298450" lvl="5" marL="2743200">
               <a:spcBef>
@@ -2067,16 +2813,9 @@
               <a:spcAft>
                 <a:spcPts val="0"/>
               </a:spcAft>
-              <a:buClr>
-                <a:schemeClr val="lt1"/>
-              </a:buClr>
               <a:buSzPts val="1100"/>
               <a:buChar char="■"/>
-              <a:defRPr>
-                <a:solidFill>
-                  <a:schemeClr val="lt1"/>
-                </a:solidFill>
-              </a:defRPr>
+              <a:defRPr/>
             </a:lvl6pPr>
             <a:lvl7pPr indent="-298450" lvl="6" marL="3200400">
               <a:spcBef>
@@ -2085,16 +2824,9 @@
               <a:spcAft>
                 <a:spcPts val="0"/>
               </a:spcAft>
-              <a:buClr>
-                <a:schemeClr val="lt1"/>
-              </a:buClr>
               <a:buSzPts val="1100"/>
               <a:buChar char="●"/>
-              <a:defRPr>
-                <a:solidFill>
-                  <a:schemeClr val="lt1"/>
-                </a:solidFill>
-              </a:defRPr>
+              <a:defRPr/>
             </a:lvl7pPr>
             <a:lvl8pPr indent="-298450" lvl="7" marL="3657600">
               <a:spcBef>
@@ -2103,16 +2835,9 @@
               <a:spcAft>
                 <a:spcPts val="0"/>
               </a:spcAft>
-              <a:buClr>
-                <a:schemeClr val="lt1"/>
-              </a:buClr>
               <a:buSzPts val="1100"/>
               <a:buChar char="○"/>
-              <a:defRPr>
-                <a:solidFill>
-                  <a:schemeClr val="lt1"/>
-                </a:solidFill>
-              </a:defRPr>
+              <a:defRPr/>
             </a:lvl8pPr>
             <a:lvl9pPr indent="-298450" lvl="8" marL="4114800">
               <a:spcBef>
@@ -2121,16 +2846,9 @@
               <a:spcAft>
                 <a:spcPts val="0"/>
               </a:spcAft>
-              <a:buClr>
-                <a:schemeClr val="lt1"/>
-              </a:buClr>
               <a:buSzPts val="1100"/>
               <a:buChar char="■"/>
-              <a:defRPr>
-                <a:solidFill>
-                  <a:schemeClr val="lt1"/>
-                </a:solidFill>
-              </a:defRPr>
+              <a:defRPr/>
             </a:lvl9pPr>
           </a:lstStyle>
           <a:p/>
@@ -2138,7 +2856,7 @@
       </p:sp>
       <p:sp>
         <p:nvSpPr>
-          <p:cNvPr id="79" name="Google Shape;79;p11"/>
+          <p:cNvPr id="127" name="Google Shape;127;p11"/>
           <p:cNvSpPr txBox="1"/>
           <p:nvPr>
             <p:ph idx="12" type="sldNum"/>
@@ -2146,7 +2864,7 @@
         </p:nvSpPr>
         <p:spPr>
           <a:xfrm>
-            <a:off x="8536302" y="4749851"/>
+            <a:off x="8472458" y="4663217"/>
             <a:ext cx="548700" cy="393600"/>
           </a:xfrm>
           <a:prstGeom prst="rect">
@@ -2160,75 +2878,39 @@
           <a:lstStyle>
             <a:lvl1pPr lvl="0">
               <a:buNone/>
-              <a:defRPr>
-                <a:solidFill>
-                  <a:schemeClr val="lt1"/>
-                </a:solidFill>
-              </a:defRPr>
+              <a:defRPr/>
             </a:lvl1pPr>
             <a:lvl2pPr lvl="1">
               <a:buNone/>
-              <a:defRPr>
-                <a:solidFill>
-                  <a:schemeClr val="lt1"/>
-                </a:solidFill>
-              </a:defRPr>
+              <a:defRPr/>
             </a:lvl2pPr>
             <a:lvl3pPr lvl="2">
               <a:buNone/>
-              <a:defRPr>
-                <a:solidFill>
-                  <a:schemeClr val="lt1"/>
-                </a:solidFill>
-              </a:defRPr>
+              <a:defRPr/>
             </a:lvl3pPr>
             <a:lvl4pPr lvl="3">
               <a:buNone/>
-              <a:defRPr>
-                <a:solidFill>
-                  <a:schemeClr val="lt1"/>
-                </a:solidFill>
-              </a:defRPr>
+              <a:defRPr/>
             </a:lvl4pPr>
             <a:lvl5pPr lvl="4">
               <a:buNone/>
-              <a:defRPr>
-                <a:solidFill>
-                  <a:schemeClr val="lt1"/>
-                </a:solidFill>
-              </a:defRPr>
+              <a:defRPr/>
             </a:lvl5pPr>
             <a:lvl6pPr lvl="5">
               <a:buNone/>
-              <a:defRPr>
-                <a:solidFill>
-                  <a:schemeClr val="lt1"/>
-                </a:solidFill>
-              </a:defRPr>
+              <a:defRPr/>
             </a:lvl6pPr>
             <a:lvl7pPr lvl="6">
               <a:buNone/>
-              <a:defRPr>
-                <a:solidFill>
-                  <a:schemeClr val="lt1"/>
-                </a:solidFill>
-              </a:defRPr>
+              <a:defRPr/>
             </a:lvl7pPr>
             <a:lvl8pPr lvl="7">
               <a:buNone/>
-              <a:defRPr>
-                <a:solidFill>
-                  <a:schemeClr val="lt1"/>
-                </a:solidFill>
-              </a:defRPr>
+              <a:defRPr/>
             </a:lvl8pPr>
             <a:lvl9pPr lvl="8">
               <a:buNone/>
-              <a:defRPr>
-                <a:solidFill>
-                  <a:schemeClr val="lt1"/>
-                </a:solidFill>
-              </a:defRPr>
+              <a:defRPr/>
             </a:lvl9pPr>
           </a:lstStyle>
           <a:p>
@@ -2262,7 +2944,7 @@
   <p:cSld name="BLANK">
     <p:spTree>
       <p:nvGrpSpPr>
-        <p:cNvPr id="80" name="Shape 80"/>
+        <p:cNvPr id="128" name="Shape 128"/>
         <p:cNvGrpSpPr/>
         <p:nvPr/>
       </p:nvGrpSpPr>
@@ -2276,7 +2958,7 @@
       </p:grpSpPr>
       <p:sp>
         <p:nvSpPr>
-          <p:cNvPr id="81" name="Google Shape;81;p12"/>
+          <p:cNvPr id="129" name="Google Shape;129;p12"/>
           <p:cNvSpPr txBox="1"/>
           <p:nvPr>
             <p:ph idx="12" type="sldNum"/>
@@ -2284,7 +2966,7 @@
         </p:nvSpPr>
         <p:spPr>
           <a:xfrm>
-            <a:off x="8536302" y="4749851"/>
+            <a:off x="8472458" y="4663217"/>
             <a:ext cx="548700" cy="393600"/>
           </a:xfrm>
           <a:prstGeom prst="rect">
@@ -2362,16 +3044,9 @@
 <file path=ppt/slideLayouts/slideLayout2.xml><?xml version="1.0" encoding="utf-8"?>
 <p:sldLayout xmlns:a="http://schemas.openxmlformats.org/drawingml/2006/main" xmlns:r="http://schemas.openxmlformats.org/officeDocument/2006/relationships" xmlns:mc="http://schemas.openxmlformats.org/markup-compatibility/2006" xmlns:mv="urn:schemas-microsoft-com:mac:vml" xmlns:p="http://schemas.openxmlformats.org/presentationml/2006/main" xmlns:c="http://schemas.openxmlformats.org/drawingml/2006/chart" xmlns:dgm="http://schemas.openxmlformats.org/drawingml/2006/diagram" xmlns:o="urn:schemas-microsoft-com:office:office" xmlns:v="urn:schemas-microsoft-com:vml" xmlns:pvml="urn:schemas-microsoft-com:office:powerpoint" xmlns:com="http://schemas.openxmlformats.org/drawingml/2006/compatibility" xmlns:p14="http://schemas.microsoft.com/office/powerpoint/2010/main" xmlns:p15="http://schemas.microsoft.com/office/powerpoint/2012/main" xmlns:ahyp="http://schemas.microsoft.com/office/drawing/2018/hyperlinkcolor" matchingName="Section header" type="secHead">
   <p:cSld name="SECTION_HEADER">
-    <p:bg>
-      <p:bgPr>
-        <a:solidFill>
-          <a:schemeClr val="dk1"/>
-        </a:solidFill>
-      </p:bgPr>
-    </p:bg>
     <p:spTree>
       <p:nvGrpSpPr>
-        <p:cNvPr id="17" name="Shape 17"/>
+        <p:cNvPr id="19" name="Shape 19"/>
         <p:cNvGrpSpPr/>
         <p:nvPr/>
       </p:nvGrpSpPr>
@@ -2385,34 +3060,38 @@
       </p:grpSpPr>
       <p:grpSp>
         <p:nvGrpSpPr>
-          <p:cNvPr id="18" name="Google Shape;18;p3"/>
+          <p:cNvPr id="20" name="Google Shape;20;p3"/>
           <p:cNvGrpSpPr/>
           <p:nvPr/>
         </p:nvGrpSpPr>
         <p:grpSpPr>
           <a:xfrm>
-            <a:off x="830392" y="1191256"/>
-            <a:ext cx="745763" cy="45826"/>
-            <a:chOff x="4580561" y="2589004"/>
-            <a:chExt cx="1064464" cy="25200"/>
+            <a:off x="4406400" y="0"/>
+            <a:ext cx="4737600" cy="5143065"/>
+            <a:chOff x="4406400" y="0"/>
+            <a:chExt cx="4737600" cy="5143065"/>
           </a:xfrm>
         </p:grpSpPr>
         <p:sp>
           <p:nvSpPr>
-            <p:cNvPr id="19" name="Google Shape;19;p3"/>
+            <p:cNvPr id="21" name="Google Shape;21;p3"/>
             <p:cNvSpPr/>
             <p:nvPr/>
           </p:nvSpPr>
           <p:spPr>
-            <a:xfrm rot="-5400000">
-              <a:off x="5366325" y="2335504"/>
-              <a:ext cx="25200" cy="532200"/>
+            <a:xfrm rot="5400000">
+              <a:off x="4408200" y="-1800"/>
+              <a:ext cx="4734000" cy="4737600"/>
             </a:xfrm>
-            <a:prstGeom prst="rect">
-              <a:avLst/>
+            <a:prstGeom prst="diagStripe">
+              <a:avLst>
+                <a:gd fmla="val 49469" name="adj"/>
+              </a:avLst>
             </a:prstGeom>
             <a:solidFill>
-              <a:schemeClr val="lt1"/>
+              <a:schemeClr val="lt1">
+                <a:alpha val="3460"/>
+              </a:schemeClr>
             </a:solidFill>
             <a:ln>
               <a:noFill/>
@@ -2442,20 +3121,24 @@
         </p:sp>
         <p:sp>
           <p:nvSpPr>
-            <p:cNvPr id="20" name="Google Shape;20;p3"/>
+            <p:cNvPr id="22" name="Google Shape;22;p3"/>
             <p:cNvSpPr/>
             <p:nvPr/>
           </p:nvSpPr>
           <p:spPr>
-            <a:xfrm rot="-5400000">
-              <a:off x="4836311" y="2333254"/>
-              <a:ext cx="25200" cy="536700"/>
+            <a:xfrm rot="5400000">
+              <a:off x="4841125" y="5700"/>
+              <a:ext cx="4298100" cy="4286700"/>
             </a:xfrm>
-            <a:prstGeom prst="rect">
-              <a:avLst/>
+            <a:prstGeom prst="diagStripe">
+              <a:avLst>
+                <a:gd fmla="val 0" name="adj"/>
+              </a:avLst>
             </a:prstGeom>
             <a:solidFill>
-              <a:schemeClr val="lt1"/>
+              <a:schemeClr val="lt1">
+                <a:alpha val="3460"/>
+              </a:schemeClr>
             </a:solidFill>
             <a:ln>
               <a:noFill/>
@@ -2483,10 +3166,758 @@
             </a:p>
           </p:txBody>
         </p:sp>
+        <p:sp>
+          <p:nvSpPr>
+            <p:cNvPr id="23" name="Google Shape;23;p3"/>
+            <p:cNvSpPr/>
+            <p:nvPr/>
+          </p:nvSpPr>
+          <p:spPr>
+            <a:xfrm rot="-5400000">
+              <a:off x="5618399" y="1236468"/>
+              <a:ext cx="808800" cy="808800"/>
+            </a:xfrm>
+            <a:prstGeom prst="diagStripe">
+              <a:avLst>
+                <a:gd fmla="val 50000" name="adj"/>
+              </a:avLst>
+            </a:prstGeom>
+            <a:solidFill>
+              <a:schemeClr val="lt1">
+                <a:alpha val="7310"/>
+              </a:schemeClr>
+            </a:solidFill>
+            <a:ln>
+              <a:noFill/>
+            </a:ln>
+          </p:spPr>
+          <p:txBody>
+            <a:bodyPr anchorCtr="0" anchor="ctr" bIns="91425" lIns="91425" spcFirstLastPara="1" rIns="91425" wrap="square" tIns="91425">
+              <a:noAutofit/>
+            </a:bodyPr>
+            <a:lstStyle/>
+            <a:p>
+              <a:pPr indent="0" lvl="0" marL="0" rtl="0" algn="l">
+                <a:spcBef>
+                  <a:spcPts val="0"/>
+                </a:spcBef>
+                <a:spcAft>
+                  <a:spcPts val="0"/>
+                </a:spcAft>
+                <a:buNone/>
+              </a:pPr>
+              <a:r>
+                <a:t/>
+              </a:r>
+              <a:endParaRPr/>
+            </a:p>
+          </p:txBody>
+        </p:sp>
+        <p:sp>
+          <p:nvSpPr>
+            <p:cNvPr id="24" name="Google Shape;24;p3"/>
+            <p:cNvSpPr/>
+            <p:nvPr/>
+          </p:nvSpPr>
+          <p:spPr>
+            <a:xfrm flipH="1">
+              <a:off x="5849857" y="1443956"/>
+              <a:ext cx="808800" cy="808800"/>
+            </a:xfrm>
+            <a:prstGeom prst="diagStripe">
+              <a:avLst>
+                <a:gd fmla="val 50000" name="adj"/>
+              </a:avLst>
+            </a:prstGeom>
+            <a:solidFill>
+              <a:schemeClr val="lt1">
+                <a:alpha val="7310"/>
+              </a:schemeClr>
+            </a:solidFill>
+            <a:ln>
+              <a:noFill/>
+            </a:ln>
+          </p:spPr>
+          <p:txBody>
+            <a:bodyPr anchorCtr="0" anchor="ctr" bIns="91425" lIns="91425" spcFirstLastPara="1" rIns="91425" wrap="square" tIns="91425">
+              <a:noAutofit/>
+            </a:bodyPr>
+            <a:lstStyle/>
+            <a:p>
+              <a:pPr indent="0" lvl="0" marL="0" rtl="0" algn="l">
+                <a:spcBef>
+                  <a:spcPts val="0"/>
+                </a:spcBef>
+                <a:spcAft>
+                  <a:spcPts val="0"/>
+                </a:spcAft>
+                <a:buNone/>
+              </a:pPr>
+              <a:r>
+                <a:t/>
+              </a:r>
+              <a:endParaRPr/>
+            </a:p>
+          </p:txBody>
+        </p:sp>
+        <p:sp>
+          <p:nvSpPr>
+            <p:cNvPr id="25" name="Google Shape;25;p3"/>
+            <p:cNvSpPr/>
+            <p:nvPr/>
+          </p:nvSpPr>
+          <p:spPr>
+            <a:xfrm rot="-5400000">
+              <a:off x="5987081" y="2469465"/>
+              <a:ext cx="808800" cy="808800"/>
+            </a:xfrm>
+            <a:prstGeom prst="diagStripe">
+              <a:avLst>
+                <a:gd fmla="val 50000" name="adj"/>
+              </a:avLst>
+            </a:prstGeom>
+            <a:solidFill>
+              <a:schemeClr val="lt1">
+                <a:alpha val="7310"/>
+              </a:schemeClr>
+            </a:solidFill>
+            <a:ln>
+              <a:noFill/>
+            </a:ln>
+          </p:spPr>
+          <p:txBody>
+            <a:bodyPr anchorCtr="0" anchor="ctr" bIns="91425" lIns="91425" spcFirstLastPara="1" rIns="91425" wrap="square" tIns="91425">
+              <a:noAutofit/>
+            </a:bodyPr>
+            <a:lstStyle/>
+            <a:p>
+              <a:pPr indent="0" lvl="0" marL="0" rtl="0" algn="l">
+                <a:spcBef>
+                  <a:spcPts val="0"/>
+                </a:spcBef>
+                <a:spcAft>
+                  <a:spcPts val="0"/>
+                </a:spcAft>
+                <a:buNone/>
+              </a:pPr>
+              <a:r>
+                <a:t/>
+              </a:r>
+              <a:endParaRPr/>
+            </a:p>
+          </p:txBody>
+        </p:sp>
+        <p:sp>
+          <p:nvSpPr>
+            <p:cNvPr id="26" name="Google Shape;26;p3"/>
+            <p:cNvSpPr/>
+            <p:nvPr/>
+          </p:nvSpPr>
+          <p:spPr>
+            <a:xfrm flipH="1">
+              <a:off x="6222115" y="2676953"/>
+              <a:ext cx="808800" cy="808800"/>
+            </a:xfrm>
+            <a:prstGeom prst="diagStripe">
+              <a:avLst>
+                <a:gd fmla="val 50000" name="adj"/>
+              </a:avLst>
+            </a:prstGeom>
+            <a:solidFill>
+              <a:schemeClr val="lt1">
+                <a:alpha val="7310"/>
+              </a:schemeClr>
+            </a:solidFill>
+            <a:ln>
+              <a:noFill/>
+            </a:ln>
+          </p:spPr>
+          <p:txBody>
+            <a:bodyPr anchorCtr="0" anchor="ctr" bIns="91425" lIns="91425" spcFirstLastPara="1" rIns="91425" wrap="square" tIns="91425">
+              <a:noAutofit/>
+            </a:bodyPr>
+            <a:lstStyle/>
+            <a:p>
+              <a:pPr indent="0" lvl="0" marL="0" rtl="0" algn="l">
+                <a:spcBef>
+                  <a:spcPts val="0"/>
+                </a:spcBef>
+                <a:spcAft>
+                  <a:spcPts val="0"/>
+                </a:spcAft>
+                <a:buNone/>
+              </a:pPr>
+              <a:r>
+                <a:t/>
+              </a:r>
+              <a:endParaRPr/>
+            </a:p>
+          </p:txBody>
+        </p:sp>
+        <p:sp>
+          <p:nvSpPr>
+            <p:cNvPr id="27" name="Google Shape;27;p3"/>
+            <p:cNvSpPr/>
+            <p:nvPr/>
+          </p:nvSpPr>
+          <p:spPr>
+            <a:xfrm rot="-5400000">
+              <a:off x="6675341" y="1862018"/>
+              <a:ext cx="808800" cy="808800"/>
+            </a:xfrm>
+            <a:prstGeom prst="diagStripe">
+              <a:avLst>
+                <a:gd fmla="val 50000" name="adj"/>
+              </a:avLst>
+            </a:prstGeom>
+            <a:solidFill>
+              <a:schemeClr val="lt1">
+                <a:alpha val="7310"/>
+              </a:schemeClr>
+            </a:solidFill>
+            <a:ln>
+              <a:noFill/>
+            </a:ln>
+          </p:spPr>
+          <p:txBody>
+            <a:bodyPr anchorCtr="0" anchor="ctr" bIns="91425" lIns="91425" spcFirstLastPara="1" rIns="91425" wrap="square" tIns="91425">
+              <a:noAutofit/>
+            </a:bodyPr>
+            <a:lstStyle/>
+            <a:p>
+              <a:pPr indent="0" lvl="0" marL="0" rtl="0" algn="l">
+                <a:spcBef>
+                  <a:spcPts val="0"/>
+                </a:spcBef>
+                <a:spcAft>
+                  <a:spcPts val="0"/>
+                </a:spcAft>
+                <a:buNone/>
+              </a:pPr>
+              <a:r>
+                <a:t/>
+              </a:r>
+              <a:endParaRPr/>
+            </a:p>
+          </p:txBody>
+        </p:sp>
+        <p:sp>
+          <p:nvSpPr>
+            <p:cNvPr id="28" name="Google Shape;28;p3"/>
+            <p:cNvSpPr/>
+            <p:nvPr/>
+          </p:nvSpPr>
+          <p:spPr>
+            <a:xfrm flipH="1">
+              <a:off x="6908099" y="2069505"/>
+              <a:ext cx="808800" cy="808800"/>
+            </a:xfrm>
+            <a:prstGeom prst="diagStripe">
+              <a:avLst>
+                <a:gd fmla="val 50000" name="adj"/>
+              </a:avLst>
+            </a:prstGeom>
+            <a:solidFill>
+              <a:schemeClr val="lt2"/>
+            </a:solidFill>
+            <a:ln>
+              <a:noFill/>
+            </a:ln>
+          </p:spPr>
+          <p:txBody>
+            <a:bodyPr anchorCtr="0" anchor="ctr" bIns="91425" lIns="91425" spcFirstLastPara="1" rIns="91425" wrap="square" tIns="91425">
+              <a:noAutofit/>
+            </a:bodyPr>
+            <a:lstStyle/>
+            <a:p>
+              <a:pPr indent="0" lvl="0" marL="0" rtl="0" algn="l">
+                <a:spcBef>
+                  <a:spcPts val="0"/>
+                </a:spcBef>
+                <a:spcAft>
+                  <a:spcPts val="0"/>
+                </a:spcAft>
+                <a:buNone/>
+              </a:pPr>
+              <a:r>
+                <a:t/>
+              </a:r>
+              <a:endParaRPr/>
+            </a:p>
+          </p:txBody>
+        </p:sp>
+        <p:sp>
+          <p:nvSpPr>
+            <p:cNvPr id="29" name="Google Shape;29;p3"/>
+            <p:cNvSpPr/>
+            <p:nvPr/>
+          </p:nvSpPr>
+          <p:spPr>
+            <a:xfrm rot="-5400000">
+              <a:off x="6861141" y="2477810"/>
+              <a:ext cx="808800" cy="808800"/>
+            </a:xfrm>
+            <a:prstGeom prst="diagStripe">
+              <a:avLst>
+                <a:gd fmla="val 50000" name="adj"/>
+              </a:avLst>
+            </a:prstGeom>
+            <a:solidFill>
+              <a:schemeClr val="lt1">
+                <a:alpha val="7310"/>
+              </a:schemeClr>
+            </a:solidFill>
+            <a:ln>
+              <a:noFill/>
+            </a:ln>
+          </p:spPr>
+          <p:txBody>
+            <a:bodyPr anchorCtr="0" anchor="ctr" bIns="91425" lIns="91425" spcFirstLastPara="1" rIns="91425" wrap="square" tIns="91425">
+              <a:noAutofit/>
+            </a:bodyPr>
+            <a:lstStyle/>
+            <a:p>
+              <a:pPr indent="0" lvl="0" marL="0" rtl="0" algn="l">
+                <a:spcBef>
+                  <a:spcPts val="0"/>
+                </a:spcBef>
+                <a:spcAft>
+                  <a:spcPts val="0"/>
+                </a:spcAft>
+                <a:buNone/>
+              </a:pPr>
+              <a:r>
+                <a:t/>
+              </a:r>
+              <a:endParaRPr/>
+            </a:p>
+          </p:txBody>
+        </p:sp>
+        <p:sp>
+          <p:nvSpPr>
+            <p:cNvPr id="30" name="Google Shape;30;p3"/>
+            <p:cNvSpPr/>
+            <p:nvPr/>
+          </p:nvSpPr>
+          <p:spPr>
+            <a:xfrm flipH="1">
+              <a:off x="7965266" y="2692963"/>
+              <a:ext cx="808800" cy="808800"/>
+            </a:xfrm>
+            <a:prstGeom prst="diagStripe">
+              <a:avLst>
+                <a:gd fmla="val 50000" name="adj"/>
+              </a:avLst>
+            </a:prstGeom>
+            <a:solidFill>
+              <a:schemeClr val="lt1">
+                <a:alpha val="7310"/>
+              </a:schemeClr>
+            </a:solidFill>
+            <a:ln>
+              <a:noFill/>
+            </a:ln>
+          </p:spPr>
+          <p:txBody>
+            <a:bodyPr anchorCtr="0" anchor="ctr" bIns="91425" lIns="91425" spcFirstLastPara="1" rIns="91425" wrap="square" tIns="91425">
+              <a:noAutofit/>
+            </a:bodyPr>
+            <a:lstStyle/>
+            <a:p>
+              <a:pPr indent="0" lvl="0" marL="0" rtl="0" algn="l">
+                <a:spcBef>
+                  <a:spcPts val="0"/>
+                </a:spcBef>
+                <a:spcAft>
+                  <a:spcPts val="0"/>
+                </a:spcAft>
+                <a:buNone/>
+              </a:pPr>
+              <a:r>
+                <a:t/>
+              </a:r>
+              <a:endParaRPr/>
+            </a:p>
+          </p:txBody>
+        </p:sp>
+        <p:sp>
+          <p:nvSpPr>
+            <p:cNvPr id="31" name="Google Shape;31;p3"/>
+            <p:cNvSpPr/>
+            <p:nvPr/>
+          </p:nvSpPr>
+          <p:spPr>
+            <a:xfrm flipH="1">
+              <a:off x="8145082" y="3308755"/>
+              <a:ext cx="808800" cy="808800"/>
+            </a:xfrm>
+            <a:prstGeom prst="diagStripe">
+              <a:avLst>
+                <a:gd fmla="val 50000" name="adj"/>
+              </a:avLst>
+            </a:prstGeom>
+            <a:solidFill>
+              <a:schemeClr val="lt1">
+                <a:alpha val="7310"/>
+              </a:schemeClr>
+            </a:solidFill>
+            <a:ln>
+              <a:noFill/>
+            </a:ln>
+          </p:spPr>
+          <p:txBody>
+            <a:bodyPr anchorCtr="0" anchor="ctr" bIns="91425" lIns="91425" spcFirstLastPara="1" rIns="91425" wrap="square" tIns="91425">
+              <a:noAutofit/>
+            </a:bodyPr>
+            <a:lstStyle/>
+            <a:p>
+              <a:pPr indent="0" lvl="0" marL="0" rtl="0" algn="l">
+                <a:spcBef>
+                  <a:spcPts val="0"/>
+                </a:spcBef>
+                <a:spcAft>
+                  <a:spcPts val="0"/>
+                </a:spcAft>
+                <a:buNone/>
+              </a:pPr>
+              <a:r>
+                <a:t/>
+              </a:r>
+              <a:endParaRPr/>
+            </a:p>
+          </p:txBody>
+        </p:sp>
+        <p:sp>
+          <p:nvSpPr>
+            <p:cNvPr id="32" name="Google Shape;32;p3"/>
+            <p:cNvSpPr/>
+            <p:nvPr/>
+          </p:nvSpPr>
+          <p:spPr>
+            <a:xfrm rot="-5400000">
+              <a:off x="7047599" y="3095015"/>
+              <a:ext cx="808800" cy="808800"/>
+            </a:xfrm>
+            <a:prstGeom prst="diagStripe">
+              <a:avLst>
+                <a:gd fmla="val 50000" name="adj"/>
+              </a:avLst>
+            </a:prstGeom>
+            <a:solidFill>
+              <a:schemeClr val="lt1">
+                <a:alpha val="7310"/>
+              </a:schemeClr>
+            </a:solidFill>
+            <a:ln>
+              <a:noFill/>
+            </a:ln>
+          </p:spPr>
+          <p:txBody>
+            <a:bodyPr anchorCtr="0" anchor="ctr" bIns="91425" lIns="91425" spcFirstLastPara="1" rIns="91425" wrap="square" tIns="91425">
+              <a:noAutofit/>
+            </a:bodyPr>
+            <a:lstStyle/>
+            <a:p>
+              <a:pPr indent="0" lvl="0" marL="0" rtl="0" algn="l">
+                <a:spcBef>
+                  <a:spcPts val="0"/>
+                </a:spcBef>
+                <a:spcAft>
+                  <a:spcPts val="0"/>
+                </a:spcAft>
+                <a:buNone/>
+              </a:pPr>
+              <a:r>
+                <a:t/>
+              </a:r>
+              <a:endParaRPr/>
+            </a:p>
+          </p:txBody>
+        </p:sp>
+        <p:sp>
+          <p:nvSpPr>
+            <p:cNvPr id="33" name="Google Shape;33;p3"/>
+            <p:cNvSpPr/>
+            <p:nvPr/>
+          </p:nvSpPr>
+          <p:spPr>
+            <a:xfrm flipH="1">
+              <a:off x="7276649" y="3302502"/>
+              <a:ext cx="808800" cy="808800"/>
+            </a:xfrm>
+            <a:prstGeom prst="diagStripe">
+              <a:avLst>
+                <a:gd fmla="val 50000" name="adj"/>
+              </a:avLst>
+            </a:prstGeom>
+            <a:solidFill>
+              <a:schemeClr val="lt1">
+                <a:alpha val="7310"/>
+              </a:schemeClr>
+            </a:solidFill>
+            <a:ln>
+              <a:noFill/>
+            </a:ln>
+          </p:spPr>
+          <p:txBody>
+            <a:bodyPr anchorCtr="0" anchor="ctr" bIns="91425" lIns="91425" spcFirstLastPara="1" rIns="91425" wrap="square" tIns="91425">
+              <a:noAutofit/>
+            </a:bodyPr>
+            <a:lstStyle/>
+            <a:p>
+              <a:pPr indent="0" lvl="0" marL="0" rtl="0" algn="l">
+                <a:spcBef>
+                  <a:spcPts val="0"/>
+                </a:spcBef>
+                <a:spcAft>
+                  <a:spcPts val="0"/>
+                </a:spcAft>
+                <a:buNone/>
+              </a:pPr>
+              <a:r>
+                <a:t/>
+              </a:r>
+              <a:endParaRPr/>
+            </a:p>
+          </p:txBody>
+        </p:sp>
+        <p:sp>
+          <p:nvSpPr>
+            <p:cNvPr id="34" name="Google Shape;34;p3"/>
+            <p:cNvSpPr/>
+            <p:nvPr/>
+          </p:nvSpPr>
+          <p:spPr>
+            <a:xfrm rot="-5400000">
+              <a:off x="7227414" y="3710807"/>
+              <a:ext cx="808800" cy="808800"/>
+            </a:xfrm>
+            <a:prstGeom prst="diagStripe">
+              <a:avLst>
+                <a:gd fmla="val 50000" name="adj"/>
+              </a:avLst>
+            </a:prstGeom>
+            <a:solidFill>
+              <a:schemeClr val="accent1"/>
+            </a:solidFill>
+            <a:ln>
+              <a:noFill/>
+            </a:ln>
+          </p:spPr>
+          <p:txBody>
+            <a:bodyPr anchorCtr="0" anchor="ctr" bIns="91425" lIns="91425" spcFirstLastPara="1" rIns="91425" wrap="square" tIns="91425">
+              <a:noAutofit/>
+            </a:bodyPr>
+            <a:lstStyle/>
+            <a:p>
+              <a:pPr indent="0" lvl="0" marL="0" rtl="0" algn="l">
+                <a:spcBef>
+                  <a:spcPts val="0"/>
+                </a:spcBef>
+                <a:spcAft>
+                  <a:spcPts val="0"/>
+                </a:spcAft>
+                <a:buNone/>
+              </a:pPr>
+              <a:r>
+                <a:t/>
+              </a:r>
+              <a:endParaRPr/>
+            </a:p>
+          </p:txBody>
+        </p:sp>
+        <p:sp>
+          <p:nvSpPr>
+            <p:cNvPr id="35" name="Google Shape;35;p3"/>
+            <p:cNvSpPr/>
+            <p:nvPr/>
+          </p:nvSpPr>
+          <p:spPr>
+            <a:xfrm flipH="1">
+              <a:off x="7462448" y="3918294"/>
+              <a:ext cx="808800" cy="808800"/>
+            </a:xfrm>
+            <a:prstGeom prst="diagStripe">
+              <a:avLst>
+                <a:gd fmla="val 50000" name="adj"/>
+              </a:avLst>
+            </a:prstGeom>
+            <a:solidFill>
+              <a:schemeClr val="lt1">
+                <a:alpha val="7310"/>
+              </a:schemeClr>
+            </a:solidFill>
+            <a:ln>
+              <a:noFill/>
+            </a:ln>
+          </p:spPr>
+          <p:txBody>
+            <a:bodyPr anchorCtr="0" anchor="ctr" bIns="91425" lIns="91425" spcFirstLastPara="1" rIns="91425" wrap="square" tIns="91425">
+              <a:noAutofit/>
+            </a:bodyPr>
+            <a:lstStyle/>
+            <a:p>
+              <a:pPr indent="0" lvl="0" marL="0" rtl="0" algn="l">
+                <a:spcBef>
+                  <a:spcPts val="0"/>
+                </a:spcBef>
+                <a:spcAft>
+                  <a:spcPts val="0"/>
+                </a:spcAft>
+                <a:buNone/>
+              </a:pPr>
+              <a:r>
+                <a:t/>
+              </a:r>
+              <a:endParaRPr/>
+            </a:p>
+          </p:txBody>
+        </p:sp>
+        <p:sp>
+          <p:nvSpPr>
+            <p:cNvPr id="36" name="Google Shape;36;p3"/>
+            <p:cNvSpPr/>
+            <p:nvPr/>
+          </p:nvSpPr>
+          <p:spPr>
+            <a:xfrm rot="-5400000">
+              <a:off x="8102491" y="3718473"/>
+              <a:ext cx="808800" cy="808800"/>
+            </a:xfrm>
+            <a:prstGeom prst="diagStripe">
+              <a:avLst>
+                <a:gd fmla="val 50000" name="adj"/>
+              </a:avLst>
+            </a:prstGeom>
+            <a:solidFill>
+              <a:schemeClr val="lt1">
+                <a:alpha val="7310"/>
+              </a:schemeClr>
+            </a:solidFill>
+            <a:ln>
+              <a:noFill/>
+            </a:ln>
+          </p:spPr>
+          <p:txBody>
+            <a:bodyPr anchorCtr="0" anchor="ctr" bIns="91425" lIns="91425" spcFirstLastPara="1" rIns="91425" wrap="square" tIns="91425">
+              <a:noAutofit/>
+            </a:bodyPr>
+            <a:lstStyle/>
+            <a:p>
+              <a:pPr indent="0" lvl="0" marL="0" rtl="0" algn="l">
+                <a:spcBef>
+                  <a:spcPts val="0"/>
+                </a:spcBef>
+                <a:spcAft>
+                  <a:spcPts val="0"/>
+                </a:spcAft>
+                <a:buNone/>
+              </a:pPr>
+              <a:r>
+                <a:t/>
+              </a:r>
+              <a:endParaRPr/>
+            </a:p>
+          </p:txBody>
+        </p:sp>
+        <p:sp>
+          <p:nvSpPr>
+            <p:cNvPr id="37" name="Google Shape;37;p3"/>
+            <p:cNvSpPr/>
+            <p:nvPr/>
+          </p:nvSpPr>
+          <p:spPr>
+            <a:xfrm flipH="1">
+              <a:off x="8334533" y="3925960"/>
+              <a:ext cx="808800" cy="808800"/>
+            </a:xfrm>
+            <a:prstGeom prst="diagStripe">
+              <a:avLst>
+                <a:gd fmla="val 50000" name="adj"/>
+              </a:avLst>
+            </a:prstGeom>
+            <a:solidFill>
+              <a:schemeClr val="lt1">
+                <a:alpha val="7310"/>
+              </a:schemeClr>
+            </a:solidFill>
+            <a:ln>
+              <a:noFill/>
+            </a:ln>
+          </p:spPr>
+          <p:txBody>
+            <a:bodyPr anchorCtr="0" anchor="ctr" bIns="91425" lIns="91425" spcFirstLastPara="1" rIns="91425" wrap="square" tIns="91425">
+              <a:noAutofit/>
+            </a:bodyPr>
+            <a:lstStyle/>
+            <a:p>
+              <a:pPr indent="0" lvl="0" marL="0" rtl="0" algn="l">
+                <a:spcBef>
+                  <a:spcPts val="0"/>
+                </a:spcBef>
+                <a:spcAft>
+                  <a:spcPts val="0"/>
+                </a:spcAft>
+                <a:buNone/>
+              </a:pPr>
+              <a:r>
+                <a:t/>
+              </a:r>
+              <a:endParaRPr/>
+            </a:p>
+          </p:txBody>
+        </p:sp>
+        <p:sp>
+          <p:nvSpPr>
+            <p:cNvPr id="38" name="Google Shape;38;p3"/>
+            <p:cNvSpPr/>
+            <p:nvPr/>
+          </p:nvSpPr>
+          <p:spPr>
+            <a:xfrm rot="-5400000">
+              <a:off x="8288290" y="4334265"/>
+              <a:ext cx="808800" cy="808800"/>
+            </a:xfrm>
+            <a:prstGeom prst="diagStripe">
+              <a:avLst>
+                <a:gd fmla="val 50000" name="adj"/>
+              </a:avLst>
+            </a:prstGeom>
+            <a:solidFill>
+              <a:schemeClr val="lt1">
+                <a:alpha val="7310"/>
+              </a:schemeClr>
+            </a:solidFill>
+            <a:ln>
+              <a:noFill/>
+            </a:ln>
+          </p:spPr>
+          <p:txBody>
+            <a:bodyPr anchorCtr="0" anchor="ctr" bIns="91425" lIns="91425" spcFirstLastPara="1" rIns="91425" wrap="square" tIns="91425">
+              <a:noAutofit/>
+            </a:bodyPr>
+            <a:lstStyle/>
+            <a:p>
+              <a:pPr indent="0" lvl="0" marL="0" rtl="0" algn="l">
+                <a:spcBef>
+                  <a:spcPts val="0"/>
+                </a:spcBef>
+                <a:spcAft>
+                  <a:spcPts val="0"/>
+                </a:spcAft>
+                <a:buNone/>
+              </a:pPr>
+              <a:r>
+                <a:t/>
+              </a:r>
+              <a:endParaRPr/>
+            </a:p>
+          </p:txBody>
+        </p:sp>
       </p:grpSp>
       <p:sp>
         <p:nvSpPr>
-          <p:cNvPr id="21" name="Google Shape;21;p3"/>
+          <p:cNvPr id="39" name="Google Shape;39;p3"/>
           <p:cNvSpPr txBox="1"/>
           <p:nvPr>
             <p:ph type="title"/>
@@ -2494,15 +3925,15 @@
         </p:nvSpPr>
         <p:spPr>
           <a:xfrm>
-            <a:off x="729450" y="1322450"/>
-            <a:ext cx="7688400" cy="1518600"/>
+            <a:off x="823850" y="2053000"/>
+            <a:ext cx="4587000" cy="1148700"/>
           </a:xfrm>
           <a:prstGeom prst="rect">
             <a:avLst/>
           </a:prstGeom>
         </p:spPr>
         <p:txBody>
-          <a:bodyPr anchorCtr="0" anchor="t" bIns="91425" lIns="91425" spcFirstLastPara="1" rIns="91425" wrap="square" tIns="91425">
+          <a:bodyPr anchorCtr="0" anchor="ctr" bIns="91425" lIns="91425" spcFirstLastPara="1" rIns="91425" wrap="square" tIns="91425">
             <a:normAutofit/>
           </a:bodyPr>
           <a:lstStyle>
@@ -2513,16 +3944,9 @@
               <a:spcAft>
                 <a:spcPts val="0"/>
               </a:spcAft>
-              <a:buClr>
-                <a:schemeClr val="lt1"/>
-              </a:buClr>
-              <a:buSzPts val="3600"/>
-              <a:buNone/>
-              <a:defRPr sz="3600">
-                <a:solidFill>
-                  <a:schemeClr val="lt1"/>
-                </a:solidFill>
-              </a:defRPr>
+              <a:buSzPts val="2800"/>
+              <a:buNone/>
+              <a:defRPr/>
             </a:lvl1pPr>
             <a:lvl2pPr lvl="1">
               <a:spcBef>
@@ -2531,16 +3955,9 @@
               <a:spcAft>
                 <a:spcPts val="0"/>
               </a:spcAft>
-              <a:buClr>
-                <a:schemeClr val="lt1"/>
-              </a:buClr>
-              <a:buSzPts val="3600"/>
-              <a:buNone/>
-              <a:defRPr sz="3600">
-                <a:solidFill>
-                  <a:schemeClr val="lt1"/>
-                </a:solidFill>
-              </a:defRPr>
+              <a:buSzPts val="2800"/>
+              <a:buNone/>
+              <a:defRPr/>
             </a:lvl2pPr>
             <a:lvl3pPr lvl="2">
               <a:spcBef>
@@ -2549,16 +3966,9 @@
               <a:spcAft>
                 <a:spcPts val="0"/>
               </a:spcAft>
-              <a:buClr>
-                <a:schemeClr val="lt1"/>
-              </a:buClr>
-              <a:buSzPts val="3600"/>
-              <a:buNone/>
-              <a:defRPr sz="3600">
-                <a:solidFill>
-                  <a:schemeClr val="lt1"/>
-                </a:solidFill>
-              </a:defRPr>
+              <a:buSzPts val="2800"/>
+              <a:buNone/>
+              <a:defRPr/>
             </a:lvl3pPr>
             <a:lvl4pPr lvl="3">
               <a:spcBef>
@@ -2567,16 +3977,9 @@
               <a:spcAft>
                 <a:spcPts val="0"/>
               </a:spcAft>
-              <a:buClr>
-                <a:schemeClr val="lt1"/>
-              </a:buClr>
-              <a:buSzPts val="3600"/>
-              <a:buNone/>
-              <a:defRPr sz="3600">
-                <a:solidFill>
-                  <a:schemeClr val="lt1"/>
-                </a:solidFill>
-              </a:defRPr>
+              <a:buSzPts val="2800"/>
+              <a:buNone/>
+              <a:defRPr/>
             </a:lvl4pPr>
             <a:lvl5pPr lvl="4">
               <a:spcBef>
@@ -2585,16 +3988,9 @@
               <a:spcAft>
                 <a:spcPts val="0"/>
               </a:spcAft>
-              <a:buClr>
-                <a:schemeClr val="lt1"/>
-              </a:buClr>
-              <a:buSzPts val="3600"/>
-              <a:buNone/>
-              <a:defRPr sz="3600">
-                <a:solidFill>
-                  <a:schemeClr val="lt1"/>
-                </a:solidFill>
-              </a:defRPr>
+              <a:buSzPts val="2800"/>
+              <a:buNone/>
+              <a:defRPr/>
             </a:lvl5pPr>
             <a:lvl6pPr lvl="5">
               <a:spcBef>
@@ -2603,16 +3999,9 @@
               <a:spcAft>
                 <a:spcPts val="0"/>
               </a:spcAft>
-              <a:buClr>
-                <a:schemeClr val="lt1"/>
-              </a:buClr>
-              <a:buSzPts val="3600"/>
-              <a:buNone/>
-              <a:defRPr sz="3600">
-                <a:solidFill>
-                  <a:schemeClr val="lt1"/>
-                </a:solidFill>
-              </a:defRPr>
+              <a:buSzPts val="2800"/>
+              <a:buNone/>
+              <a:defRPr/>
             </a:lvl6pPr>
             <a:lvl7pPr lvl="6">
               <a:spcBef>
@@ -2621,16 +4010,9 @@
               <a:spcAft>
                 <a:spcPts val="0"/>
               </a:spcAft>
-              <a:buClr>
-                <a:schemeClr val="lt1"/>
-              </a:buClr>
-              <a:buSzPts val="3600"/>
-              <a:buNone/>
-              <a:defRPr sz="3600">
-                <a:solidFill>
-                  <a:schemeClr val="lt1"/>
-                </a:solidFill>
-              </a:defRPr>
+              <a:buSzPts val="2800"/>
+              <a:buNone/>
+              <a:defRPr/>
             </a:lvl7pPr>
             <a:lvl8pPr lvl="7">
               <a:spcBef>
@@ -2639,16 +4021,9 @@
               <a:spcAft>
                 <a:spcPts val="0"/>
               </a:spcAft>
-              <a:buClr>
-                <a:schemeClr val="lt1"/>
-              </a:buClr>
-              <a:buSzPts val="3600"/>
-              <a:buNone/>
-              <a:defRPr sz="3600">
-                <a:solidFill>
-                  <a:schemeClr val="lt1"/>
-                </a:solidFill>
-              </a:defRPr>
+              <a:buSzPts val="2800"/>
+              <a:buNone/>
+              <a:defRPr/>
             </a:lvl8pPr>
             <a:lvl9pPr lvl="8">
               <a:spcBef>
@@ -2657,16 +4032,9 @@
               <a:spcAft>
                 <a:spcPts val="0"/>
               </a:spcAft>
-              <a:buClr>
-                <a:schemeClr val="lt1"/>
-              </a:buClr>
-              <a:buSzPts val="3600"/>
-              <a:buNone/>
-              <a:defRPr sz="3600">
-                <a:solidFill>
-                  <a:schemeClr val="lt1"/>
-                </a:solidFill>
-              </a:defRPr>
+              <a:buSzPts val="2800"/>
+              <a:buNone/>
+              <a:defRPr/>
             </a:lvl9pPr>
           </a:lstStyle>
           <a:p/>
@@ -2674,7 +4042,7 @@
       </p:sp>
       <p:sp>
         <p:nvSpPr>
-          <p:cNvPr id="22" name="Google Shape;22;p3"/>
+          <p:cNvPr id="40" name="Google Shape;40;p3"/>
           <p:cNvSpPr txBox="1"/>
           <p:nvPr>
             <p:ph idx="12" type="sldNum"/>
@@ -2682,7 +4050,7 @@
         </p:nvSpPr>
         <p:spPr>
           <a:xfrm>
-            <a:off x="8536302" y="4749851"/>
+            <a:off x="8472458" y="4663217"/>
             <a:ext cx="548700" cy="393600"/>
           </a:xfrm>
           <a:prstGeom prst="rect">
@@ -2696,75 +4064,39 @@
           <a:lstStyle>
             <a:lvl1pPr lvl="0">
               <a:buNone/>
-              <a:defRPr>
-                <a:solidFill>
-                  <a:schemeClr val="lt1"/>
-                </a:solidFill>
-              </a:defRPr>
+              <a:defRPr/>
             </a:lvl1pPr>
             <a:lvl2pPr lvl="1">
               <a:buNone/>
-              <a:defRPr>
-                <a:solidFill>
-                  <a:schemeClr val="lt1"/>
-                </a:solidFill>
-              </a:defRPr>
+              <a:defRPr/>
             </a:lvl2pPr>
             <a:lvl3pPr lvl="2">
               <a:buNone/>
-              <a:defRPr>
-                <a:solidFill>
-                  <a:schemeClr val="lt1"/>
-                </a:solidFill>
-              </a:defRPr>
+              <a:defRPr/>
             </a:lvl3pPr>
             <a:lvl4pPr lvl="3">
               <a:buNone/>
-              <a:defRPr>
-                <a:solidFill>
-                  <a:schemeClr val="lt1"/>
-                </a:solidFill>
-              </a:defRPr>
+              <a:defRPr/>
             </a:lvl4pPr>
             <a:lvl5pPr lvl="4">
               <a:buNone/>
-              <a:defRPr>
-                <a:solidFill>
-                  <a:schemeClr val="lt1"/>
-                </a:solidFill>
-              </a:defRPr>
+              <a:defRPr/>
             </a:lvl5pPr>
             <a:lvl6pPr lvl="5">
               <a:buNone/>
-              <a:defRPr>
-                <a:solidFill>
-                  <a:schemeClr val="lt1"/>
-                </a:solidFill>
-              </a:defRPr>
+              <a:defRPr/>
             </a:lvl6pPr>
             <a:lvl7pPr lvl="6">
               <a:buNone/>
-              <a:defRPr>
-                <a:solidFill>
-                  <a:schemeClr val="lt1"/>
-                </a:solidFill>
-              </a:defRPr>
+              <a:defRPr/>
             </a:lvl7pPr>
             <a:lvl8pPr lvl="7">
               <a:buNone/>
-              <a:defRPr>
-                <a:solidFill>
-                  <a:schemeClr val="lt1"/>
-                </a:solidFill>
-              </a:defRPr>
+              <a:defRPr/>
             </a:lvl8pPr>
             <a:lvl9pPr lvl="8">
               <a:buNone/>
-              <a:defRPr>
-                <a:solidFill>
-                  <a:schemeClr val="lt1"/>
-                </a:solidFill>
-              </a:defRPr>
+              <a:defRPr/>
             </a:lvl9pPr>
           </a:lstStyle>
           <a:p>
@@ -2798,7 +4130,7 @@
   <p:cSld name="TITLE_AND_BODY">
     <p:spTree>
       <p:nvGrpSpPr>
-        <p:cNvPr id="23" name="Shape 23"/>
+        <p:cNvPr id="41" name="Shape 41"/>
         <p:cNvGrpSpPr/>
         <p:nvPr/>
       </p:nvGrpSpPr>
@@ -2810,79 +4142,38 @@
           <a:chExt cx="0" cy="0"/>
         </a:xfrm>
       </p:grpSpPr>
-      <p:sp>
-        <p:nvSpPr>
-          <p:cNvPr id="24" name="Google Shape;24;p4"/>
-          <p:cNvSpPr/>
-          <p:nvPr/>
-        </p:nvSpPr>
-        <p:spPr>
-          <a:xfrm>
-            <a:off x="0" y="0"/>
-            <a:ext cx="9144000" cy="487800"/>
-          </a:xfrm>
-          <a:prstGeom prst="rect">
-            <a:avLst/>
-          </a:prstGeom>
-          <a:solidFill>
-            <a:schemeClr val="lt2"/>
-          </a:solidFill>
-          <a:ln>
-            <a:noFill/>
-          </a:ln>
-        </p:spPr>
-        <p:txBody>
-          <a:bodyPr anchorCtr="0" anchor="ctr" bIns="91425" lIns="91425" spcFirstLastPara="1" rIns="91425" wrap="square" tIns="91425">
-            <a:noAutofit/>
-          </a:bodyPr>
-          <a:lstStyle/>
-          <a:p>
-            <a:pPr indent="0" lvl="0" marL="0" rtl="0" algn="l">
-              <a:spcBef>
-                <a:spcPts val="0"/>
-              </a:spcBef>
-              <a:spcAft>
-                <a:spcPts val="0"/>
-              </a:spcAft>
-              <a:buNone/>
-            </a:pPr>
-            <a:r>
-              <a:t/>
-            </a:r>
-            <a:endParaRPr/>
-          </a:p>
-        </p:txBody>
-      </p:sp>
       <p:grpSp>
         <p:nvGrpSpPr>
-          <p:cNvPr id="25" name="Google Shape;25;p4"/>
+          <p:cNvPr id="42" name="Google Shape;42;p4"/>
           <p:cNvGrpSpPr/>
           <p:nvPr/>
         </p:nvGrpSpPr>
         <p:grpSpPr>
           <a:xfrm>
-            <a:off x="830392" y="1191256"/>
-            <a:ext cx="745763" cy="45826"/>
-            <a:chOff x="4580561" y="2589004"/>
-            <a:chExt cx="1064464" cy="25200"/>
+            <a:off x="0" y="381001"/>
+            <a:ext cx="1037850" cy="1016287"/>
+            <a:chOff x="0" y="381001"/>
+            <a:chExt cx="1037850" cy="1016287"/>
           </a:xfrm>
         </p:grpSpPr>
         <p:sp>
           <p:nvSpPr>
-            <p:cNvPr id="26" name="Google Shape;26;p4"/>
+            <p:cNvPr id="43" name="Google Shape;43;p4"/>
             <p:cNvSpPr/>
             <p:nvPr/>
           </p:nvSpPr>
           <p:spPr>
             <a:xfrm rot="-5400000">
-              <a:off x="5366325" y="2335504"/>
-              <a:ext cx="25200" cy="532200"/>
+              <a:off x="0" y="381001"/>
+              <a:ext cx="808800" cy="808800"/>
             </a:xfrm>
-            <a:prstGeom prst="rect">
-              <a:avLst/>
+            <a:prstGeom prst="diagStripe">
+              <a:avLst>
+                <a:gd fmla="val 50000" name="adj"/>
+              </a:avLst>
             </a:prstGeom>
             <a:solidFill>
-              <a:schemeClr val="accent3"/>
+              <a:schemeClr val="accent1"/>
             </a:solidFill>
             <a:ln>
               <a:noFill/>
@@ -2912,20 +4203,22 @@
         </p:sp>
         <p:sp>
           <p:nvSpPr>
-            <p:cNvPr id="27" name="Google Shape;27;p4"/>
+            <p:cNvPr id="44" name="Google Shape;44;p4"/>
             <p:cNvSpPr/>
             <p:nvPr/>
           </p:nvSpPr>
           <p:spPr>
-            <a:xfrm rot="-5400000">
-              <a:off x="4836311" y="2333254"/>
-              <a:ext cx="25200" cy="536700"/>
+            <a:xfrm flipH="1">
+              <a:off x="229050" y="588489"/>
+              <a:ext cx="808800" cy="808800"/>
             </a:xfrm>
-            <a:prstGeom prst="rect">
-              <a:avLst/>
+            <a:prstGeom prst="diagStripe">
+              <a:avLst>
+                <a:gd fmla="val 50000" name="adj"/>
+              </a:avLst>
             </a:prstGeom>
             <a:solidFill>
-              <a:schemeClr val="dk1"/>
+              <a:schemeClr val="lt2"/>
             </a:solidFill>
             <a:ln>
               <a:noFill/>
@@ -2956,7 +4249,7 @@
       </p:grpSp>
       <p:sp>
         <p:nvSpPr>
-          <p:cNvPr id="28" name="Google Shape;28;p4"/>
+          <p:cNvPr id="45" name="Google Shape;45;p4"/>
           <p:cNvSpPr txBox="1"/>
           <p:nvPr>
             <p:ph type="title"/>
@@ -2964,8 +4257,8 @@
         </p:nvSpPr>
         <p:spPr>
           <a:xfrm>
-            <a:off x="729450" y="1318650"/>
-            <a:ext cx="7688700" cy="535200"/>
+            <a:off x="1297500" y="393750"/>
+            <a:ext cx="7038900" cy="914100"/>
           </a:xfrm>
           <a:prstGeom prst="rect">
             <a:avLst/>
@@ -2983,9 +4276,9 @@
               <a:spcAft>
                 <a:spcPts val="0"/>
               </a:spcAft>
-              <a:buSzPts val="2600"/>
-              <a:buNone/>
-              <a:defRPr sz="2600"/>
+              <a:buSzPts val="2400"/>
+              <a:buNone/>
+              <a:defRPr sz="2400"/>
             </a:lvl1pPr>
             <a:lvl2pPr lvl="1">
               <a:spcBef>
@@ -2994,9 +4287,9 @@
               <a:spcAft>
                 <a:spcPts val="0"/>
               </a:spcAft>
-              <a:buSzPts val="2600"/>
-              <a:buNone/>
-              <a:defRPr sz="2600"/>
+              <a:buSzPts val="2400"/>
+              <a:buNone/>
+              <a:defRPr sz="2400"/>
             </a:lvl2pPr>
             <a:lvl3pPr lvl="2">
               <a:spcBef>
@@ -3005,9 +4298,9 @@
               <a:spcAft>
                 <a:spcPts val="0"/>
               </a:spcAft>
-              <a:buSzPts val="2600"/>
-              <a:buNone/>
-              <a:defRPr sz="2600"/>
+              <a:buSzPts val="2400"/>
+              <a:buNone/>
+              <a:defRPr sz="2400"/>
             </a:lvl3pPr>
             <a:lvl4pPr lvl="3">
               <a:spcBef>
@@ -3016,9 +4309,9 @@
               <a:spcAft>
                 <a:spcPts val="0"/>
               </a:spcAft>
-              <a:buSzPts val="2600"/>
-              <a:buNone/>
-              <a:defRPr sz="2600"/>
+              <a:buSzPts val="2400"/>
+              <a:buNone/>
+              <a:defRPr sz="2400"/>
             </a:lvl4pPr>
             <a:lvl5pPr lvl="4">
               <a:spcBef>
@@ -3027,9 +4320,9 @@
               <a:spcAft>
                 <a:spcPts val="0"/>
               </a:spcAft>
-              <a:buSzPts val="2600"/>
-              <a:buNone/>
-              <a:defRPr sz="2600"/>
+              <a:buSzPts val="2400"/>
+              <a:buNone/>
+              <a:defRPr sz="2400"/>
             </a:lvl5pPr>
             <a:lvl6pPr lvl="5">
               <a:spcBef>
@@ -3038,9 +4331,9 @@
               <a:spcAft>
                 <a:spcPts val="0"/>
               </a:spcAft>
-              <a:buSzPts val="2600"/>
-              <a:buNone/>
-              <a:defRPr sz="2600"/>
+              <a:buSzPts val="2400"/>
+              <a:buNone/>
+              <a:defRPr sz="2400"/>
             </a:lvl6pPr>
             <a:lvl7pPr lvl="6">
               <a:spcBef>
@@ -3049,9 +4342,9 @@
               <a:spcAft>
                 <a:spcPts val="0"/>
               </a:spcAft>
-              <a:buSzPts val="2600"/>
-              <a:buNone/>
-              <a:defRPr sz="2600"/>
+              <a:buSzPts val="2400"/>
+              <a:buNone/>
+              <a:defRPr sz="2400"/>
             </a:lvl7pPr>
             <a:lvl8pPr lvl="7">
               <a:spcBef>
@@ -3060,9 +4353,9 @@
               <a:spcAft>
                 <a:spcPts val="0"/>
               </a:spcAft>
-              <a:buSzPts val="2600"/>
-              <a:buNone/>
-              <a:defRPr sz="2600"/>
+              <a:buSzPts val="2400"/>
+              <a:buNone/>
+              <a:defRPr sz="2400"/>
             </a:lvl8pPr>
             <a:lvl9pPr lvl="8">
               <a:spcBef>
@@ -3071,9 +4364,9 @@
               <a:spcAft>
                 <a:spcPts val="0"/>
               </a:spcAft>
-              <a:buSzPts val="2600"/>
-              <a:buNone/>
-              <a:defRPr sz="2600"/>
+              <a:buSzPts val="2400"/>
+              <a:buNone/>
+              <a:defRPr sz="2400"/>
             </a:lvl9pPr>
           </a:lstStyle>
           <a:p/>
@@ -3081,7 +4374,7 @@
       </p:sp>
       <p:sp>
         <p:nvSpPr>
-          <p:cNvPr id="29" name="Google Shape;29;p4"/>
+          <p:cNvPr id="46" name="Google Shape;46;p4"/>
           <p:cNvSpPr txBox="1"/>
           <p:nvPr>
             <p:ph idx="1" type="body"/>
@@ -3089,8 +4382,8 @@
         </p:nvSpPr>
         <p:spPr>
           <a:xfrm>
-            <a:off x="729450" y="2078875"/>
-            <a:ext cx="7688700" cy="2261100"/>
+            <a:off x="1297500" y="1567550"/>
+            <a:ext cx="7038900" cy="2911200"/>
           </a:xfrm>
           <a:prstGeom prst="rect">
             <a:avLst/>
@@ -3206,7 +4499,7 @@
       </p:sp>
       <p:sp>
         <p:nvSpPr>
-          <p:cNvPr id="30" name="Google Shape;30;p4"/>
+          <p:cNvPr id="47" name="Google Shape;47;p4"/>
           <p:cNvSpPr txBox="1"/>
           <p:nvPr>
             <p:ph idx="12" type="sldNum"/>
@@ -3214,7 +4507,7 @@
         </p:nvSpPr>
         <p:spPr>
           <a:xfrm>
-            <a:off x="8536302" y="4749851"/>
+            <a:off x="8472458" y="4663217"/>
             <a:ext cx="548700" cy="393600"/>
           </a:xfrm>
           <a:prstGeom prst="rect">
@@ -3294,7 +4587,7 @@
   <p:cSld name="TITLE_AND_TWO_COLUMNS">
     <p:spTree>
       <p:nvGrpSpPr>
-        <p:cNvPr id="31" name="Shape 31"/>
+        <p:cNvPr id="48" name="Shape 48"/>
         <p:cNvGrpSpPr/>
         <p:nvPr/>
       </p:nvGrpSpPr>
@@ -3306,79 +4599,38 @@
           <a:chExt cx="0" cy="0"/>
         </a:xfrm>
       </p:grpSpPr>
-      <p:sp>
-        <p:nvSpPr>
-          <p:cNvPr id="32" name="Google Shape;32;p5"/>
-          <p:cNvSpPr/>
-          <p:nvPr/>
-        </p:nvSpPr>
-        <p:spPr>
-          <a:xfrm>
-            <a:off x="0" y="0"/>
-            <a:ext cx="9144000" cy="487800"/>
-          </a:xfrm>
-          <a:prstGeom prst="rect">
-            <a:avLst/>
-          </a:prstGeom>
-          <a:solidFill>
-            <a:schemeClr val="lt2"/>
-          </a:solidFill>
-          <a:ln>
-            <a:noFill/>
-          </a:ln>
-        </p:spPr>
-        <p:txBody>
-          <a:bodyPr anchorCtr="0" anchor="ctr" bIns="91425" lIns="91425" spcFirstLastPara="1" rIns="91425" wrap="square" tIns="91425">
-            <a:noAutofit/>
-          </a:bodyPr>
-          <a:lstStyle/>
-          <a:p>
-            <a:pPr indent="0" lvl="0" marL="0" rtl="0" algn="l">
-              <a:spcBef>
-                <a:spcPts val="0"/>
-              </a:spcBef>
-              <a:spcAft>
-                <a:spcPts val="0"/>
-              </a:spcAft>
-              <a:buNone/>
-            </a:pPr>
-            <a:r>
-              <a:t/>
-            </a:r>
-            <a:endParaRPr/>
-          </a:p>
-        </p:txBody>
-      </p:sp>
       <p:grpSp>
         <p:nvGrpSpPr>
-          <p:cNvPr id="33" name="Google Shape;33;p5"/>
+          <p:cNvPr id="49" name="Google Shape;49;p5"/>
           <p:cNvGrpSpPr/>
           <p:nvPr/>
         </p:nvGrpSpPr>
         <p:grpSpPr>
           <a:xfrm>
-            <a:off x="830392" y="1191256"/>
-            <a:ext cx="745763" cy="45826"/>
-            <a:chOff x="4580561" y="2589004"/>
-            <a:chExt cx="1064464" cy="25200"/>
+            <a:off x="0" y="381001"/>
+            <a:ext cx="1037850" cy="1016287"/>
+            <a:chOff x="0" y="381001"/>
+            <a:chExt cx="1037850" cy="1016287"/>
           </a:xfrm>
         </p:grpSpPr>
         <p:sp>
           <p:nvSpPr>
-            <p:cNvPr id="34" name="Google Shape;34;p5"/>
+            <p:cNvPr id="50" name="Google Shape;50;p5"/>
             <p:cNvSpPr/>
             <p:nvPr/>
           </p:nvSpPr>
           <p:spPr>
             <a:xfrm rot="-5400000">
-              <a:off x="5366325" y="2335504"/>
-              <a:ext cx="25200" cy="532200"/>
+              <a:off x="0" y="381001"/>
+              <a:ext cx="808800" cy="808800"/>
             </a:xfrm>
-            <a:prstGeom prst="rect">
-              <a:avLst/>
+            <a:prstGeom prst="diagStripe">
+              <a:avLst>
+                <a:gd fmla="val 50000" name="adj"/>
+              </a:avLst>
             </a:prstGeom>
             <a:solidFill>
-              <a:schemeClr val="accent3"/>
+              <a:schemeClr val="accent1"/>
             </a:solidFill>
             <a:ln>
               <a:noFill/>
@@ -3408,20 +4660,22 @@
         </p:sp>
         <p:sp>
           <p:nvSpPr>
-            <p:cNvPr id="35" name="Google Shape;35;p5"/>
+            <p:cNvPr id="51" name="Google Shape;51;p5"/>
             <p:cNvSpPr/>
             <p:nvPr/>
           </p:nvSpPr>
           <p:spPr>
-            <a:xfrm rot="-5400000">
-              <a:off x="4836311" y="2333254"/>
-              <a:ext cx="25200" cy="536700"/>
+            <a:xfrm flipH="1">
+              <a:off x="229050" y="588489"/>
+              <a:ext cx="808800" cy="808800"/>
             </a:xfrm>
-            <a:prstGeom prst="rect">
-              <a:avLst/>
+            <a:prstGeom prst="diagStripe">
+              <a:avLst>
+                <a:gd fmla="val 50000" name="adj"/>
+              </a:avLst>
             </a:prstGeom>
             <a:solidFill>
-              <a:schemeClr val="dk1"/>
+              <a:schemeClr val="lt2"/>
             </a:solidFill>
             <a:ln>
               <a:noFill/>
@@ -3452,7 +4706,7 @@
       </p:grpSp>
       <p:sp>
         <p:nvSpPr>
-          <p:cNvPr id="36" name="Google Shape;36;p5"/>
+          <p:cNvPr id="52" name="Google Shape;52;p5"/>
           <p:cNvSpPr txBox="1"/>
           <p:nvPr>
             <p:ph type="title"/>
@@ -3460,8 +4714,8 @@
         </p:nvSpPr>
         <p:spPr>
           <a:xfrm>
-            <a:off x="729450" y="1318650"/>
-            <a:ext cx="7688400" cy="535200"/>
+            <a:off x="1297500" y="393750"/>
+            <a:ext cx="7038900" cy="914100"/>
           </a:xfrm>
           <a:prstGeom prst="rect">
             <a:avLst/>
@@ -3479,9 +4733,9 @@
               <a:spcAft>
                 <a:spcPts val="0"/>
               </a:spcAft>
-              <a:buSzPts val="2600"/>
-              <a:buNone/>
-              <a:defRPr sz="2600"/>
+              <a:buSzPts val="2400"/>
+              <a:buNone/>
+              <a:defRPr sz="2400"/>
             </a:lvl1pPr>
             <a:lvl2pPr lvl="1">
               <a:spcBef>
@@ -3490,9 +4744,9 @@
               <a:spcAft>
                 <a:spcPts val="0"/>
               </a:spcAft>
-              <a:buSzPts val="2600"/>
-              <a:buNone/>
-              <a:defRPr sz="2600"/>
+              <a:buSzPts val="2400"/>
+              <a:buNone/>
+              <a:defRPr sz="2400"/>
             </a:lvl2pPr>
             <a:lvl3pPr lvl="2">
               <a:spcBef>
@@ -3501,9 +4755,9 @@
               <a:spcAft>
                 <a:spcPts val="0"/>
               </a:spcAft>
-              <a:buSzPts val="2600"/>
-              <a:buNone/>
-              <a:defRPr sz="2600"/>
+              <a:buSzPts val="2400"/>
+              <a:buNone/>
+              <a:defRPr sz="2400"/>
             </a:lvl3pPr>
             <a:lvl4pPr lvl="3">
               <a:spcBef>
@@ -3512,9 +4766,9 @@
               <a:spcAft>
                 <a:spcPts val="0"/>
               </a:spcAft>
-              <a:buSzPts val="2600"/>
-              <a:buNone/>
-              <a:defRPr sz="2600"/>
+              <a:buSzPts val="2400"/>
+              <a:buNone/>
+              <a:defRPr sz="2400"/>
             </a:lvl4pPr>
             <a:lvl5pPr lvl="4">
               <a:spcBef>
@@ -3523,9 +4777,9 @@
               <a:spcAft>
                 <a:spcPts val="0"/>
               </a:spcAft>
-              <a:buSzPts val="2600"/>
-              <a:buNone/>
-              <a:defRPr sz="2600"/>
+              <a:buSzPts val="2400"/>
+              <a:buNone/>
+              <a:defRPr sz="2400"/>
             </a:lvl5pPr>
             <a:lvl6pPr lvl="5">
               <a:spcBef>
@@ -3534,9 +4788,9 @@
               <a:spcAft>
                 <a:spcPts val="0"/>
               </a:spcAft>
-              <a:buSzPts val="2600"/>
-              <a:buNone/>
-              <a:defRPr sz="2600"/>
+              <a:buSzPts val="2400"/>
+              <a:buNone/>
+              <a:defRPr sz="2400"/>
             </a:lvl6pPr>
             <a:lvl7pPr lvl="6">
               <a:spcBef>
@@ -3545,9 +4799,9 @@
               <a:spcAft>
                 <a:spcPts val="0"/>
               </a:spcAft>
-              <a:buSzPts val="2600"/>
-              <a:buNone/>
-              <a:defRPr sz="2600"/>
+              <a:buSzPts val="2400"/>
+              <a:buNone/>
+              <a:defRPr sz="2400"/>
             </a:lvl7pPr>
             <a:lvl8pPr lvl="7">
               <a:spcBef>
@@ -3556,9 +4810,9 @@
               <a:spcAft>
                 <a:spcPts val="0"/>
               </a:spcAft>
-              <a:buSzPts val="2600"/>
-              <a:buNone/>
-              <a:defRPr sz="2600"/>
+              <a:buSzPts val="2400"/>
+              <a:buNone/>
+              <a:defRPr sz="2400"/>
             </a:lvl8pPr>
             <a:lvl9pPr lvl="8">
               <a:spcBef>
@@ -3567,9 +4821,9 @@
               <a:spcAft>
                 <a:spcPts val="0"/>
               </a:spcAft>
-              <a:buSzPts val="2600"/>
-              <a:buNone/>
-              <a:defRPr sz="2600"/>
+              <a:buSzPts val="2400"/>
+              <a:buNone/>
+              <a:defRPr sz="2400"/>
             </a:lvl9pPr>
           </a:lstStyle>
           <a:p/>
@@ -3577,7 +4831,7 @@
       </p:sp>
       <p:sp>
         <p:nvSpPr>
-          <p:cNvPr id="37" name="Google Shape;37;p5"/>
+          <p:cNvPr id="53" name="Google Shape;53;p5"/>
           <p:cNvSpPr txBox="1"/>
           <p:nvPr>
             <p:ph idx="1" type="body"/>
@@ -3585,8 +4839,8 @@
         </p:nvSpPr>
         <p:spPr>
           <a:xfrm>
-            <a:off x="729325" y="2078875"/>
-            <a:ext cx="3774300" cy="2261100"/>
+            <a:off x="1297500" y="1567550"/>
+            <a:ext cx="3403200" cy="2911200"/>
           </a:xfrm>
           <a:prstGeom prst="rect">
             <a:avLst/>
@@ -3702,7 +4956,7 @@
       </p:sp>
       <p:sp>
         <p:nvSpPr>
-          <p:cNvPr id="38" name="Google Shape;38;p5"/>
+          <p:cNvPr id="54" name="Google Shape;54;p5"/>
           <p:cNvSpPr txBox="1"/>
           <p:nvPr>
             <p:ph idx="2" type="body"/>
@@ -3710,8 +4964,8 @@
         </p:nvSpPr>
         <p:spPr>
           <a:xfrm>
-            <a:off x="4643604" y="2078875"/>
-            <a:ext cx="3774300" cy="2261100"/>
+            <a:off x="4933221" y="1567550"/>
+            <a:ext cx="3403200" cy="2911200"/>
           </a:xfrm>
           <a:prstGeom prst="rect">
             <a:avLst/>
@@ -3827,7 +5081,7 @@
       </p:sp>
       <p:sp>
         <p:nvSpPr>
-          <p:cNvPr id="39" name="Google Shape;39;p5"/>
+          <p:cNvPr id="55" name="Google Shape;55;p5"/>
           <p:cNvSpPr txBox="1"/>
           <p:nvPr>
             <p:ph idx="12" type="sldNum"/>
@@ -3835,7 +5089,7 @@
         </p:nvSpPr>
         <p:spPr>
           <a:xfrm>
-            <a:off x="8536302" y="4749851"/>
+            <a:off x="8472458" y="4663217"/>
             <a:ext cx="548700" cy="393600"/>
           </a:xfrm>
           <a:prstGeom prst="rect">
@@ -3915,7 +5169,7 @@
   <p:cSld name="TITLE_ONLY">
     <p:spTree>
       <p:nvGrpSpPr>
-        <p:cNvPr id="40" name="Shape 40"/>
+        <p:cNvPr id="56" name="Shape 56"/>
         <p:cNvGrpSpPr/>
         <p:nvPr/>
       </p:nvGrpSpPr>
@@ -3927,79 +5181,38 @@
           <a:chExt cx="0" cy="0"/>
         </a:xfrm>
       </p:grpSpPr>
-      <p:sp>
-        <p:nvSpPr>
-          <p:cNvPr id="41" name="Google Shape;41;p6"/>
-          <p:cNvSpPr/>
-          <p:nvPr/>
-        </p:nvSpPr>
-        <p:spPr>
-          <a:xfrm>
-            <a:off x="0" y="0"/>
-            <a:ext cx="9144000" cy="487800"/>
-          </a:xfrm>
-          <a:prstGeom prst="rect">
-            <a:avLst/>
-          </a:prstGeom>
-          <a:solidFill>
-            <a:schemeClr val="lt2"/>
-          </a:solidFill>
-          <a:ln>
-            <a:noFill/>
-          </a:ln>
-        </p:spPr>
-        <p:txBody>
-          <a:bodyPr anchorCtr="0" anchor="ctr" bIns="91425" lIns="91425" spcFirstLastPara="1" rIns="91425" wrap="square" tIns="91425">
-            <a:noAutofit/>
-          </a:bodyPr>
-          <a:lstStyle/>
-          <a:p>
-            <a:pPr indent="0" lvl="0" marL="0" rtl="0" algn="l">
-              <a:spcBef>
-                <a:spcPts val="0"/>
-              </a:spcBef>
-              <a:spcAft>
-                <a:spcPts val="0"/>
-              </a:spcAft>
-              <a:buNone/>
-            </a:pPr>
-            <a:r>
-              <a:t/>
-            </a:r>
-            <a:endParaRPr/>
-          </a:p>
-        </p:txBody>
-      </p:sp>
       <p:grpSp>
         <p:nvGrpSpPr>
-          <p:cNvPr id="42" name="Google Shape;42;p6"/>
+          <p:cNvPr id="57" name="Google Shape;57;p6"/>
           <p:cNvGrpSpPr/>
           <p:nvPr/>
         </p:nvGrpSpPr>
         <p:grpSpPr>
           <a:xfrm>
-            <a:off x="830392" y="1191256"/>
-            <a:ext cx="745763" cy="45826"/>
-            <a:chOff x="4580561" y="2589004"/>
-            <a:chExt cx="1064464" cy="25200"/>
+            <a:off x="0" y="381001"/>
+            <a:ext cx="1037850" cy="1016287"/>
+            <a:chOff x="0" y="381001"/>
+            <a:chExt cx="1037850" cy="1016287"/>
           </a:xfrm>
         </p:grpSpPr>
         <p:sp>
           <p:nvSpPr>
-            <p:cNvPr id="43" name="Google Shape;43;p6"/>
+            <p:cNvPr id="58" name="Google Shape;58;p6"/>
             <p:cNvSpPr/>
             <p:nvPr/>
           </p:nvSpPr>
           <p:spPr>
             <a:xfrm rot="-5400000">
-              <a:off x="5366325" y="2335504"/>
-              <a:ext cx="25200" cy="532200"/>
+              <a:off x="0" y="381001"/>
+              <a:ext cx="808800" cy="808800"/>
             </a:xfrm>
-            <a:prstGeom prst="rect">
-              <a:avLst/>
+            <a:prstGeom prst="diagStripe">
+              <a:avLst>
+                <a:gd fmla="val 50000" name="adj"/>
+              </a:avLst>
             </a:prstGeom>
             <a:solidFill>
-              <a:schemeClr val="accent3"/>
+              <a:schemeClr val="accent1"/>
             </a:solidFill>
             <a:ln>
               <a:noFill/>
@@ -4029,20 +5242,22 @@
         </p:sp>
         <p:sp>
           <p:nvSpPr>
-            <p:cNvPr id="44" name="Google Shape;44;p6"/>
+            <p:cNvPr id="59" name="Google Shape;59;p6"/>
             <p:cNvSpPr/>
             <p:nvPr/>
           </p:nvSpPr>
           <p:spPr>
-            <a:xfrm rot="-5400000">
-              <a:off x="4836311" y="2333254"/>
-              <a:ext cx="25200" cy="536700"/>
+            <a:xfrm flipH="1">
+              <a:off x="229050" y="588489"/>
+              <a:ext cx="808800" cy="808800"/>
             </a:xfrm>
-            <a:prstGeom prst="rect">
-              <a:avLst/>
+            <a:prstGeom prst="diagStripe">
+              <a:avLst>
+                <a:gd fmla="val 50000" name="adj"/>
+              </a:avLst>
             </a:prstGeom>
             <a:solidFill>
-              <a:schemeClr val="dk1"/>
+              <a:schemeClr val="lt2"/>
             </a:solidFill>
             <a:ln>
               <a:noFill/>
@@ -4073,7 +5288,7 @@
       </p:grpSp>
       <p:sp>
         <p:nvSpPr>
-          <p:cNvPr id="45" name="Google Shape;45;p6"/>
+          <p:cNvPr id="60" name="Google Shape;60;p6"/>
           <p:cNvSpPr txBox="1"/>
           <p:nvPr>
             <p:ph type="title"/>
@@ -4081,8 +5296,8 @@
         </p:nvSpPr>
         <p:spPr>
           <a:xfrm>
-            <a:off x="729450" y="1318650"/>
-            <a:ext cx="7688400" cy="535200"/>
+            <a:off x="1297500" y="393750"/>
+            <a:ext cx="7038900" cy="914100"/>
           </a:xfrm>
           <a:prstGeom prst="rect">
             <a:avLst/>
@@ -4100,9 +5315,9 @@
               <a:spcAft>
                 <a:spcPts val="0"/>
               </a:spcAft>
-              <a:buSzPts val="2600"/>
-              <a:buNone/>
-              <a:defRPr sz="2600"/>
+              <a:buSzPts val="2400"/>
+              <a:buNone/>
+              <a:defRPr sz="2400"/>
             </a:lvl1pPr>
             <a:lvl2pPr lvl="1">
               <a:spcBef>
@@ -4111,9 +5326,9 @@
               <a:spcAft>
                 <a:spcPts val="0"/>
               </a:spcAft>
-              <a:buSzPts val="2600"/>
-              <a:buNone/>
-              <a:defRPr sz="2600"/>
+              <a:buSzPts val="2400"/>
+              <a:buNone/>
+              <a:defRPr sz="2400"/>
             </a:lvl2pPr>
             <a:lvl3pPr lvl="2">
               <a:spcBef>
@@ -4122,9 +5337,9 @@
               <a:spcAft>
                 <a:spcPts val="0"/>
               </a:spcAft>
-              <a:buSzPts val="2600"/>
-              <a:buNone/>
-              <a:defRPr sz="2600"/>
+              <a:buSzPts val="2400"/>
+              <a:buNone/>
+              <a:defRPr sz="2400"/>
             </a:lvl3pPr>
             <a:lvl4pPr lvl="3">
               <a:spcBef>
@@ -4133,9 +5348,9 @@
               <a:spcAft>
                 <a:spcPts val="0"/>
               </a:spcAft>
-              <a:buSzPts val="2600"/>
-              <a:buNone/>
-              <a:defRPr sz="2600"/>
+              <a:buSzPts val="2400"/>
+              <a:buNone/>
+              <a:defRPr sz="2400"/>
             </a:lvl4pPr>
             <a:lvl5pPr lvl="4">
               <a:spcBef>
@@ -4144,9 +5359,9 @@
               <a:spcAft>
                 <a:spcPts val="0"/>
               </a:spcAft>
-              <a:buSzPts val="2600"/>
-              <a:buNone/>
-              <a:defRPr sz="2600"/>
+              <a:buSzPts val="2400"/>
+              <a:buNone/>
+              <a:defRPr sz="2400"/>
             </a:lvl5pPr>
             <a:lvl6pPr lvl="5">
               <a:spcBef>
@@ -4155,9 +5370,9 @@
               <a:spcAft>
                 <a:spcPts val="0"/>
               </a:spcAft>
-              <a:buSzPts val="2600"/>
-              <a:buNone/>
-              <a:defRPr sz="2600"/>
+              <a:buSzPts val="2400"/>
+              <a:buNone/>
+              <a:defRPr sz="2400"/>
             </a:lvl6pPr>
             <a:lvl7pPr lvl="6">
               <a:spcBef>
@@ -4166,9 +5381,9 @@
               <a:spcAft>
                 <a:spcPts val="0"/>
               </a:spcAft>
-              <a:buSzPts val="2600"/>
-              <a:buNone/>
-              <a:defRPr sz="2600"/>
+              <a:buSzPts val="2400"/>
+              <a:buNone/>
+              <a:defRPr sz="2400"/>
             </a:lvl7pPr>
             <a:lvl8pPr lvl="7">
               <a:spcBef>
@@ -4177,9 +5392,9 @@
               <a:spcAft>
                 <a:spcPts val="0"/>
               </a:spcAft>
-              <a:buSzPts val="2600"/>
-              <a:buNone/>
-              <a:defRPr sz="2600"/>
+              <a:buSzPts val="2400"/>
+              <a:buNone/>
+              <a:defRPr sz="2400"/>
             </a:lvl8pPr>
             <a:lvl9pPr lvl="8">
               <a:spcBef>
@@ -4188,9 +5403,9 @@
               <a:spcAft>
                 <a:spcPts val="0"/>
               </a:spcAft>
-              <a:buSzPts val="2600"/>
-              <a:buNone/>
-              <a:defRPr sz="2600"/>
+              <a:buSzPts val="2400"/>
+              <a:buNone/>
+              <a:defRPr sz="2400"/>
             </a:lvl9pPr>
           </a:lstStyle>
           <a:p/>
@@ -4198,7 +5413,7 @@
       </p:sp>
       <p:sp>
         <p:nvSpPr>
-          <p:cNvPr id="46" name="Google Shape;46;p6"/>
+          <p:cNvPr id="61" name="Google Shape;61;p6"/>
           <p:cNvSpPr txBox="1"/>
           <p:nvPr>
             <p:ph idx="12" type="sldNum"/>
@@ -4206,7 +5421,7 @@
         </p:nvSpPr>
         <p:spPr>
           <a:xfrm>
-            <a:off x="8536302" y="4749851"/>
+            <a:off x="8472458" y="4663217"/>
             <a:ext cx="548700" cy="393600"/>
           </a:xfrm>
           <a:prstGeom prst="rect">
@@ -4286,7 +5501,7 @@
   <p:cSld name="ONE_COLUMN_TEXT">
     <p:spTree>
       <p:nvGrpSpPr>
-        <p:cNvPr id="47" name="Shape 47"/>
+        <p:cNvPr id="62" name="Shape 62"/>
         <p:cNvGrpSpPr/>
         <p:nvPr/>
       </p:nvGrpSpPr>
@@ -4298,79 +5513,38 @@
           <a:chExt cx="0" cy="0"/>
         </a:xfrm>
       </p:grpSpPr>
-      <p:sp>
-        <p:nvSpPr>
-          <p:cNvPr id="48" name="Google Shape;48;p7"/>
-          <p:cNvSpPr/>
-          <p:nvPr/>
-        </p:nvSpPr>
-        <p:spPr>
-          <a:xfrm>
-            <a:off x="0" y="0"/>
-            <a:ext cx="9144000" cy="487800"/>
-          </a:xfrm>
-          <a:prstGeom prst="rect">
-            <a:avLst/>
-          </a:prstGeom>
-          <a:solidFill>
-            <a:schemeClr val="lt2"/>
-          </a:solidFill>
-          <a:ln>
-            <a:noFill/>
-          </a:ln>
-        </p:spPr>
-        <p:txBody>
-          <a:bodyPr anchorCtr="0" anchor="ctr" bIns="91425" lIns="91425" spcFirstLastPara="1" rIns="91425" wrap="square" tIns="91425">
-            <a:noAutofit/>
-          </a:bodyPr>
-          <a:lstStyle/>
-          <a:p>
-            <a:pPr indent="0" lvl="0" marL="0" rtl="0" algn="l">
-              <a:spcBef>
-                <a:spcPts val="0"/>
-              </a:spcBef>
-              <a:spcAft>
-                <a:spcPts val="0"/>
-              </a:spcAft>
-              <a:buNone/>
-            </a:pPr>
-            <a:r>
-              <a:t/>
-            </a:r>
-            <a:endParaRPr/>
-          </a:p>
-        </p:txBody>
-      </p:sp>
       <p:grpSp>
         <p:nvGrpSpPr>
-          <p:cNvPr id="49" name="Google Shape;49;p7"/>
+          <p:cNvPr id="63" name="Google Shape;63;p7"/>
           <p:cNvGrpSpPr/>
           <p:nvPr/>
         </p:nvGrpSpPr>
         <p:grpSpPr>
           <a:xfrm>
-            <a:off x="830392" y="1191256"/>
-            <a:ext cx="745763" cy="45826"/>
-            <a:chOff x="4580561" y="2589004"/>
-            <a:chExt cx="1064464" cy="25200"/>
+            <a:off x="0" y="381001"/>
+            <a:ext cx="1037850" cy="1016287"/>
+            <a:chOff x="0" y="381001"/>
+            <a:chExt cx="1037850" cy="1016287"/>
           </a:xfrm>
         </p:grpSpPr>
         <p:sp>
           <p:nvSpPr>
-            <p:cNvPr id="50" name="Google Shape;50;p7"/>
+            <p:cNvPr id="64" name="Google Shape;64;p7"/>
             <p:cNvSpPr/>
             <p:nvPr/>
           </p:nvSpPr>
           <p:spPr>
             <a:xfrm rot="-5400000">
-              <a:off x="5366325" y="2335504"/>
-              <a:ext cx="25200" cy="532200"/>
+              <a:off x="0" y="381001"/>
+              <a:ext cx="808800" cy="808800"/>
             </a:xfrm>
-            <a:prstGeom prst="rect">
-              <a:avLst/>
+            <a:prstGeom prst="diagStripe">
+              <a:avLst>
+                <a:gd fmla="val 50000" name="adj"/>
+              </a:avLst>
             </a:prstGeom>
             <a:solidFill>
-              <a:schemeClr val="accent3"/>
+              <a:schemeClr val="accent1"/>
             </a:solidFill>
             <a:ln>
               <a:noFill/>
@@ -4400,20 +5574,22 @@
         </p:sp>
         <p:sp>
           <p:nvSpPr>
-            <p:cNvPr id="51" name="Google Shape;51;p7"/>
+            <p:cNvPr id="65" name="Google Shape;65;p7"/>
             <p:cNvSpPr/>
             <p:nvPr/>
           </p:nvSpPr>
           <p:spPr>
-            <a:xfrm rot="-5400000">
-              <a:off x="4836311" y="2333254"/>
-              <a:ext cx="25200" cy="536700"/>
+            <a:xfrm flipH="1">
+              <a:off x="229050" y="588489"/>
+              <a:ext cx="808800" cy="808800"/>
             </a:xfrm>
-            <a:prstGeom prst="rect">
-              <a:avLst/>
+            <a:prstGeom prst="diagStripe">
+              <a:avLst>
+                <a:gd fmla="val 50000" name="adj"/>
+              </a:avLst>
             </a:prstGeom>
             <a:solidFill>
-              <a:schemeClr val="dk1"/>
+              <a:schemeClr val="lt2"/>
             </a:solidFill>
             <a:ln>
               <a:noFill/>
@@ -4444,7 +5620,7 @@
       </p:grpSp>
       <p:sp>
         <p:nvSpPr>
-          <p:cNvPr id="52" name="Google Shape;52;p7"/>
+          <p:cNvPr id="66" name="Google Shape;66;p7"/>
           <p:cNvSpPr txBox="1"/>
           <p:nvPr>
             <p:ph type="title"/>
@@ -4452,8 +5628,8 @@
         </p:nvSpPr>
         <p:spPr>
           <a:xfrm>
-            <a:off x="730000" y="1318650"/>
-            <a:ext cx="3300900" cy="1381500"/>
+            <a:off x="1297500" y="393750"/>
+            <a:ext cx="3798900" cy="1493100"/>
           </a:xfrm>
           <a:prstGeom prst="rect">
             <a:avLst/>
@@ -4471,9 +5647,9 @@
               <a:spcAft>
                 <a:spcPts val="0"/>
               </a:spcAft>
-              <a:buSzPts val="2600"/>
-              <a:buNone/>
-              <a:defRPr sz="2600"/>
+              <a:buSzPts val="2400"/>
+              <a:buNone/>
+              <a:defRPr sz="2400"/>
             </a:lvl1pPr>
             <a:lvl2pPr lvl="1">
               <a:spcBef>
@@ -4482,9 +5658,9 @@
               <a:spcAft>
                 <a:spcPts val="0"/>
               </a:spcAft>
-              <a:buSzPts val="2600"/>
-              <a:buNone/>
-              <a:defRPr sz="2600"/>
+              <a:buSzPts val="2400"/>
+              <a:buNone/>
+              <a:defRPr sz="2400"/>
             </a:lvl2pPr>
             <a:lvl3pPr lvl="2">
               <a:spcBef>
@@ -4493,9 +5669,9 @@
               <a:spcAft>
                 <a:spcPts val="0"/>
               </a:spcAft>
-              <a:buSzPts val="2600"/>
-              <a:buNone/>
-              <a:defRPr sz="2600"/>
+              <a:buSzPts val="2400"/>
+              <a:buNone/>
+              <a:defRPr sz="2400"/>
             </a:lvl3pPr>
             <a:lvl4pPr lvl="3">
               <a:spcBef>
@@ -4504,9 +5680,9 @@
               <a:spcAft>
                 <a:spcPts val="0"/>
               </a:spcAft>
-              <a:buSzPts val="2600"/>
-              <a:buNone/>
-              <a:defRPr sz="2600"/>
+              <a:buSzPts val="2400"/>
+              <a:buNone/>
+              <a:defRPr sz="2400"/>
             </a:lvl4pPr>
             <a:lvl5pPr lvl="4">
               <a:spcBef>
@@ -4515,9 +5691,9 @@
               <a:spcAft>
                 <a:spcPts val="0"/>
               </a:spcAft>
-              <a:buSzPts val="2600"/>
-              <a:buNone/>
-              <a:defRPr sz="2600"/>
+              <a:buSzPts val="2400"/>
+              <a:buNone/>
+              <a:defRPr sz="2400"/>
             </a:lvl5pPr>
             <a:lvl6pPr lvl="5">
               <a:spcBef>
@@ -4526,9 +5702,9 @@
               <a:spcAft>
                 <a:spcPts val="0"/>
               </a:spcAft>
-              <a:buSzPts val="2600"/>
-              <a:buNone/>
-              <a:defRPr sz="2600"/>
+              <a:buSzPts val="2400"/>
+              <a:buNone/>
+              <a:defRPr sz="2400"/>
             </a:lvl6pPr>
             <a:lvl7pPr lvl="6">
               <a:spcBef>
@@ -4537,9 +5713,9 @@
               <a:spcAft>
                 <a:spcPts val="0"/>
               </a:spcAft>
-              <a:buSzPts val="2600"/>
-              <a:buNone/>
-              <a:defRPr sz="2600"/>
+              <a:buSzPts val="2400"/>
+              <a:buNone/>
+              <a:defRPr sz="2400"/>
             </a:lvl7pPr>
             <a:lvl8pPr lvl="7">
               <a:spcBef>
@@ -4548,9 +5724,9 @@
               <a:spcAft>
                 <a:spcPts val="0"/>
               </a:spcAft>
-              <a:buSzPts val="2600"/>
-              <a:buNone/>
-              <a:defRPr sz="2600"/>
+              <a:buSzPts val="2400"/>
+              <a:buNone/>
+              <a:defRPr sz="2400"/>
             </a:lvl8pPr>
             <a:lvl9pPr lvl="8">
               <a:spcBef>
@@ -4559,9 +5735,9 @@
               <a:spcAft>
                 <a:spcPts val="0"/>
               </a:spcAft>
-              <a:buSzPts val="2600"/>
-              <a:buNone/>
-              <a:defRPr sz="2600"/>
+              <a:buSzPts val="2400"/>
+              <a:buNone/>
+              <a:defRPr sz="2400"/>
             </a:lvl9pPr>
           </a:lstStyle>
           <a:p/>
@@ -4569,7 +5745,7 @@
       </p:sp>
       <p:sp>
         <p:nvSpPr>
-          <p:cNvPr id="53" name="Google Shape;53;p7"/>
+          <p:cNvPr id="67" name="Google Shape;67;p7"/>
           <p:cNvSpPr txBox="1"/>
           <p:nvPr>
             <p:ph idx="1" type="body"/>
@@ -4577,8 +5753,8 @@
         </p:nvSpPr>
         <p:spPr>
           <a:xfrm>
-            <a:off x="721225" y="2781725"/>
-            <a:ext cx="3300900" cy="1597500"/>
+            <a:off x="1297500" y="1972550"/>
+            <a:ext cx="3798900" cy="2415900"/>
           </a:xfrm>
           <a:prstGeom prst="rect">
             <a:avLst/>
@@ -4694,7 +5870,7 @@
       </p:sp>
       <p:sp>
         <p:nvSpPr>
-          <p:cNvPr id="54" name="Google Shape;54;p7"/>
+          <p:cNvPr id="68" name="Google Shape;68;p7"/>
           <p:cNvSpPr txBox="1"/>
           <p:nvPr>
             <p:ph idx="12" type="sldNum"/>
@@ -4702,7 +5878,7 @@
         </p:nvSpPr>
         <p:spPr>
           <a:xfrm>
-            <a:off x="8536302" y="4749851"/>
+            <a:off x="8472458" y="4663217"/>
             <a:ext cx="548700" cy="393600"/>
           </a:xfrm>
           <a:prstGeom prst="rect">
@@ -4780,16 +5956,9 @@
 <file path=ppt/slideLayouts/slideLayout7.xml><?xml version="1.0" encoding="utf-8"?>
 <p:sldLayout xmlns:a="http://schemas.openxmlformats.org/drawingml/2006/main" xmlns:r="http://schemas.openxmlformats.org/officeDocument/2006/relationships" xmlns:mc="http://schemas.openxmlformats.org/markup-compatibility/2006" xmlns:mv="urn:schemas-microsoft-com:mac:vml" xmlns:p="http://schemas.openxmlformats.org/presentationml/2006/main" xmlns:c="http://schemas.openxmlformats.org/drawingml/2006/chart" xmlns:dgm="http://schemas.openxmlformats.org/drawingml/2006/diagram" xmlns:o="urn:schemas-microsoft-com:office:office" xmlns:v="urn:schemas-microsoft-com:vml" xmlns:pvml="urn:schemas-microsoft-com:office:powerpoint" xmlns:com="http://schemas.openxmlformats.org/drawingml/2006/compatibility" xmlns:p14="http://schemas.microsoft.com/office/powerpoint/2010/main" xmlns:p15="http://schemas.microsoft.com/office/powerpoint/2012/main" xmlns:ahyp="http://schemas.microsoft.com/office/drawing/2018/hyperlinkcolor" matchingName="Main point">
   <p:cSld name="MAIN_POINT">
-    <p:bg>
-      <p:bgPr>
-        <a:solidFill>
-          <a:schemeClr val="accent3"/>
-        </a:solidFill>
-      </p:bgPr>
-    </p:bg>
     <p:spTree>
       <p:nvGrpSpPr>
-        <p:cNvPr id="55" name="Shape 55"/>
+        <p:cNvPr id="69" name="Shape 69"/>
         <p:cNvGrpSpPr/>
         <p:nvPr/>
       </p:nvGrpSpPr>
@@ -4803,34 +5972,38 @@
       </p:grpSpPr>
       <p:grpSp>
         <p:nvGrpSpPr>
-          <p:cNvPr id="56" name="Google Shape;56;p8"/>
+          <p:cNvPr id="70" name="Google Shape;70;p8"/>
           <p:cNvGrpSpPr/>
           <p:nvPr/>
         </p:nvGrpSpPr>
         <p:grpSpPr>
           <a:xfrm>
-            <a:off x="830392" y="4169130"/>
-            <a:ext cx="745763" cy="45826"/>
-            <a:chOff x="4580561" y="2589004"/>
-            <a:chExt cx="1064464" cy="25200"/>
+            <a:off x="4406400" y="0"/>
+            <a:ext cx="4737600" cy="5143500"/>
+            <a:chOff x="4406400" y="0"/>
+            <a:chExt cx="4737600" cy="5143500"/>
           </a:xfrm>
         </p:grpSpPr>
         <p:sp>
           <p:nvSpPr>
-            <p:cNvPr id="57" name="Google Shape;57;p8"/>
+            <p:cNvPr id="71" name="Google Shape;71;p8"/>
             <p:cNvSpPr/>
             <p:nvPr/>
           </p:nvSpPr>
           <p:spPr>
-            <a:xfrm rot="-5400000">
-              <a:off x="5366325" y="2335504"/>
-              <a:ext cx="25200" cy="532200"/>
+            <a:xfrm rot="5400000">
+              <a:off x="4407900" y="-1500"/>
+              <a:ext cx="4734600" cy="4737600"/>
             </a:xfrm>
-            <a:prstGeom prst="rect">
-              <a:avLst/>
+            <a:prstGeom prst="diagStripe">
+              <a:avLst>
+                <a:gd fmla="val 49469" name="adj"/>
+              </a:avLst>
             </a:prstGeom>
             <a:solidFill>
-              <a:schemeClr val="lt1"/>
+              <a:schemeClr val="lt1">
+                <a:alpha val="3460"/>
+              </a:schemeClr>
             </a:solidFill>
             <a:ln>
               <a:noFill/>
@@ -4860,20 +6033,24 @@
         </p:sp>
         <p:sp>
           <p:nvSpPr>
-            <p:cNvPr id="58" name="Google Shape;58;p8"/>
+            <p:cNvPr id="72" name="Google Shape;72;p8"/>
             <p:cNvSpPr/>
             <p:nvPr/>
           </p:nvSpPr>
           <p:spPr>
-            <a:xfrm rot="-5400000">
-              <a:off x="4836311" y="2333254"/>
-              <a:ext cx="25200" cy="536700"/>
+            <a:xfrm rot="5400000">
+              <a:off x="4840825" y="6000"/>
+              <a:ext cx="4298700" cy="4286700"/>
             </a:xfrm>
-            <a:prstGeom prst="rect">
-              <a:avLst/>
+            <a:prstGeom prst="diagStripe">
+              <a:avLst>
+                <a:gd fmla="val 0" name="adj"/>
+              </a:avLst>
             </a:prstGeom>
             <a:solidFill>
-              <a:schemeClr val="lt1"/>
+              <a:schemeClr val="lt1">
+                <a:alpha val="3460"/>
+              </a:schemeClr>
             </a:solidFill>
             <a:ln>
               <a:noFill/>
@@ -4901,10 +6078,758 @@
             </a:p>
           </p:txBody>
         </p:sp>
+        <p:sp>
+          <p:nvSpPr>
+            <p:cNvPr id="73" name="Google Shape;73;p8"/>
+            <p:cNvSpPr/>
+            <p:nvPr/>
+          </p:nvSpPr>
+          <p:spPr>
+            <a:xfrm rot="-5400000">
+              <a:off x="5618399" y="1236641"/>
+              <a:ext cx="808800" cy="808800"/>
+            </a:xfrm>
+            <a:prstGeom prst="diagStripe">
+              <a:avLst>
+                <a:gd fmla="val 50000" name="adj"/>
+              </a:avLst>
+            </a:prstGeom>
+            <a:solidFill>
+              <a:schemeClr val="lt1">
+                <a:alpha val="7310"/>
+              </a:schemeClr>
+            </a:solidFill>
+            <a:ln>
+              <a:noFill/>
+            </a:ln>
+          </p:spPr>
+          <p:txBody>
+            <a:bodyPr anchorCtr="0" anchor="ctr" bIns="91425" lIns="91425" spcFirstLastPara="1" rIns="91425" wrap="square" tIns="91425">
+              <a:noAutofit/>
+            </a:bodyPr>
+            <a:lstStyle/>
+            <a:p>
+              <a:pPr indent="0" lvl="0" marL="0" rtl="0" algn="l">
+                <a:spcBef>
+                  <a:spcPts val="0"/>
+                </a:spcBef>
+                <a:spcAft>
+                  <a:spcPts val="0"/>
+                </a:spcAft>
+                <a:buNone/>
+              </a:pPr>
+              <a:r>
+                <a:t/>
+              </a:r>
+              <a:endParaRPr/>
+            </a:p>
+          </p:txBody>
+        </p:sp>
+        <p:sp>
+          <p:nvSpPr>
+            <p:cNvPr id="74" name="Google Shape;74;p8"/>
+            <p:cNvSpPr/>
+            <p:nvPr/>
+          </p:nvSpPr>
+          <p:spPr>
+            <a:xfrm flipH="1">
+              <a:off x="5849857" y="1444078"/>
+              <a:ext cx="808800" cy="808800"/>
+            </a:xfrm>
+            <a:prstGeom prst="diagStripe">
+              <a:avLst>
+                <a:gd fmla="val 50000" name="adj"/>
+              </a:avLst>
+            </a:prstGeom>
+            <a:solidFill>
+              <a:schemeClr val="lt1">
+                <a:alpha val="7310"/>
+              </a:schemeClr>
+            </a:solidFill>
+            <a:ln>
+              <a:noFill/>
+            </a:ln>
+          </p:spPr>
+          <p:txBody>
+            <a:bodyPr anchorCtr="0" anchor="ctr" bIns="91425" lIns="91425" spcFirstLastPara="1" rIns="91425" wrap="square" tIns="91425">
+              <a:noAutofit/>
+            </a:bodyPr>
+            <a:lstStyle/>
+            <a:p>
+              <a:pPr indent="0" lvl="0" marL="0" rtl="0" algn="l">
+                <a:spcBef>
+                  <a:spcPts val="0"/>
+                </a:spcBef>
+                <a:spcAft>
+                  <a:spcPts val="0"/>
+                </a:spcAft>
+                <a:buNone/>
+              </a:pPr>
+              <a:r>
+                <a:t/>
+              </a:r>
+              <a:endParaRPr/>
+            </a:p>
+          </p:txBody>
+        </p:sp>
+        <p:sp>
+          <p:nvSpPr>
+            <p:cNvPr id="75" name="Google Shape;75;p8"/>
+            <p:cNvSpPr/>
+            <p:nvPr/>
+          </p:nvSpPr>
+          <p:spPr>
+            <a:xfrm rot="-5400000">
+              <a:off x="5987081" y="2469743"/>
+              <a:ext cx="808800" cy="808800"/>
+            </a:xfrm>
+            <a:prstGeom prst="diagStripe">
+              <a:avLst>
+                <a:gd fmla="val 50000" name="adj"/>
+              </a:avLst>
+            </a:prstGeom>
+            <a:solidFill>
+              <a:schemeClr val="lt1">
+                <a:alpha val="7310"/>
+              </a:schemeClr>
+            </a:solidFill>
+            <a:ln>
+              <a:noFill/>
+            </a:ln>
+          </p:spPr>
+          <p:txBody>
+            <a:bodyPr anchorCtr="0" anchor="ctr" bIns="91425" lIns="91425" spcFirstLastPara="1" rIns="91425" wrap="square" tIns="91425">
+              <a:noAutofit/>
+            </a:bodyPr>
+            <a:lstStyle/>
+            <a:p>
+              <a:pPr indent="0" lvl="0" marL="0" rtl="0" algn="l">
+                <a:spcBef>
+                  <a:spcPts val="0"/>
+                </a:spcBef>
+                <a:spcAft>
+                  <a:spcPts val="0"/>
+                </a:spcAft>
+                <a:buNone/>
+              </a:pPr>
+              <a:r>
+                <a:t/>
+              </a:r>
+              <a:endParaRPr/>
+            </a:p>
+          </p:txBody>
+        </p:sp>
+        <p:sp>
+          <p:nvSpPr>
+            <p:cNvPr id="76" name="Google Shape;76;p8"/>
+            <p:cNvSpPr/>
+            <p:nvPr/>
+          </p:nvSpPr>
+          <p:spPr>
+            <a:xfrm flipH="1">
+              <a:off x="6222115" y="2677179"/>
+              <a:ext cx="808800" cy="808800"/>
+            </a:xfrm>
+            <a:prstGeom prst="diagStripe">
+              <a:avLst>
+                <a:gd fmla="val 50000" name="adj"/>
+              </a:avLst>
+            </a:prstGeom>
+            <a:solidFill>
+              <a:schemeClr val="lt1">
+                <a:alpha val="7310"/>
+              </a:schemeClr>
+            </a:solidFill>
+            <a:ln>
+              <a:noFill/>
+            </a:ln>
+          </p:spPr>
+          <p:txBody>
+            <a:bodyPr anchorCtr="0" anchor="ctr" bIns="91425" lIns="91425" spcFirstLastPara="1" rIns="91425" wrap="square" tIns="91425">
+              <a:noAutofit/>
+            </a:bodyPr>
+            <a:lstStyle/>
+            <a:p>
+              <a:pPr indent="0" lvl="0" marL="0" rtl="0" algn="l">
+                <a:spcBef>
+                  <a:spcPts val="0"/>
+                </a:spcBef>
+                <a:spcAft>
+                  <a:spcPts val="0"/>
+                </a:spcAft>
+                <a:buNone/>
+              </a:pPr>
+              <a:r>
+                <a:t/>
+              </a:r>
+              <a:endParaRPr/>
+            </a:p>
+          </p:txBody>
+        </p:sp>
+        <p:sp>
+          <p:nvSpPr>
+            <p:cNvPr id="77" name="Google Shape;77;p8"/>
+            <p:cNvSpPr/>
+            <p:nvPr/>
+          </p:nvSpPr>
+          <p:spPr>
+            <a:xfrm rot="-5400000">
+              <a:off x="6675341" y="1862244"/>
+              <a:ext cx="808800" cy="808800"/>
+            </a:xfrm>
+            <a:prstGeom prst="diagStripe">
+              <a:avLst>
+                <a:gd fmla="val 50000" name="adj"/>
+              </a:avLst>
+            </a:prstGeom>
+            <a:solidFill>
+              <a:schemeClr val="lt1">
+                <a:alpha val="7310"/>
+              </a:schemeClr>
+            </a:solidFill>
+            <a:ln>
+              <a:noFill/>
+            </a:ln>
+          </p:spPr>
+          <p:txBody>
+            <a:bodyPr anchorCtr="0" anchor="ctr" bIns="91425" lIns="91425" spcFirstLastPara="1" rIns="91425" wrap="square" tIns="91425">
+              <a:noAutofit/>
+            </a:bodyPr>
+            <a:lstStyle/>
+            <a:p>
+              <a:pPr indent="0" lvl="0" marL="0" rtl="0" algn="l">
+                <a:spcBef>
+                  <a:spcPts val="0"/>
+                </a:spcBef>
+                <a:spcAft>
+                  <a:spcPts val="0"/>
+                </a:spcAft>
+                <a:buNone/>
+              </a:pPr>
+              <a:r>
+                <a:t/>
+              </a:r>
+              <a:endParaRPr/>
+            </a:p>
+          </p:txBody>
+        </p:sp>
+        <p:sp>
+          <p:nvSpPr>
+            <p:cNvPr id="78" name="Google Shape;78;p8"/>
+            <p:cNvSpPr/>
+            <p:nvPr/>
+          </p:nvSpPr>
+          <p:spPr>
+            <a:xfrm flipH="1">
+              <a:off x="6908099" y="2069680"/>
+              <a:ext cx="808800" cy="808800"/>
+            </a:xfrm>
+            <a:prstGeom prst="diagStripe">
+              <a:avLst>
+                <a:gd fmla="val 50000" name="adj"/>
+              </a:avLst>
+            </a:prstGeom>
+            <a:solidFill>
+              <a:schemeClr val="lt2"/>
+            </a:solidFill>
+            <a:ln>
+              <a:noFill/>
+            </a:ln>
+          </p:spPr>
+          <p:txBody>
+            <a:bodyPr anchorCtr="0" anchor="ctr" bIns="91425" lIns="91425" spcFirstLastPara="1" rIns="91425" wrap="square" tIns="91425">
+              <a:noAutofit/>
+            </a:bodyPr>
+            <a:lstStyle/>
+            <a:p>
+              <a:pPr indent="0" lvl="0" marL="0" rtl="0" algn="l">
+                <a:spcBef>
+                  <a:spcPts val="0"/>
+                </a:spcBef>
+                <a:spcAft>
+                  <a:spcPts val="0"/>
+                </a:spcAft>
+                <a:buNone/>
+              </a:pPr>
+              <a:r>
+                <a:t/>
+              </a:r>
+              <a:endParaRPr/>
+            </a:p>
+          </p:txBody>
+        </p:sp>
+        <p:sp>
+          <p:nvSpPr>
+            <p:cNvPr id="79" name="Google Shape;79;p8"/>
+            <p:cNvSpPr/>
+            <p:nvPr/>
+          </p:nvSpPr>
+          <p:spPr>
+            <a:xfrm rot="-5400000">
+              <a:off x="6861141" y="2478088"/>
+              <a:ext cx="808800" cy="808800"/>
+            </a:xfrm>
+            <a:prstGeom prst="diagStripe">
+              <a:avLst>
+                <a:gd fmla="val 50000" name="adj"/>
+              </a:avLst>
+            </a:prstGeom>
+            <a:solidFill>
+              <a:schemeClr val="lt1">
+                <a:alpha val="7310"/>
+              </a:schemeClr>
+            </a:solidFill>
+            <a:ln>
+              <a:noFill/>
+            </a:ln>
+          </p:spPr>
+          <p:txBody>
+            <a:bodyPr anchorCtr="0" anchor="ctr" bIns="91425" lIns="91425" spcFirstLastPara="1" rIns="91425" wrap="square" tIns="91425">
+              <a:noAutofit/>
+            </a:bodyPr>
+            <a:lstStyle/>
+            <a:p>
+              <a:pPr indent="0" lvl="0" marL="0" rtl="0" algn="l">
+                <a:spcBef>
+                  <a:spcPts val="0"/>
+                </a:spcBef>
+                <a:spcAft>
+                  <a:spcPts val="0"/>
+                </a:spcAft>
+                <a:buNone/>
+              </a:pPr>
+              <a:r>
+                <a:t/>
+              </a:r>
+              <a:endParaRPr/>
+            </a:p>
+          </p:txBody>
+        </p:sp>
+        <p:sp>
+          <p:nvSpPr>
+            <p:cNvPr id="80" name="Google Shape;80;p8"/>
+            <p:cNvSpPr/>
+            <p:nvPr/>
+          </p:nvSpPr>
+          <p:spPr>
+            <a:xfrm flipH="1">
+              <a:off x="7965266" y="2693191"/>
+              <a:ext cx="808800" cy="808800"/>
+            </a:xfrm>
+            <a:prstGeom prst="diagStripe">
+              <a:avLst>
+                <a:gd fmla="val 50000" name="adj"/>
+              </a:avLst>
+            </a:prstGeom>
+            <a:solidFill>
+              <a:schemeClr val="lt1">
+                <a:alpha val="7310"/>
+              </a:schemeClr>
+            </a:solidFill>
+            <a:ln>
+              <a:noFill/>
+            </a:ln>
+          </p:spPr>
+          <p:txBody>
+            <a:bodyPr anchorCtr="0" anchor="ctr" bIns="91425" lIns="91425" spcFirstLastPara="1" rIns="91425" wrap="square" tIns="91425">
+              <a:noAutofit/>
+            </a:bodyPr>
+            <a:lstStyle/>
+            <a:p>
+              <a:pPr indent="0" lvl="0" marL="0" rtl="0" algn="l">
+                <a:spcBef>
+                  <a:spcPts val="0"/>
+                </a:spcBef>
+                <a:spcAft>
+                  <a:spcPts val="0"/>
+                </a:spcAft>
+                <a:buNone/>
+              </a:pPr>
+              <a:r>
+                <a:t/>
+              </a:r>
+              <a:endParaRPr/>
+            </a:p>
+          </p:txBody>
+        </p:sp>
+        <p:sp>
+          <p:nvSpPr>
+            <p:cNvPr id="81" name="Google Shape;81;p8"/>
+            <p:cNvSpPr/>
+            <p:nvPr/>
+          </p:nvSpPr>
+          <p:spPr>
+            <a:xfrm flipH="1">
+              <a:off x="8145082" y="3309036"/>
+              <a:ext cx="808800" cy="808800"/>
+            </a:xfrm>
+            <a:prstGeom prst="diagStripe">
+              <a:avLst>
+                <a:gd fmla="val 50000" name="adj"/>
+              </a:avLst>
+            </a:prstGeom>
+            <a:solidFill>
+              <a:schemeClr val="lt1">
+                <a:alpha val="7310"/>
+              </a:schemeClr>
+            </a:solidFill>
+            <a:ln>
+              <a:noFill/>
+            </a:ln>
+          </p:spPr>
+          <p:txBody>
+            <a:bodyPr anchorCtr="0" anchor="ctr" bIns="91425" lIns="91425" spcFirstLastPara="1" rIns="91425" wrap="square" tIns="91425">
+              <a:noAutofit/>
+            </a:bodyPr>
+            <a:lstStyle/>
+            <a:p>
+              <a:pPr indent="0" lvl="0" marL="0" rtl="0" algn="l">
+                <a:spcBef>
+                  <a:spcPts val="0"/>
+                </a:spcBef>
+                <a:spcAft>
+                  <a:spcPts val="0"/>
+                </a:spcAft>
+                <a:buNone/>
+              </a:pPr>
+              <a:r>
+                <a:t/>
+              </a:r>
+              <a:endParaRPr/>
+            </a:p>
+          </p:txBody>
+        </p:sp>
+        <p:sp>
+          <p:nvSpPr>
+            <p:cNvPr id="82" name="Google Shape;82;p8"/>
+            <p:cNvSpPr/>
+            <p:nvPr/>
+          </p:nvSpPr>
+          <p:spPr>
+            <a:xfrm rot="-5400000">
+              <a:off x="7047599" y="3095345"/>
+              <a:ext cx="808800" cy="808800"/>
+            </a:xfrm>
+            <a:prstGeom prst="diagStripe">
+              <a:avLst>
+                <a:gd fmla="val 50000" name="adj"/>
+              </a:avLst>
+            </a:prstGeom>
+            <a:solidFill>
+              <a:schemeClr val="lt1">
+                <a:alpha val="7310"/>
+              </a:schemeClr>
+            </a:solidFill>
+            <a:ln>
+              <a:noFill/>
+            </a:ln>
+          </p:spPr>
+          <p:txBody>
+            <a:bodyPr anchorCtr="0" anchor="ctr" bIns="91425" lIns="91425" spcFirstLastPara="1" rIns="91425" wrap="square" tIns="91425">
+              <a:noAutofit/>
+            </a:bodyPr>
+            <a:lstStyle/>
+            <a:p>
+              <a:pPr indent="0" lvl="0" marL="0" rtl="0" algn="l">
+                <a:spcBef>
+                  <a:spcPts val="0"/>
+                </a:spcBef>
+                <a:spcAft>
+                  <a:spcPts val="0"/>
+                </a:spcAft>
+                <a:buNone/>
+              </a:pPr>
+              <a:r>
+                <a:t/>
+              </a:r>
+              <a:endParaRPr/>
+            </a:p>
+          </p:txBody>
+        </p:sp>
+        <p:sp>
+          <p:nvSpPr>
+            <p:cNvPr id="83" name="Google Shape;83;p8"/>
+            <p:cNvSpPr/>
+            <p:nvPr/>
+          </p:nvSpPr>
+          <p:spPr>
+            <a:xfrm flipH="1">
+              <a:off x="7276649" y="3302781"/>
+              <a:ext cx="808800" cy="808800"/>
+            </a:xfrm>
+            <a:prstGeom prst="diagStripe">
+              <a:avLst>
+                <a:gd fmla="val 50000" name="adj"/>
+              </a:avLst>
+            </a:prstGeom>
+            <a:solidFill>
+              <a:schemeClr val="lt1">
+                <a:alpha val="7310"/>
+              </a:schemeClr>
+            </a:solidFill>
+            <a:ln>
+              <a:noFill/>
+            </a:ln>
+          </p:spPr>
+          <p:txBody>
+            <a:bodyPr anchorCtr="0" anchor="ctr" bIns="91425" lIns="91425" spcFirstLastPara="1" rIns="91425" wrap="square" tIns="91425">
+              <a:noAutofit/>
+            </a:bodyPr>
+            <a:lstStyle/>
+            <a:p>
+              <a:pPr indent="0" lvl="0" marL="0" rtl="0" algn="l">
+                <a:spcBef>
+                  <a:spcPts val="0"/>
+                </a:spcBef>
+                <a:spcAft>
+                  <a:spcPts val="0"/>
+                </a:spcAft>
+                <a:buNone/>
+              </a:pPr>
+              <a:r>
+                <a:t/>
+              </a:r>
+              <a:endParaRPr/>
+            </a:p>
+          </p:txBody>
+        </p:sp>
+        <p:sp>
+          <p:nvSpPr>
+            <p:cNvPr id="84" name="Google Shape;84;p8"/>
+            <p:cNvSpPr/>
+            <p:nvPr/>
+          </p:nvSpPr>
+          <p:spPr>
+            <a:xfrm rot="-5400000">
+              <a:off x="7227414" y="3711189"/>
+              <a:ext cx="808800" cy="808800"/>
+            </a:xfrm>
+            <a:prstGeom prst="diagStripe">
+              <a:avLst>
+                <a:gd fmla="val 50000" name="adj"/>
+              </a:avLst>
+            </a:prstGeom>
+            <a:solidFill>
+              <a:schemeClr val="accent1"/>
+            </a:solidFill>
+            <a:ln>
+              <a:noFill/>
+            </a:ln>
+          </p:spPr>
+          <p:txBody>
+            <a:bodyPr anchorCtr="0" anchor="ctr" bIns="91425" lIns="91425" spcFirstLastPara="1" rIns="91425" wrap="square" tIns="91425">
+              <a:noAutofit/>
+            </a:bodyPr>
+            <a:lstStyle/>
+            <a:p>
+              <a:pPr indent="0" lvl="0" marL="0" rtl="0" algn="l">
+                <a:spcBef>
+                  <a:spcPts val="0"/>
+                </a:spcBef>
+                <a:spcAft>
+                  <a:spcPts val="0"/>
+                </a:spcAft>
+                <a:buNone/>
+              </a:pPr>
+              <a:r>
+                <a:t/>
+              </a:r>
+              <a:endParaRPr/>
+            </a:p>
+          </p:txBody>
+        </p:sp>
+        <p:sp>
+          <p:nvSpPr>
+            <p:cNvPr id="85" name="Google Shape;85;p8"/>
+            <p:cNvSpPr/>
+            <p:nvPr/>
+          </p:nvSpPr>
+          <p:spPr>
+            <a:xfrm flipH="1">
+              <a:off x="7462448" y="3918625"/>
+              <a:ext cx="808800" cy="808800"/>
+            </a:xfrm>
+            <a:prstGeom prst="diagStripe">
+              <a:avLst>
+                <a:gd fmla="val 50000" name="adj"/>
+              </a:avLst>
+            </a:prstGeom>
+            <a:solidFill>
+              <a:schemeClr val="lt1">
+                <a:alpha val="7310"/>
+              </a:schemeClr>
+            </a:solidFill>
+            <a:ln>
+              <a:noFill/>
+            </a:ln>
+          </p:spPr>
+          <p:txBody>
+            <a:bodyPr anchorCtr="0" anchor="ctr" bIns="91425" lIns="91425" spcFirstLastPara="1" rIns="91425" wrap="square" tIns="91425">
+              <a:noAutofit/>
+            </a:bodyPr>
+            <a:lstStyle/>
+            <a:p>
+              <a:pPr indent="0" lvl="0" marL="0" rtl="0" algn="l">
+                <a:spcBef>
+                  <a:spcPts val="0"/>
+                </a:spcBef>
+                <a:spcAft>
+                  <a:spcPts val="0"/>
+                </a:spcAft>
+                <a:buNone/>
+              </a:pPr>
+              <a:r>
+                <a:t/>
+              </a:r>
+              <a:endParaRPr/>
+            </a:p>
+          </p:txBody>
+        </p:sp>
+        <p:sp>
+          <p:nvSpPr>
+            <p:cNvPr id="86" name="Google Shape;86;p8"/>
+            <p:cNvSpPr/>
+            <p:nvPr/>
+          </p:nvSpPr>
+          <p:spPr>
+            <a:xfrm rot="-5400000">
+              <a:off x="8102491" y="3718856"/>
+              <a:ext cx="808800" cy="808800"/>
+            </a:xfrm>
+            <a:prstGeom prst="diagStripe">
+              <a:avLst>
+                <a:gd fmla="val 50000" name="adj"/>
+              </a:avLst>
+            </a:prstGeom>
+            <a:solidFill>
+              <a:schemeClr val="lt1">
+                <a:alpha val="7310"/>
+              </a:schemeClr>
+            </a:solidFill>
+            <a:ln>
+              <a:noFill/>
+            </a:ln>
+          </p:spPr>
+          <p:txBody>
+            <a:bodyPr anchorCtr="0" anchor="ctr" bIns="91425" lIns="91425" spcFirstLastPara="1" rIns="91425" wrap="square" tIns="91425">
+              <a:noAutofit/>
+            </a:bodyPr>
+            <a:lstStyle/>
+            <a:p>
+              <a:pPr indent="0" lvl="0" marL="0" rtl="0" algn="l">
+                <a:spcBef>
+                  <a:spcPts val="0"/>
+                </a:spcBef>
+                <a:spcAft>
+                  <a:spcPts val="0"/>
+                </a:spcAft>
+                <a:buNone/>
+              </a:pPr>
+              <a:r>
+                <a:t/>
+              </a:r>
+              <a:endParaRPr/>
+            </a:p>
+          </p:txBody>
+        </p:sp>
+        <p:sp>
+          <p:nvSpPr>
+            <p:cNvPr id="87" name="Google Shape;87;p8"/>
+            <p:cNvSpPr/>
+            <p:nvPr/>
+          </p:nvSpPr>
+          <p:spPr>
+            <a:xfrm flipH="1">
+              <a:off x="8334533" y="3926292"/>
+              <a:ext cx="808800" cy="808800"/>
+            </a:xfrm>
+            <a:prstGeom prst="diagStripe">
+              <a:avLst>
+                <a:gd fmla="val 50000" name="adj"/>
+              </a:avLst>
+            </a:prstGeom>
+            <a:solidFill>
+              <a:schemeClr val="lt1">
+                <a:alpha val="7310"/>
+              </a:schemeClr>
+            </a:solidFill>
+            <a:ln>
+              <a:noFill/>
+            </a:ln>
+          </p:spPr>
+          <p:txBody>
+            <a:bodyPr anchorCtr="0" anchor="ctr" bIns="91425" lIns="91425" spcFirstLastPara="1" rIns="91425" wrap="square" tIns="91425">
+              <a:noAutofit/>
+            </a:bodyPr>
+            <a:lstStyle/>
+            <a:p>
+              <a:pPr indent="0" lvl="0" marL="0" rtl="0" algn="l">
+                <a:spcBef>
+                  <a:spcPts val="0"/>
+                </a:spcBef>
+                <a:spcAft>
+                  <a:spcPts val="0"/>
+                </a:spcAft>
+                <a:buNone/>
+              </a:pPr>
+              <a:r>
+                <a:t/>
+              </a:r>
+              <a:endParaRPr/>
+            </a:p>
+          </p:txBody>
+        </p:sp>
+        <p:sp>
+          <p:nvSpPr>
+            <p:cNvPr id="88" name="Google Shape;88;p8"/>
+            <p:cNvSpPr/>
+            <p:nvPr/>
+          </p:nvSpPr>
+          <p:spPr>
+            <a:xfrm rot="-5400000">
+              <a:off x="8288290" y="4334700"/>
+              <a:ext cx="808800" cy="808800"/>
+            </a:xfrm>
+            <a:prstGeom prst="diagStripe">
+              <a:avLst>
+                <a:gd fmla="val 50000" name="adj"/>
+              </a:avLst>
+            </a:prstGeom>
+            <a:solidFill>
+              <a:schemeClr val="lt1">
+                <a:alpha val="7310"/>
+              </a:schemeClr>
+            </a:solidFill>
+            <a:ln>
+              <a:noFill/>
+            </a:ln>
+          </p:spPr>
+          <p:txBody>
+            <a:bodyPr anchorCtr="0" anchor="ctr" bIns="91425" lIns="91425" spcFirstLastPara="1" rIns="91425" wrap="square" tIns="91425">
+              <a:noAutofit/>
+            </a:bodyPr>
+            <a:lstStyle/>
+            <a:p>
+              <a:pPr indent="0" lvl="0" marL="0" rtl="0" algn="l">
+                <a:spcBef>
+                  <a:spcPts val="0"/>
+                </a:spcBef>
+                <a:spcAft>
+                  <a:spcPts val="0"/>
+                </a:spcAft>
+                <a:buNone/>
+              </a:pPr>
+              <a:r>
+                <a:t/>
+              </a:r>
+              <a:endParaRPr/>
+            </a:p>
+          </p:txBody>
+        </p:sp>
       </p:grpSp>
       <p:sp>
         <p:nvSpPr>
-          <p:cNvPr id="59" name="Google Shape;59;p8"/>
+          <p:cNvPr id="89" name="Google Shape;89;p8"/>
           <p:cNvSpPr txBox="1"/>
           <p:nvPr>
             <p:ph type="title"/>
@@ -4912,8 +6837,8 @@
         </p:nvSpPr>
         <p:spPr>
           <a:xfrm>
-            <a:off x="729450" y="864300"/>
-            <a:ext cx="7021200" cy="2985000"/>
+            <a:off x="823850" y="866775"/>
+            <a:ext cx="4587000" cy="3521100"/>
           </a:xfrm>
           <a:prstGeom prst="rect">
             <a:avLst/>
@@ -4931,16 +6856,9 @@
               <a:spcAft>
                 <a:spcPts val="0"/>
               </a:spcAft>
-              <a:buClr>
-                <a:schemeClr val="lt1"/>
-              </a:buClr>
-              <a:buSzPts val="3600"/>
-              <a:buNone/>
-              <a:defRPr sz="3600">
-                <a:solidFill>
-                  <a:schemeClr val="lt1"/>
-                </a:solidFill>
-              </a:defRPr>
+              <a:buSzPts val="2800"/>
+              <a:buNone/>
+              <a:defRPr/>
             </a:lvl1pPr>
             <a:lvl2pPr lvl="1">
               <a:spcBef>
@@ -4949,16 +6867,9 @@
               <a:spcAft>
                 <a:spcPts val="0"/>
               </a:spcAft>
-              <a:buClr>
-                <a:schemeClr val="lt1"/>
-              </a:buClr>
-              <a:buSzPts val="3600"/>
-              <a:buNone/>
-              <a:defRPr sz="3600">
-                <a:solidFill>
-                  <a:schemeClr val="lt1"/>
-                </a:solidFill>
-              </a:defRPr>
+              <a:buSzPts val="2800"/>
+              <a:buNone/>
+              <a:defRPr/>
             </a:lvl2pPr>
             <a:lvl3pPr lvl="2">
               <a:spcBef>
@@ -4967,16 +6878,9 @@
               <a:spcAft>
                 <a:spcPts val="0"/>
               </a:spcAft>
-              <a:buClr>
-                <a:schemeClr val="lt1"/>
-              </a:buClr>
-              <a:buSzPts val="3600"/>
-              <a:buNone/>
-              <a:defRPr sz="3600">
-                <a:solidFill>
-                  <a:schemeClr val="lt1"/>
-                </a:solidFill>
-              </a:defRPr>
+              <a:buSzPts val="2800"/>
+              <a:buNone/>
+              <a:defRPr/>
             </a:lvl3pPr>
             <a:lvl4pPr lvl="3">
               <a:spcBef>
@@ -4985,16 +6889,9 @@
               <a:spcAft>
                 <a:spcPts val="0"/>
               </a:spcAft>
-              <a:buClr>
-                <a:schemeClr val="lt1"/>
-              </a:buClr>
-              <a:buSzPts val="3600"/>
-              <a:buNone/>
-              <a:defRPr sz="3600">
-                <a:solidFill>
-                  <a:schemeClr val="lt1"/>
-                </a:solidFill>
-              </a:defRPr>
+              <a:buSzPts val="2800"/>
+              <a:buNone/>
+              <a:defRPr/>
             </a:lvl4pPr>
             <a:lvl5pPr lvl="4">
               <a:spcBef>
@@ -5003,16 +6900,9 @@
               <a:spcAft>
                 <a:spcPts val="0"/>
               </a:spcAft>
-              <a:buClr>
-                <a:schemeClr val="lt1"/>
-              </a:buClr>
-              <a:buSzPts val="3600"/>
-              <a:buNone/>
-              <a:defRPr sz="3600">
-                <a:solidFill>
-                  <a:schemeClr val="lt1"/>
-                </a:solidFill>
-              </a:defRPr>
+              <a:buSzPts val="2800"/>
+              <a:buNone/>
+              <a:defRPr/>
             </a:lvl5pPr>
             <a:lvl6pPr lvl="5">
               <a:spcBef>
@@ -5021,16 +6911,9 @@
               <a:spcAft>
                 <a:spcPts val="0"/>
               </a:spcAft>
-              <a:buClr>
-                <a:schemeClr val="lt1"/>
-              </a:buClr>
-              <a:buSzPts val="3600"/>
-              <a:buNone/>
-              <a:defRPr sz="3600">
-                <a:solidFill>
-                  <a:schemeClr val="lt1"/>
-                </a:solidFill>
-              </a:defRPr>
+              <a:buSzPts val="2800"/>
+              <a:buNone/>
+              <a:defRPr/>
             </a:lvl6pPr>
             <a:lvl7pPr lvl="6">
               <a:spcBef>
@@ -5039,16 +6922,9 @@
               <a:spcAft>
                 <a:spcPts val="0"/>
               </a:spcAft>
-              <a:buClr>
-                <a:schemeClr val="lt1"/>
-              </a:buClr>
-              <a:buSzPts val="3600"/>
-              <a:buNone/>
-              <a:defRPr sz="3600">
-                <a:solidFill>
-                  <a:schemeClr val="lt1"/>
-                </a:solidFill>
-              </a:defRPr>
+              <a:buSzPts val="2800"/>
+              <a:buNone/>
+              <a:defRPr/>
             </a:lvl7pPr>
             <a:lvl8pPr lvl="7">
               <a:spcBef>
@@ -5057,16 +6933,9 @@
               <a:spcAft>
                 <a:spcPts val="0"/>
               </a:spcAft>
-              <a:buClr>
-                <a:schemeClr val="lt1"/>
-              </a:buClr>
-              <a:buSzPts val="3600"/>
-              <a:buNone/>
-              <a:defRPr sz="3600">
-                <a:solidFill>
-                  <a:schemeClr val="lt1"/>
-                </a:solidFill>
-              </a:defRPr>
+              <a:buSzPts val="2800"/>
+              <a:buNone/>
+              <a:defRPr/>
             </a:lvl8pPr>
             <a:lvl9pPr lvl="8">
               <a:spcBef>
@@ -5075,16 +6944,9 @@
               <a:spcAft>
                 <a:spcPts val="0"/>
               </a:spcAft>
-              <a:buClr>
-                <a:schemeClr val="lt1"/>
-              </a:buClr>
-              <a:buSzPts val="3600"/>
-              <a:buNone/>
-              <a:defRPr sz="3600">
-                <a:solidFill>
-                  <a:schemeClr val="lt1"/>
-                </a:solidFill>
-              </a:defRPr>
+              <a:buSzPts val="2800"/>
+              <a:buNone/>
+              <a:defRPr/>
             </a:lvl9pPr>
           </a:lstStyle>
           <a:p/>
@@ -5092,7 +6954,7 @@
       </p:sp>
       <p:sp>
         <p:nvSpPr>
-          <p:cNvPr id="60" name="Google Shape;60;p8"/>
+          <p:cNvPr id="90" name="Google Shape;90;p8"/>
           <p:cNvSpPr txBox="1"/>
           <p:nvPr>
             <p:ph idx="12" type="sldNum"/>
@@ -5100,7 +6962,7 @@
         </p:nvSpPr>
         <p:spPr>
           <a:xfrm>
-            <a:off x="8536302" y="4749851"/>
+            <a:off x="8472458" y="4663217"/>
             <a:ext cx="548700" cy="393600"/>
           </a:xfrm>
           <a:prstGeom prst="rect">
@@ -5114,75 +6976,39 @@
           <a:lstStyle>
             <a:lvl1pPr lvl="0">
               <a:buNone/>
-              <a:defRPr>
-                <a:solidFill>
-                  <a:schemeClr val="lt1"/>
-                </a:solidFill>
-              </a:defRPr>
+              <a:defRPr/>
             </a:lvl1pPr>
             <a:lvl2pPr lvl="1">
               <a:buNone/>
-              <a:defRPr>
-                <a:solidFill>
-                  <a:schemeClr val="lt1"/>
-                </a:solidFill>
-              </a:defRPr>
+              <a:defRPr/>
             </a:lvl2pPr>
             <a:lvl3pPr lvl="2">
               <a:buNone/>
-              <a:defRPr>
-                <a:solidFill>
-                  <a:schemeClr val="lt1"/>
-                </a:solidFill>
-              </a:defRPr>
+              <a:defRPr/>
             </a:lvl3pPr>
             <a:lvl4pPr lvl="3">
               <a:buNone/>
-              <a:defRPr>
-                <a:solidFill>
-                  <a:schemeClr val="lt1"/>
-                </a:solidFill>
-              </a:defRPr>
+              <a:defRPr/>
             </a:lvl4pPr>
             <a:lvl5pPr lvl="4">
               <a:buNone/>
-              <a:defRPr>
-                <a:solidFill>
-                  <a:schemeClr val="lt1"/>
-                </a:solidFill>
-              </a:defRPr>
+              <a:defRPr/>
             </a:lvl5pPr>
             <a:lvl6pPr lvl="5">
               <a:buNone/>
-              <a:defRPr>
-                <a:solidFill>
-                  <a:schemeClr val="lt1"/>
-                </a:solidFill>
-              </a:defRPr>
+              <a:defRPr/>
             </a:lvl6pPr>
             <a:lvl7pPr lvl="6">
               <a:buNone/>
-              <a:defRPr>
-                <a:solidFill>
-                  <a:schemeClr val="lt1"/>
-                </a:solidFill>
-              </a:defRPr>
+              <a:defRPr/>
             </a:lvl7pPr>
             <a:lvl8pPr lvl="7">
               <a:buNone/>
-              <a:defRPr>
-                <a:solidFill>
-                  <a:schemeClr val="lt1"/>
-                </a:solidFill>
-              </a:defRPr>
+              <a:defRPr/>
             </a:lvl8pPr>
             <a:lvl9pPr lvl="8">
               <a:buNone/>
-              <a:defRPr>
-                <a:solidFill>
-                  <a:schemeClr val="lt1"/>
-                </a:solidFill>
-              </a:defRPr>
+              <a:defRPr/>
             </a:lvl9pPr>
           </a:lstStyle>
           <a:p>
@@ -5216,7 +7042,7 @@
   <p:cSld name="SECTION_TITLE_AND_DESCRIPTION">
     <p:spTree>
       <p:nvGrpSpPr>
-        <p:cNvPr id="61" name="Shape 61"/>
+        <p:cNvPr id="91" name="Shape 91"/>
         <p:cNvGrpSpPr/>
         <p:nvPr/>
       </p:nvGrpSpPr>
@@ -5228,79 +7054,38 @@
           <a:chExt cx="0" cy="0"/>
         </a:xfrm>
       </p:grpSpPr>
-      <p:sp>
-        <p:nvSpPr>
-          <p:cNvPr id="62" name="Google Shape;62;p9"/>
-          <p:cNvSpPr/>
-          <p:nvPr/>
-        </p:nvSpPr>
-        <p:spPr>
-          <a:xfrm>
-            <a:off x="0" y="0"/>
-            <a:ext cx="4572000" cy="5143500"/>
-          </a:xfrm>
-          <a:prstGeom prst="rect">
-            <a:avLst/>
-          </a:prstGeom>
-          <a:solidFill>
-            <a:schemeClr val="lt2"/>
-          </a:solidFill>
-          <a:ln>
-            <a:noFill/>
-          </a:ln>
-        </p:spPr>
-        <p:txBody>
-          <a:bodyPr anchorCtr="0" anchor="ctr" bIns="91425" lIns="91425" spcFirstLastPara="1" rIns="91425" wrap="square" tIns="91425">
-            <a:noAutofit/>
-          </a:bodyPr>
-          <a:lstStyle/>
-          <a:p>
-            <a:pPr indent="0" lvl="0" marL="0" rtl="0" algn="l">
-              <a:spcBef>
-                <a:spcPts val="0"/>
-              </a:spcBef>
-              <a:spcAft>
-                <a:spcPts val="0"/>
-              </a:spcAft>
-              <a:buNone/>
-            </a:pPr>
-            <a:r>
-              <a:t/>
-            </a:r>
-            <a:endParaRPr/>
-          </a:p>
-        </p:txBody>
-      </p:sp>
       <p:grpSp>
         <p:nvGrpSpPr>
-          <p:cNvPr id="63" name="Google Shape;63;p9"/>
+          <p:cNvPr id="92" name="Google Shape;92;p9"/>
           <p:cNvGrpSpPr/>
           <p:nvPr/>
         </p:nvGrpSpPr>
         <p:grpSpPr>
           <a:xfrm>
-            <a:off x="830392" y="1191256"/>
-            <a:ext cx="745763" cy="45826"/>
-            <a:chOff x="4580561" y="2589004"/>
-            <a:chExt cx="1064464" cy="25200"/>
+            <a:off x="0" y="381001"/>
+            <a:ext cx="1037850" cy="1016287"/>
+            <a:chOff x="0" y="381001"/>
+            <a:chExt cx="1037850" cy="1016287"/>
           </a:xfrm>
         </p:grpSpPr>
         <p:sp>
           <p:nvSpPr>
-            <p:cNvPr id="64" name="Google Shape;64;p9"/>
+            <p:cNvPr id="93" name="Google Shape;93;p9"/>
             <p:cNvSpPr/>
             <p:nvPr/>
           </p:nvSpPr>
           <p:spPr>
             <a:xfrm rot="-5400000">
-              <a:off x="5366325" y="2335504"/>
-              <a:ext cx="25200" cy="532200"/>
+              <a:off x="0" y="381001"/>
+              <a:ext cx="808800" cy="808800"/>
             </a:xfrm>
-            <a:prstGeom prst="rect">
-              <a:avLst/>
+            <a:prstGeom prst="diagStripe">
+              <a:avLst>
+                <a:gd fmla="val 50000" name="adj"/>
+              </a:avLst>
             </a:prstGeom>
             <a:solidFill>
-              <a:schemeClr val="accent3"/>
+              <a:schemeClr val="accent1"/>
             </a:solidFill>
             <a:ln>
               <a:noFill/>
@@ -5330,20 +7115,22 @@
         </p:sp>
         <p:sp>
           <p:nvSpPr>
-            <p:cNvPr id="65" name="Google Shape;65;p9"/>
+            <p:cNvPr id="94" name="Google Shape;94;p9"/>
             <p:cNvSpPr/>
             <p:nvPr/>
           </p:nvSpPr>
           <p:spPr>
-            <a:xfrm rot="-5400000">
-              <a:off x="4836311" y="2333254"/>
-              <a:ext cx="25200" cy="536700"/>
+            <a:xfrm flipH="1">
+              <a:off x="229050" y="588489"/>
+              <a:ext cx="808800" cy="808800"/>
             </a:xfrm>
-            <a:prstGeom prst="rect">
-              <a:avLst/>
+            <a:prstGeom prst="diagStripe">
+              <a:avLst>
+                <a:gd fmla="val 50000" name="adj"/>
+              </a:avLst>
             </a:prstGeom>
             <a:solidFill>
-              <a:schemeClr val="dk1"/>
+              <a:schemeClr val="lt2"/>
             </a:solidFill>
             <a:ln>
               <a:noFill/>
@@ -5374,7 +7161,7 @@
       </p:grpSp>
       <p:sp>
         <p:nvSpPr>
-          <p:cNvPr id="66" name="Google Shape;66;p9"/>
+          <p:cNvPr id="95" name="Google Shape;95;p9"/>
           <p:cNvSpPr txBox="1"/>
           <p:nvPr>
             <p:ph type="title"/>
@@ -5382,8 +7169,8 @@
         </p:nvSpPr>
         <p:spPr>
           <a:xfrm>
-            <a:off x="730000" y="1318650"/>
-            <a:ext cx="3300900" cy="1687200"/>
+            <a:off x="1297500" y="1658325"/>
+            <a:ext cx="3036300" cy="1751700"/>
           </a:xfrm>
           <a:prstGeom prst="rect">
             <a:avLst/>
@@ -5401,9 +7188,9 @@
               <a:spcAft>
                 <a:spcPts val="0"/>
               </a:spcAft>
-              <a:buSzPts val="2600"/>
-              <a:buNone/>
-              <a:defRPr sz="2600"/>
+              <a:buSzPts val="2400"/>
+              <a:buNone/>
+              <a:defRPr sz="2400"/>
             </a:lvl1pPr>
             <a:lvl2pPr lvl="1">
               <a:spcBef>
@@ -5412,9 +7199,9 @@
               <a:spcAft>
                 <a:spcPts val="0"/>
               </a:spcAft>
-              <a:buSzPts val="2600"/>
-              <a:buNone/>
-              <a:defRPr sz="2600"/>
+              <a:buSzPts val="2400"/>
+              <a:buNone/>
+              <a:defRPr sz="2400"/>
             </a:lvl2pPr>
             <a:lvl3pPr lvl="2">
               <a:spcBef>
@@ -5423,9 +7210,9 @@
               <a:spcAft>
                 <a:spcPts val="0"/>
               </a:spcAft>
-              <a:buSzPts val="2600"/>
-              <a:buNone/>
-              <a:defRPr sz="2600"/>
+              <a:buSzPts val="2400"/>
+              <a:buNone/>
+              <a:defRPr sz="2400"/>
             </a:lvl3pPr>
             <a:lvl4pPr lvl="3">
               <a:spcBef>
@@ -5434,9 +7221,9 @@
               <a:spcAft>
                 <a:spcPts val="0"/>
               </a:spcAft>
-              <a:buSzPts val="2600"/>
-              <a:buNone/>
-              <a:defRPr sz="2600"/>
+              <a:buSzPts val="2400"/>
+              <a:buNone/>
+              <a:defRPr sz="2400"/>
             </a:lvl4pPr>
             <a:lvl5pPr lvl="4">
               <a:spcBef>
@@ -5445,9 +7232,9 @@
               <a:spcAft>
                 <a:spcPts val="0"/>
               </a:spcAft>
-              <a:buSzPts val="2600"/>
-              <a:buNone/>
-              <a:defRPr sz="2600"/>
+              <a:buSzPts val="2400"/>
+              <a:buNone/>
+              <a:defRPr sz="2400"/>
             </a:lvl5pPr>
             <a:lvl6pPr lvl="5">
               <a:spcBef>
@@ -5456,9 +7243,9 @@
               <a:spcAft>
                 <a:spcPts val="0"/>
               </a:spcAft>
-              <a:buSzPts val="2600"/>
-              <a:buNone/>
-              <a:defRPr sz="2600"/>
+              <a:buSzPts val="2400"/>
+              <a:buNone/>
+              <a:defRPr sz="2400"/>
             </a:lvl6pPr>
             <a:lvl7pPr lvl="6">
               <a:spcBef>
@@ -5467,9 +7254,9 @@
               <a:spcAft>
                 <a:spcPts val="0"/>
               </a:spcAft>
-              <a:buSzPts val="2600"/>
-              <a:buNone/>
-              <a:defRPr sz="2600"/>
+              <a:buSzPts val="2400"/>
+              <a:buNone/>
+              <a:defRPr sz="2400"/>
             </a:lvl7pPr>
             <a:lvl8pPr lvl="7">
               <a:spcBef>
@@ -5478,9 +7265,9 @@
               <a:spcAft>
                 <a:spcPts val="0"/>
               </a:spcAft>
-              <a:buSzPts val="2600"/>
-              <a:buNone/>
-              <a:defRPr sz="2600"/>
+              <a:buSzPts val="2400"/>
+              <a:buNone/>
+              <a:defRPr sz="2400"/>
             </a:lvl8pPr>
             <a:lvl9pPr lvl="8">
               <a:spcBef>
@@ -5489,9 +7276,9 @@
               <a:spcAft>
                 <a:spcPts val="0"/>
               </a:spcAft>
-              <a:buSzPts val="2600"/>
-              <a:buNone/>
-              <a:defRPr sz="2600"/>
+              <a:buSzPts val="2400"/>
+              <a:buNone/>
+              <a:defRPr sz="2400"/>
             </a:lvl9pPr>
           </a:lstStyle>
           <a:p/>
@@ -5499,7 +7286,7 @@
       </p:sp>
       <p:sp>
         <p:nvSpPr>
-          <p:cNvPr id="67" name="Google Shape;67;p9"/>
+          <p:cNvPr id="96" name="Google Shape;96;p9"/>
           <p:cNvSpPr txBox="1"/>
           <p:nvPr>
             <p:ph idx="1" type="subTitle"/>
@@ -5507,8 +7294,8 @@
         </p:nvSpPr>
         <p:spPr>
           <a:xfrm>
-            <a:off x="724950" y="3161525"/>
-            <a:ext cx="3300900" cy="759000"/>
+            <a:off x="1297500" y="3538000"/>
+            <a:ext cx="3036300" cy="506100"/>
           </a:xfrm>
           <a:prstGeom prst="rect">
             <a:avLst/>
@@ -5529,9 +7316,9 @@
               <a:spcAft>
                 <a:spcPts val="0"/>
               </a:spcAft>
-              <a:buSzPts val="1600"/>
-              <a:buNone/>
-              <a:defRPr sz="1600"/>
+              <a:buSzPts val="1300"/>
+              <a:buNone/>
+              <a:defRPr/>
             </a:lvl1pPr>
             <a:lvl2pPr lvl="1">
               <a:lnSpc>
@@ -5543,9 +7330,9 @@
               <a:spcAft>
                 <a:spcPts val="0"/>
               </a:spcAft>
-              <a:buSzPts val="1600"/>
-              <a:buNone/>
-              <a:defRPr sz="1600"/>
+              <a:buSzPts val="1300"/>
+              <a:buNone/>
+              <a:defRPr sz="1300"/>
             </a:lvl2pPr>
             <a:lvl3pPr lvl="2">
               <a:lnSpc>
@@ -5557,9 +7344,9 @@
               <a:spcAft>
                 <a:spcPts val="0"/>
               </a:spcAft>
-              <a:buSzPts val="1600"/>
-              <a:buNone/>
-              <a:defRPr sz="1600"/>
+              <a:buSzPts val="1300"/>
+              <a:buNone/>
+              <a:defRPr sz="1300"/>
             </a:lvl3pPr>
             <a:lvl4pPr lvl="3">
               <a:lnSpc>
@@ -5571,9 +7358,9 @@
               <a:spcAft>
                 <a:spcPts val="0"/>
               </a:spcAft>
-              <a:buSzPts val="1600"/>
-              <a:buNone/>
-              <a:defRPr sz="1600"/>
+              <a:buSzPts val="1300"/>
+              <a:buNone/>
+              <a:defRPr sz="1300"/>
             </a:lvl4pPr>
             <a:lvl5pPr lvl="4">
               <a:lnSpc>
@@ -5585,9 +7372,9 @@
               <a:spcAft>
                 <a:spcPts val="0"/>
               </a:spcAft>
-              <a:buSzPts val="1600"/>
-              <a:buNone/>
-              <a:defRPr sz="1600"/>
+              <a:buSzPts val="1300"/>
+              <a:buNone/>
+              <a:defRPr sz="1300"/>
             </a:lvl5pPr>
             <a:lvl6pPr lvl="5">
               <a:lnSpc>
@@ -5599,9 +7386,9 @@
               <a:spcAft>
                 <a:spcPts val="0"/>
               </a:spcAft>
-              <a:buSzPts val="1600"/>
-              <a:buNone/>
-              <a:defRPr sz="1600"/>
+              <a:buSzPts val="1300"/>
+              <a:buNone/>
+              <a:defRPr sz="1300"/>
             </a:lvl6pPr>
             <a:lvl7pPr lvl="6">
               <a:lnSpc>
@@ -5613,9 +7400,9 @@
               <a:spcAft>
                 <a:spcPts val="0"/>
               </a:spcAft>
-              <a:buSzPts val="1600"/>
-              <a:buNone/>
-              <a:defRPr sz="1600"/>
+              <a:buSzPts val="1300"/>
+              <a:buNone/>
+              <a:defRPr sz="1300"/>
             </a:lvl7pPr>
             <a:lvl8pPr lvl="7">
               <a:lnSpc>
@@ -5627,9 +7414,9 @@
               <a:spcAft>
                 <a:spcPts val="0"/>
               </a:spcAft>
-              <a:buSzPts val="1600"/>
-              <a:buNone/>
-              <a:defRPr sz="1600"/>
+              <a:buSzPts val="1300"/>
+              <a:buNone/>
+              <a:defRPr sz="1300"/>
             </a:lvl8pPr>
             <a:lvl9pPr lvl="8">
               <a:lnSpc>
@@ -5641,9 +7428,9 @@
               <a:spcAft>
                 <a:spcPts val="0"/>
               </a:spcAft>
-              <a:buSzPts val="1600"/>
-              <a:buNone/>
-              <a:defRPr sz="1600"/>
+              <a:buSzPts val="1300"/>
+              <a:buNone/>
+              <a:defRPr sz="1300"/>
             </a:lvl9pPr>
           </a:lstStyle>
           <a:p/>
@@ -5651,7 +7438,7 @@
       </p:sp>
       <p:sp>
         <p:nvSpPr>
-          <p:cNvPr id="68" name="Google Shape;68;p9"/>
+          <p:cNvPr id="97" name="Google Shape;97;p9"/>
           <p:cNvSpPr txBox="1"/>
           <p:nvPr>
             <p:ph idx="2" type="body"/>
@@ -5659,8 +7446,8 @@
         </p:nvSpPr>
         <p:spPr>
           <a:xfrm>
-            <a:off x="5174225" y="1352625"/>
-            <a:ext cx="3374400" cy="3025500"/>
+            <a:off x="4648200" y="1696600"/>
+            <a:ext cx="3676800" cy="2347500"/>
           </a:xfrm>
           <a:prstGeom prst="rect">
             <a:avLst/>
@@ -5776,7 +7563,7 @@
       </p:sp>
       <p:sp>
         <p:nvSpPr>
-          <p:cNvPr id="69" name="Google Shape;69;p9"/>
+          <p:cNvPr id="98" name="Google Shape;98;p9"/>
           <p:cNvSpPr txBox="1"/>
           <p:nvPr>
             <p:ph idx="12" type="sldNum"/>
@@ -5784,7 +7571,7 @@
         </p:nvSpPr>
         <p:spPr>
           <a:xfrm>
-            <a:off x="8536302" y="4749851"/>
+            <a:off x="8472458" y="4663217"/>
             <a:ext cx="548700" cy="393600"/>
           </a:xfrm>
           <a:prstGeom prst="rect">
@@ -5864,7 +7651,7 @@
   <p:cSld name="CAPTION_ONLY">
     <p:spTree>
       <p:nvGrpSpPr>
-        <p:cNvPr id="70" name="Shape 70"/>
+        <p:cNvPr id="99" name="Shape 99"/>
         <p:cNvGrpSpPr/>
         <p:nvPr/>
       </p:nvGrpSpPr>
@@ -5876,9 +7663,118 @@
           <a:chExt cx="0" cy="0"/>
         </a:xfrm>
       </p:grpSpPr>
+      <p:grpSp>
+        <p:nvGrpSpPr>
+          <p:cNvPr id="100" name="Google Shape;100;p10"/>
+          <p:cNvGrpSpPr/>
+          <p:nvPr/>
+        </p:nvGrpSpPr>
+        <p:grpSpPr>
+          <a:xfrm>
+            <a:off x="0" y="4128572"/>
+            <a:ext cx="698925" cy="684657"/>
+            <a:chOff x="0" y="3785672"/>
+            <a:chExt cx="698925" cy="684657"/>
+          </a:xfrm>
+        </p:grpSpPr>
+        <p:sp>
+          <p:nvSpPr>
+            <p:cNvPr id="101" name="Google Shape;101;p10"/>
+            <p:cNvSpPr/>
+            <p:nvPr/>
+          </p:nvSpPr>
+          <p:spPr>
+            <a:xfrm rot="-5400000">
+              <a:off x="0" y="3785672"/>
+              <a:ext cx="544800" cy="544800"/>
+            </a:xfrm>
+            <a:prstGeom prst="diagStripe">
+              <a:avLst>
+                <a:gd fmla="val 50000" name="adj"/>
+              </a:avLst>
+            </a:prstGeom>
+            <a:solidFill>
+              <a:schemeClr val="lt1">
+                <a:alpha val="9620"/>
+              </a:schemeClr>
+            </a:solidFill>
+            <a:ln>
+              <a:noFill/>
+            </a:ln>
+          </p:spPr>
+          <p:txBody>
+            <a:bodyPr anchorCtr="0" anchor="ctr" bIns="91425" lIns="91425" spcFirstLastPara="1" rIns="91425" wrap="square" tIns="91425">
+              <a:noAutofit/>
+            </a:bodyPr>
+            <a:lstStyle/>
+            <a:p>
+              <a:pPr indent="0" lvl="0" marL="0" rtl="0" algn="l">
+                <a:spcBef>
+                  <a:spcPts val="0"/>
+                </a:spcBef>
+                <a:spcAft>
+                  <a:spcPts val="0"/>
+                </a:spcAft>
+                <a:buNone/>
+              </a:pPr>
+              <a:r>
+                <a:t/>
+              </a:r>
+              <a:endParaRPr/>
+            </a:p>
+          </p:txBody>
+        </p:sp>
+        <p:sp>
+          <p:nvSpPr>
+            <p:cNvPr id="102" name="Google Shape;102;p10"/>
+            <p:cNvSpPr/>
+            <p:nvPr/>
+          </p:nvSpPr>
+          <p:spPr>
+            <a:xfrm flipH="1">
+              <a:off x="154125" y="3925529"/>
+              <a:ext cx="544800" cy="544800"/>
+            </a:xfrm>
+            <a:prstGeom prst="diagStripe">
+              <a:avLst>
+                <a:gd fmla="val 50000" name="adj"/>
+              </a:avLst>
+            </a:prstGeom>
+            <a:solidFill>
+              <a:schemeClr val="lt1">
+                <a:alpha val="9620"/>
+              </a:schemeClr>
+            </a:solidFill>
+            <a:ln>
+              <a:noFill/>
+            </a:ln>
+          </p:spPr>
+          <p:txBody>
+            <a:bodyPr anchorCtr="0" anchor="ctr" bIns="91425" lIns="91425" spcFirstLastPara="1" rIns="91425" wrap="square" tIns="91425">
+              <a:noAutofit/>
+            </a:bodyPr>
+            <a:lstStyle/>
+            <a:p>
+              <a:pPr indent="0" lvl="0" marL="0" rtl="0" algn="l">
+                <a:spcBef>
+                  <a:spcPts val="0"/>
+                </a:spcBef>
+                <a:spcAft>
+                  <a:spcPts val="0"/>
+                </a:spcAft>
+                <a:buNone/>
+              </a:pPr>
+              <a:r>
+                <a:t/>
+              </a:r>
+              <a:endParaRPr/>
+            </a:p>
+          </p:txBody>
+        </p:sp>
+      </p:grpSp>
       <p:sp>
         <p:nvSpPr>
-          <p:cNvPr id="71" name="Google Shape;71;p10"/>
+          <p:cNvPr id="103" name="Google Shape;103;p10"/>
           <p:cNvSpPr txBox="1"/>
           <p:nvPr>
             <p:ph idx="1" type="body"/>
@@ -5886,8 +7782,8 @@
         </p:nvSpPr>
         <p:spPr>
           <a:xfrm>
-            <a:off x="724950" y="4372551"/>
-            <a:ext cx="7697400" cy="460500"/>
+            <a:off x="812725" y="4305375"/>
+            <a:ext cx="6936000" cy="523800"/>
           </a:xfrm>
           <a:prstGeom prst="rect">
             <a:avLst/>
@@ -5918,7 +7814,7 @@
       </p:sp>
       <p:sp>
         <p:nvSpPr>
-          <p:cNvPr id="72" name="Google Shape;72;p10"/>
+          <p:cNvPr id="104" name="Google Shape;104;p10"/>
           <p:cNvSpPr txBox="1"/>
           <p:nvPr>
             <p:ph idx="12" type="sldNum"/>
@@ -5926,7 +7822,7 @@
         </p:nvSpPr>
         <p:spPr>
           <a:xfrm>
-            <a:off x="8536302" y="4749851"/>
+            <a:off x="8472458" y="4663217"/>
             <a:ext cx="548700" cy="393600"/>
           </a:xfrm>
           <a:prstGeom prst="rect">
@@ -6003,11 +7899,11 @@
 
 <file path=ppt/slideMasters/slideMaster1.xml><?xml version="1.0" encoding="utf-8"?>
 <p:sldMaster xmlns:a="http://schemas.openxmlformats.org/drawingml/2006/main" xmlns:r="http://schemas.openxmlformats.org/officeDocument/2006/relationships" xmlns:mc="http://schemas.openxmlformats.org/markup-compatibility/2006" xmlns:mv="urn:schemas-microsoft-com:mac:vml" xmlns:p="http://schemas.openxmlformats.org/presentationml/2006/main" xmlns:c="http://schemas.openxmlformats.org/drawingml/2006/chart" xmlns:dgm="http://schemas.openxmlformats.org/drawingml/2006/diagram" xmlns:o="urn:schemas-microsoft-com:office:office" xmlns:v="urn:schemas-microsoft-com:vml" xmlns:pvml="urn:schemas-microsoft-com:office:powerpoint" xmlns:com="http://schemas.openxmlformats.org/drawingml/2006/compatibility" xmlns:p14="http://schemas.microsoft.com/office/powerpoint/2010/main" xmlns:p15="http://schemas.microsoft.com/office/powerpoint/2012/main" xmlns:ahyp="http://schemas.microsoft.com/office/drawing/2018/hyperlinkcolor">
-  <p:cSld name="streamline">
+  <p:cSld name="focus">
     <p:bg>
       <p:bgPr>
         <a:solidFill>
-          <a:schemeClr val="lt1"/>
+          <a:schemeClr val="dk1"/>
         </a:solidFill>
       </p:bgPr>
     </p:bg>
@@ -6059,19 +7955,19 @@
                 <a:spcPts val="0"/>
               </a:spcAft>
               <a:buClr>
-                <a:schemeClr val="dk2"/>
+                <a:schemeClr val="lt1"/>
               </a:buClr>
               <a:buSzPts val="2800"/>
-              <a:buFont typeface="Raleway"/>
-              <a:buNone/>
-              <a:defRPr b="1" sz="2800">
+              <a:buFont typeface="Montserrat"/>
+              <a:buNone/>
+              <a:defRPr sz="2800">
                 <a:solidFill>
-                  <a:schemeClr val="dk2"/>
+                  <a:schemeClr val="lt1"/>
                 </a:solidFill>
-                <a:latin typeface="Raleway"/>
-                <a:ea typeface="Raleway"/>
-                <a:cs typeface="Raleway"/>
-                <a:sym typeface="Raleway"/>
+                <a:latin typeface="Montserrat"/>
+                <a:ea typeface="Montserrat"/>
+                <a:cs typeface="Montserrat"/>
+                <a:sym typeface="Montserrat"/>
               </a:defRPr>
             </a:lvl1pPr>
             <a:lvl2pPr lvl="1">
@@ -6082,19 +7978,19 @@
                 <a:spcPts val="0"/>
               </a:spcAft>
               <a:buClr>
-                <a:schemeClr val="dk2"/>
+                <a:schemeClr val="lt1"/>
               </a:buClr>
               <a:buSzPts val="2800"/>
-              <a:buFont typeface="Raleway"/>
-              <a:buNone/>
-              <a:defRPr b="1" sz="2800">
+              <a:buFont typeface="Montserrat"/>
+              <a:buNone/>
+              <a:defRPr sz="2800">
                 <a:solidFill>
-                  <a:schemeClr val="dk2"/>
+                  <a:schemeClr val="lt1"/>
                 </a:solidFill>
-                <a:latin typeface="Raleway"/>
-                <a:ea typeface="Raleway"/>
-                <a:cs typeface="Raleway"/>
-                <a:sym typeface="Raleway"/>
+                <a:latin typeface="Montserrat"/>
+                <a:ea typeface="Montserrat"/>
+                <a:cs typeface="Montserrat"/>
+                <a:sym typeface="Montserrat"/>
               </a:defRPr>
             </a:lvl2pPr>
             <a:lvl3pPr lvl="2">
@@ -6105,19 +8001,19 @@
                 <a:spcPts val="0"/>
               </a:spcAft>
               <a:buClr>
-                <a:schemeClr val="dk2"/>
+                <a:schemeClr val="lt1"/>
               </a:buClr>
               <a:buSzPts val="2800"/>
-              <a:buFont typeface="Raleway"/>
-              <a:buNone/>
-              <a:defRPr b="1" sz="2800">
+              <a:buFont typeface="Montserrat"/>
+              <a:buNone/>
+              <a:defRPr sz="2800">
                 <a:solidFill>
-                  <a:schemeClr val="dk2"/>
+                  <a:schemeClr val="lt1"/>
                 </a:solidFill>
-                <a:latin typeface="Raleway"/>
-                <a:ea typeface="Raleway"/>
-                <a:cs typeface="Raleway"/>
-                <a:sym typeface="Raleway"/>
+                <a:latin typeface="Montserrat"/>
+                <a:ea typeface="Montserrat"/>
+                <a:cs typeface="Montserrat"/>
+                <a:sym typeface="Montserrat"/>
               </a:defRPr>
             </a:lvl3pPr>
             <a:lvl4pPr lvl="3">
@@ -6128,19 +8024,19 @@
                 <a:spcPts val="0"/>
               </a:spcAft>
               <a:buClr>
-                <a:schemeClr val="dk2"/>
+                <a:schemeClr val="lt1"/>
               </a:buClr>
               <a:buSzPts val="2800"/>
-              <a:buFont typeface="Raleway"/>
-              <a:buNone/>
-              <a:defRPr b="1" sz="2800">
+              <a:buFont typeface="Montserrat"/>
+              <a:buNone/>
+              <a:defRPr sz="2800">
                 <a:solidFill>
-                  <a:schemeClr val="dk2"/>
+                  <a:schemeClr val="lt1"/>
                 </a:solidFill>
-                <a:latin typeface="Raleway"/>
-                <a:ea typeface="Raleway"/>
-                <a:cs typeface="Raleway"/>
-                <a:sym typeface="Raleway"/>
+                <a:latin typeface="Montserrat"/>
+                <a:ea typeface="Montserrat"/>
+                <a:cs typeface="Montserrat"/>
+                <a:sym typeface="Montserrat"/>
               </a:defRPr>
             </a:lvl4pPr>
             <a:lvl5pPr lvl="4">
@@ -6151,19 +8047,19 @@
                 <a:spcPts val="0"/>
               </a:spcAft>
               <a:buClr>
-                <a:schemeClr val="dk2"/>
+                <a:schemeClr val="lt1"/>
               </a:buClr>
               <a:buSzPts val="2800"/>
-              <a:buFont typeface="Raleway"/>
-              <a:buNone/>
-              <a:defRPr b="1" sz="2800">
+              <a:buFont typeface="Montserrat"/>
+              <a:buNone/>
+              <a:defRPr sz="2800">
                 <a:solidFill>
-                  <a:schemeClr val="dk2"/>
+                  <a:schemeClr val="lt1"/>
                 </a:solidFill>
-                <a:latin typeface="Raleway"/>
-                <a:ea typeface="Raleway"/>
-                <a:cs typeface="Raleway"/>
-                <a:sym typeface="Raleway"/>
+                <a:latin typeface="Montserrat"/>
+                <a:ea typeface="Montserrat"/>
+                <a:cs typeface="Montserrat"/>
+                <a:sym typeface="Montserrat"/>
               </a:defRPr>
             </a:lvl5pPr>
             <a:lvl6pPr lvl="5">
@@ -6174,19 +8070,19 @@
                 <a:spcPts val="0"/>
               </a:spcAft>
               <a:buClr>
-                <a:schemeClr val="dk2"/>
+                <a:schemeClr val="lt1"/>
               </a:buClr>
               <a:buSzPts val="2800"/>
-              <a:buFont typeface="Raleway"/>
-              <a:buNone/>
-              <a:defRPr b="1" sz="2800">
+              <a:buFont typeface="Montserrat"/>
+              <a:buNone/>
+              <a:defRPr sz="2800">
                 <a:solidFill>
-                  <a:schemeClr val="dk2"/>
+                  <a:schemeClr val="lt1"/>
                 </a:solidFill>
-                <a:latin typeface="Raleway"/>
-                <a:ea typeface="Raleway"/>
-                <a:cs typeface="Raleway"/>
-                <a:sym typeface="Raleway"/>
+                <a:latin typeface="Montserrat"/>
+                <a:ea typeface="Montserrat"/>
+                <a:cs typeface="Montserrat"/>
+                <a:sym typeface="Montserrat"/>
               </a:defRPr>
             </a:lvl6pPr>
             <a:lvl7pPr lvl="6">
@@ -6197,19 +8093,19 @@
                 <a:spcPts val="0"/>
               </a:spcAft>
               <a:buClr>
-                <a:schemeClr val="dk2"/>
+                <a:schemeClr val="lt1"/>
               </a:buClr>
               <a:buSzPts val="2800"/>
-              <a:buFont typeface="Raleway"/>
-              <a:buNone/>
-              <a:defRPr b="1" sz="2800">
+              <a:buFont typeface="Montserrat"/>
+              <a:buNone/>
+              <a:defRPr sz="2800">
                 <a:solidFill>
-                  <a:schemeClr val="dk2"/>
+                  <a:schemeClr val="lt1"/>
                 </a:solidFill>
-                <a:latin typeface="Raleway"/>
-                <a:ea typeface="Raleway"/>
-                <a:cs typeface="Raleway"/>
-                <a:sym typeface="Raleway"/>
+                <a:latin typeface="Montserrat"/>
+                <a:ea typeface="Montserrat"/>
+                <a:cs typeface="Montserrat"/>
+                <a:sym typeface="Montserrat"/>
               </a:defRPr>
             </a:lvl7pPr>
             <a:lvl8pPr lvl="7">
@@ -6220,19 +8116,19 @@
                 <a:spcPts val="0"/>
               </a:spcAft>
               <a:buClr>
-                <a:schemeClr val="dk2"/>
+                <a:schemeClr val="lt1"/>
               </a:buClr>
               <a:buSzPts val="2800"/>
-              <a:buFont typeface="Raleway"/>
-              <a:buNone/>
-              <a:defRPr b="1" sz="2800">
+              <a:buFont typeface="Montserrat"/>
+              <a:buNone/>
+              <a:defRPr sz="2800">
                 <a:solidFill>
-                  <a:schemeClr val="dk2"/>
+                  <a:schemeClr val="lt1"/>
                 </a:solidFill>
-                <a:latin typeface="Raleway"/>
-                <a:ea typeface="Raleway"/>
-                <a:cs typeface="Raleway"/>
-                <a:sym typeface="Raleway"/>
+                <a:latin typeface="Montserrat"/>
+                <a:ea typeface="Montserrat"/>
+                <a:cs typeface="Montserrat"/>
+                <a:sym typeface="Montserrat"/>
               </a:defRPr>
             </a:lvl8pPr>
             <a:lvl9pPr lvl="8">
@@ -6243,19 +8139,19 @@
                 <a:spcPts val="0"/>
               </a:spcAft>
               <a:buClr>
-                <a:schemeClr val="dk2"/>
+                <a:schemeClr val="lt1"/>
               </a:buClr>
               <a:buSzPts val="2800"/>
-              <a:buFont typeface="Raleway"/>
-              <a:buNone/>
-              <a:defRPr b="1" sz="2800">
+              <a:buFont typeface="Montserrat"/>
+              <a:buNone/>
+              <a:defRPr sz="2800">
                 <a:solidFill>
-                  <a:schemeClr val="dk2"/>
+                  <a:schemeClr val="lt1"/>
                 </a:solidFill>
-                <a:latin typeface="Raleway"/>
-                <a:ea typeface="Raleway"/>
-                <a:cs typeface="Raleway"/>
-                <a:sym typeface="Raleway"/>
+                <a:latin typeface="Montserrat"/>
+                <a:ea typeface="Montserrat"/>
+                <a:cs typeface="Montserrat"/>
+                <a:sym typeface="Montserrat"/>
               </a:defRPr>
             </a:lvl9pPr>
           </a:lstStyle>
@@ -6299,14 +8195,14 @@
                 <a:spcPts val="0"/>
               </a:spcAft>
               <a:buClr>
-                <a:schemeClr val="accent1"/>
+                <a:schemeClr val="lt1"/>
               </a:buClr>
               <a:buSzPts val="1300"/>
               <a:buFont typeface="Lato"/>
               <a:buChar char="●"/>
               <a:defRPr sz="1300">
                 <a:solidFill>
-                  <a:schemeClr val="accent1"/>
+                  <a:schemeClr val="lt1"/>
                 </a:solidFill>
                 <a:latin typeface="Lato"/>
                 <a:ea typeface="Lato"/>
@@ -6325,14 +8221,14 @@
                 <a:spcPts val="0"/>
               </a:spcAft>
               <a:buClr>
-                <a:schemeClr val="accent1"/>
+                <a:schemeClr val="lt1"/>
               </a:buClr>
               <a:buSzPts val="1100"/>
               <a:buFont typeface="Lato"/>
               <a:buChar char="○"/>
               <a:defRPr sz="1100">
                 <a:solidFill>
-                  <a:schemeClr val="accent1"/>
+                  <a:schemeClr val="lt1"/>
                 </a:solidFill>
                 <a:latin typeface="Lato"/>
                 <a:ea typeface="Lato"/>
@@ -6351,14 +8247,14 @@
                 <a:spcPts val="0"/>
               </a:spcAft>
               <a:buClr>
-                <a:schemeClr val="accent1"/>
+                <a:schemeClr val="lt1"/>
               </a:buClr>
               <a:buSzPts val="1100"/>
               <a:buFont typeface="Lato"/>
               <a:buChar char="■"/>
               <a:defRPr sz="1100">
                 <a:solidFill>
-                  <a:schemeClr val="accent1"/>
+                  <a:schemeClr val="lt1"/>
                 </a:solidFill>
                 <a:latin typeface="Lato"/>
                 <a:ea typeface="Lato"/>
@@ -6377,14 +8273,14 @@
                 <a:spcPts val="0"/>
               </a:spcAft>
               <a:buClr>
-                <a:schemeClr val="accent1"/>
+                <a:schemeClr val="lt1"/>
               </a:buClr>
               <a:buSzPts val="1100"/>
               <a:buFont typeface="Lato"/>
               <a:buChar char="●"/>
               <a:defRPr sz="1100">
                 <a:solidFill>
-                  <a:schemeClr val="accent1"/>
+                  <a:schemeClr val="lt1"/>
                 </a:solidFill>
                 <a:latin typeface="Lato"/>
                 <a:ea typeface="Lato"/>
@@ -6403,14 +8299,14 @@
                 <a:spcPts val="0"/>
               </a:spcAft>
               <a:buClr>
-                <a:schemeClr val="accent1"/>
+                <a:schemeClr val="lt1"/>
               </a:buClr>
               <a:buSzPts val="1100"/>
               <a:buFont typeface="Lato"/>
               <a:buChar char="○"/>
               <a:defRPr sz="1100">
                 <a:solidFill>
-                  <a:schemeClr val="accent1"/>
+                  <a:schemeClr val="lt1"/>
                 </a:solidFill>
                 <a:latin typeface="Lato"/>
                 <a:ea typeface="Lato"/>
@@ -6429,14 +8325,14 @@
                 <a:spcPts val="0"/>
               </a:spcAft>
               <a:buClr>
-                <a:schemeClr val="accent1"/>
+                <a:schemeClr val="lt1"/>
               </a:buClr>
               <a:buSzPts val="1100"/>
               <a:buFont typeface="Lato"/>
               <a:buChar char="■"/>
               <a:defRPr sz="1100">
                 <a:solidFill>
-                  <a:schemeClr val="accent1"/>
+                  <a:schemeClr val="lt1"/>
                 </a:solidFill>
                 <a:latin typeface="Lato"/>
                 <a:ea typeface="Lato"/>
@@ -6455,14 +8351,14 @@
                 <a:spcPts val="0"/>
               </a:spcAft>
               <a:buClr>
-                <a:schemeClr val="accent1"/>
+                <a:schemeClr val="lt1"/>
               </a:buClr>
               <a:buSzPts val="1100"/>
               <a:buFont typeface="Lato"/>
               <a:buChar char="●"/>
               <a:defRPr sz="1100">
                 <a:solidFill>
-                  <a:schemeClr val="accent1"/>
+                  <a:schemeClr val="lt1"/>
                 </a:solidFill>
                 <a:latin typeface="Lato"/>
                 <a:ea typeface="Lato"/>
@@ -6481,14 +8377,14 @@
                 <a:spcPts val="0"/>
               </a:spcAft>
               <a:buClr>
-                <a:schemeClr val="accent1"/>
+                <a:schemeClr val="lt1"/>
               </a:buClr>
               <a:buSzPts val="1100"/>
               <a:buFont typeface="Lato"/>
               <a:buChar char="○"/>
               <a:defRPr sz="1100">
                 <a:solidFill>
-                  <a:schemeClr val="accent1"/>
+                  <a:schemeClr val="lt1"/>
                 </a:solidFill>
                 <a:latin typeface="Lato"/>
                 <a:ea typeface="Lato"/>
@@ -6507,14 +8403,14 @@
                 <a:spcPts val="0"/>
               </a:spcAft>
               <a:buClr>
-                <a:schemeClr val="accent1"/>
+                <a:schemeClr val="lt1"/>
               </a:buClr>
               <a:buSzPts val="1100"/>
               <a:buFont typeface="Lato"/>
               <a:buChar char="■"/>
               <a:defRPr sz="1100">
                 <a:solidFill>
-                  <a:schemeClr val="accent1"/>
+                  <a:schemeClr val="lt1"/>
                 </a:solidFill>
                 <a:latin typeface="Lato"/>
                 <a:ea typeface="Lato"/>
@@ -6536,7 +8432,7 @@
         </p:nvSpPr>
         <p:spPr>
           <a:xfrm>
-            <a:off x="8536302" y="4749851"/>
+            <a:off x="8472458" y="4663217"/>
             <a:ext cx="548700" cy="393600"/>
           </a:xfrm>
           <a:prstGeom prst="rect">
@@ -6556,7 +8452,7 @@
               <a:buNone/>
               <a:defRPr sz="1000">
                 <a:solidFill>
-                  <a:schemeClr val="accent1"/>
+                  <a:schemeClr val="lt1"/>
                 </a:solidFill>
                 <a:latin typeface="Lato"/>
                 <a:ea typeface="Lato"/>
@@ -6568,7 +8464,7 @@
               <a:buNone/>
               <a:defRPr sz="1000">
                 <a:solidFill>
-                  <a:schemeClr val="accent1"/>
+                  <a:schemeClr val="lt1"/>
                 </a:solidFill>
                 <a:latin typeface="Lato"/>
                 <a:ea typeface="Lato"/>
@@ -6580,7 +8476,7 @@
               <a:buNone/>
               <a:defRPr sz="1000">
                 <a:solidFill>
-                  <a:schemeClr val="accent1"/>
+                  <a:schemeClr val="lt1"/>
                 </a:solidFill>
                 <a:latin typeface="Lato"/>
                 <a:ea typeface="Lato"/>
@@ -6592,7 +8488,7 @@
               <a:buNone/>
               <a:defRPr sz="1000">
                 <a:solidFill>
-                  <a:schemeClr val="accent1"/>
+                  <a:schemeClr val="lt1"/>
                 </a:solidFill>
                 <a:latin typeface="Lato"/>
                 <a:ea typeface="Lato"/>
@@ -6604,7 +8500,7 @@
               <a:buNone/>
               <a:defRPr sz="1000">
                 <a:solidFill>
-                  <a:schemeClr val="accent1"/>
+                  <a:schemeClr val="lt1"/>
                 </a:solidFill>
                 <a:latin typeface="Lato"/>
                 <a:ea typeface="Lato"/>
@@ -6616,7 +8512,7 @@
               <a:buNone/>
               <a:defRPr sz="1000">
                 <a:solidFill>
-                  <a:schemeClr val="accent1"/>
+                  <a:schemeClr val="lt1"/>
                 </a:solidFill>
                 <a:latin typeface="Lato"/>
                 <a:ea typeface="Lato"/>
@@ -6628,7 +8524,7 @@
               <a:buNone/>
               <a:defRPr sz="1000">
                 <a:solidFill>
-                  <a:schemeClr val="accent1"/>
+                  <a:schemeClr val="lt1"/>
                 </a:solidFill>
                 <a:latin typeface="Lato"/>
                 <a:ea typeface="Lato"/>
@@ -6640,7 +8536,7 @@
               <a:buNone/>
               <a:defRPr sz="1000">
                 <a:solidFill>
-                  <a:schemeClr val="accent1"/>
+                  <a:schemeClr val="lt1"/>
                 </a:solidFill>
                 <a:latin typeface="Lato"/>
                 <a:ea typeface="Lato"/>
@@ -6652,7 +8548,7 @@
               <a:buNone/>
               <a:defRPr sz="1000">
                 <a:solidFill>
-                  <a:schemeClr val="accent1"/>
+                  <a:schemeClr val="lt1"/>
                 </a:solidFill>
                 <a:latin typeface="Lato"/>
                 <a:ea typeface="Lato"/>
@@ -7393,7 +9289,7 @@
   <p:cSld>
     <p:spTree>
       <p:nvGrpSpPr>
-        <p:cNvPr id="85" name="Shape 85"/>
+        <p:cNvPr id="133" name="Shape 133"/>
         <p:cNvGrpSpPr/>
         <p:nvPr/>
       </p:nvGrpSpPr>
@@ -7407,7 +9303,7 @@
       </p:grpSpPr>
       <p:sp>
         <p:nvSpPr>
-          <p:cNvPr id="86" name="Google Shape;86;p13"/>
+          <p:cNvPr id="134" name="Google Shape;134;p13"/>
           <p:cNvSpPr txBox="1"/>
           <p:nvPr>
             <p:ph type="ctrTitle"/>
@@ -7415,8 +9311,8 @@
         </p:nvSpPr>
         <p:spPr>
           <a:xfrm>
-            <a:off x="729450" y="1322450"/>
-            <a:ext cx="7688100" cy="1664700"/>
+            <a:off x="3537150" y="1578400"/>
+            <a:ext cx="5017500" cy="1578900"/>
           </a:xfrm>
           <a:prstGeom prst="rect">
             <a:avLst/>
@@ -7447,7 +9343,7 @@
       </p:sp>
       <p:sp>
         <p:nvSpPr>
-          <p:cNvPr id="87" name="Google Shape;87;p13"/>
+          <p:cNvPr id="135" name="Google Shape;135;p13"/>
           <p:cNvSpPr txBox="1"/>
           <p:nvPr>
             <p:ph idx="1" type="subTitle"/>
@@ -7464,7 +9360,7 @@
         </p:spPr>
         <p:txBody>
           <a:bodyPr anchorCtr="0" anchor="t" bIns="91425" lIns="91425" spcFirstLastPara="1" rIns="91425" wrap="square" tIns="91425">
-            <a:normAutofit fontScale="55000" lnSpcReduction="20000"/>
+            <a:normAutofit fontScale="70000" lnSpcReduction="20000"/>
           </a:bodyPr>
           <a:lstStyle/>
           <a:p>
@@ -7530,7 +9426,7 @@
   <p:cSld>
     <p:spTree>
       <p:nvGrpSpPr>
-        <p:cNvPr id="91" name="Shape 91"/>
+        <p:cNvPr id="139" name="Shape 139"/>
         <p:cNvGrpSpPr/>
         <p:nvPr/>
       </p:nvGrpSpPr>
@@ -7544,7 +9440,7 @@
       </p:grpSpPr>
       <p:sp>
         <p:nvSpPr>
-          <p:cNvPr id="92" name="Google Shape;92;p14"/>
+          <p:cNvPr id="140" name="Google Shape;140;p14"/>
           <p:cNvSpPr txBox="1"/>
           <p:nvPr>
             <p:ph type="title"/>
@@ -7552,8 +9448,8 @@
         </p:nvSpPr>
         <p:spPr>
           <a:xfrm>
-            <a:off x="729450" y="1318650"/>
-            <a:ext cx="7688700" cy="535200"/>
+            <a:off x="1297500" y="393750"/>
+            <a:ext cx="7038900" cy="914100"/>
           </a:xfrm>
           <a:prstGeom prst="rect">
             <a:avLst/>
@@ -7599,7 +9495,7 @@
       </p:sp>
       <p:sp>
         <p:nvSpPr>
-          <p:cNvPr id="93" name="Google Shape;93;p14"/>
+          <p:cNvPr id="141" name="Google Shape;141;p14"/>
           <p:cNvSpPr txBox="1"/>
           <p:nvPr>
             <p:ph idx="1" type="body"/>
@@ -7607,8 +9503,8 @@
         </p:nvSpPr>
         <p:spPr>
           <a:xfrm>
-            <a:off x="729450" y="2078875"/>
-            <a:ext cx="7688700" cy="2261100"/>
+            <a:off x="1297500" y="1567550"/>
+            <a:ext cx="7038900" cy="2911200"/>
           </a:xfrm>
           <a:prstGeom prst="rect">
             <a:avLst/>
@@ -7650,7 +9546,7 @@
   <p:cSld>
     <p:spTree>
       <p:nvGrpSpPr>
-        <p:cNvPr id="97" name="Shape 97"/>
+        <p:cNvPr id="145" name="Shape 145"/>
         <p:cNvGrpSpPr/>
         <p:nvPr/>
       </p:nvGrpSpPr>
@@ -7664,7 +9560,7 @@
       </p:grpSpPr>
       <p:sp>
         <p:nvSpPr>
-          <p:cNvPr id="98" name="Google Shape;98;p15"/>
+          <p:cNvPr id="146" name="Google Shape;146;p15"/>
           <p:cNvSpPr txBox="1"/>
           <p:nvPr>
             <p:ph type="title"/>
@@ -7672,8 +9568,8 @@
         </p:nvSpPr>
         <p:spPr>
           <a:xfrm>
-            <a:off x="729450" y="1318650"/>
-            <a:ext cx="7688700" cy="535200"/>
+            <a:off x="1297500" y="393750"/>
+            <a:ext cx="7038900" cy="914100"/>
           </a:xfrm>
           <a:prstGeom prst="rect">
             <a:avLst/>
@@ -7681,7 +9577,7 @@
         </p:spPr>
         <p:txBody>
           <a:bodyPr anchorCtr="0" anchor="t" bIns="91425" lIns="91425" spcFirstLastPara="1" rIns="91425" wrap="square" tIns="91425">
-            <a:normAutofit fontScale="90000"/>
+            <a:normAutofit/>
           </a:bodyPr>
           <a:lstStyle/>
           <a:p>
@@ -7704,7 +9600,7 @@
       </p:sp>
       <p:sp>
         <p:nvSpPr>
-          <p:cNvPr id="99" name="Google Shape;99;p15"/>
+          <p:cNvPr id="147" name="Google Shape;147;p15"/>
           <p:cNvSpPr txBox="1"/>
           <p:nvPr>
             <p:ph idx="1" type="body"/>
@@ -7712,8 +9608,8 @@
         </p:nvSpPr>
         <p:spPr>
           <a:xfrm>
-            <a:off x="729450" y="2078875"/>
-            <a:ext cx="7688700" cy="2261100"/>
+            <a:off x="1297500" y="1567550"/>
+            <a:ext cx="7038900" cy="2911200"/>
           </a:xfrm>
           <a:prstGeom prst="rect">
             <a:avLst/>
@@ -7755,7 +9651,7 @@
   <p:cSld>
     <p:spTree>
       <p:nvGrpSpPr>
-        <p:cNvPr id="103" name="Shape 103"/>
+        <p:cNvPr id="151" name="Shape 151"/>
         <p:cNvGrpSpPr/>
         <p:nvPr/>
       </p:nvGrpSpPr>
@@ -7769,7 +9665,7 @@
       </p:grpSpPr>
       <p:sp>
         <p:nvSpPr>
-          <p:cNvPr id="104" name="Google Shape;104;p16"/>
+          <p:cNvPr id="152" name="Google Shape;152;p16"/>
           <p:cNvSpPr txBox="1"/>
           <p:nvPr>
             <p:ph type="title"/>
@@ -7777,48 +9673,8 @@
         </p:nvSpPr>
         <p:spPr>
           <a:xfrm>
-            <a:off x="729450" y="1318650"/>
-            <a:ext cx="7688700" cy="535200"/>
-          </a:xfrm>
-          <a:prstGeom prst="rect">
-            <a:avLst/>
-          </a:prstGeom>
-        </p:spPr>
-        <p:txBody>
-          <a:bodyPr anchorCtr="0" anchor="t" bIns="91425" lIns="91425" spcFirstLastPara="1" rIns="91425" wrap="square" tIns="91425">
-            <a:normAutofit fontScale="90000"/>
-          </a:bodyPr>
-          <a:lstStyle/>
-          <a:p>
-            <a:pPr indent="0" lvl="0" marL="0" rtl="0" algn="l">
-              <a:spcBef>
-                <a:spcPts val="0"/>
-              </a:spcBef>
-              <a:spcAft>
-                <a:spcPts val="0"/>
-              </a:spcAft>
-              <a:buNone/>
-            </a:pPr>
-            <a:r>
-              <a:rPr lang="en"/>
-              <a:t>ЛОГОТИП</a:t>
-            </a:r>
-            <a:endParaRPr/>
-          </a:p>
-        </p:txBody>
-      </p:sp>
-      <p:sp>
-        <p:nvSpPr>
-          <p:cNvPr id="105" name="Google Shape;105;p16"/>
-          <p:cNvSpPr txBox="1"/>
-          <p:nvPr>
-            <p:ph idx="1" type="body"/>
-          </p:nvPr>
-        </p:nvSpPr>
-        <p:spPr>
-          <a:xfrm>
-            <a:off x="729450" y="2078875"/>
-            <a:ext cx="7688700" cy="2261100"/>
+            <a:off x="1297500" y="393750"/>
+            <a:ext cx="7038900" cy="914100"/>
           </a:xfrm>
           <a:prstGeom prst="rect">
             <a:avLst/>
@@ -7835,6 +9691,46 @@
                 <a:spcPts val="0"/>
               </a:spcBef>
               <a:spcAft>
+                <a:spcPts val="0"/>
+              </a:spcAft>
+              <a:buNone/>
+            </a:pPr>
+            <a:r>
+              <a:rPr lang="en"/>
+              <a:t>ЛОГОТИП</a:t>
+            </a:r>
+            <a:endParaRPr/>
+          </a:p>
+        </p:txBody>
+      </p:sp>
+      <p:sp>
+        <p:nvSpPr>
+          <p:cNvPr id="153" name="Google Shape;153;p16"/>
+          <p:cNvSpPr txBox="1"/>
+          <p:nvPr>
+            <p:ph idx="1" type="body"/>
+          </p:nvPr>
+        </p:nvSpPr>
+        <p:spPr>
+          <a:xfrm>
+            <a:off x="1297500" y="1567550"/>
+            <a:ext cx="7038900" cy="2911200"/>
+          </a:xfrm>
+          <a:prstGeom prst="rect">
+            <a:avLst/>
+          </a:prstGeom>
+        </p:spPr>
+        <p:txBody>
+          <a:bodyPr anchorCtr="0" anchor="t" bIns="91425" lIns="91425" spcFirstLastPara="1" rIns="91425" wrap="square" tIns="91425">
+            <a:normAutofit/>
+          </a:bodyPr>
+          <a:lstStyle/>
+          <a:p>
+            <a:pPr indent="0" lvl="0" marL="0" rtl="0" algn="l">
+              <a:spcBef>
+                <a:spcPts val="0"/>
+              </a:spcBef>
+              <a:spcAft>
                 <a:spcPts val="1200"/>
               </a:spcAft>
               <a:buNone/>
@@ -7848,7 +9744,7 @@
       </p:sp>
       <p:pic>
         <p:nvPicPr>
-          <p:cNvPr id="106" name="Google Shape;106;p16"/>
+          <p:cNvPr id="154" name="Google Shape;154;p16"/>
           <p:cNvPicPr preferRelativeResize="0"/>
           <p:nvPr/>
         </p:nvPicPr>
@@ -7862,7 +9758,7 @@
         </p:blipFill>
         <p:spPr>
           <a:xfrm>
-            <a:off x="2623425" y="1793625"/>
+            <a:off x="2897063" y="1084175"/>
             <a:ext cx="3349875" cy="3349875"/>
           </a:xfrm>
           <a:prstGeom prst="rect">
@@ -7883,285 +9779,6 @@
 </file>
 
 <file path=ppt/theme/theme1.xml><?xml version="1.0" encoding="utf-8"?>
-<a:theme xmlns:a="http://schemas.openxmlformats.org/drawingml/2006/main" xmlns:r="http://schemas.openxmlformats.org/officeDocument/2006/relationships" name="Streamline">
-  <a:themeElements>
-    <a:clrScheme name="Streamline">
-      <a:dk1>
-        <a:srgbClr val="1A9988"/>
-      </a:dk1>
-      <a:lt1>
-        <a:srgbClr val="FFFFFF"/>
-      </a:lt1>
-      <a:dk2>
-        <a:srgbClr val="1A1A1A"/>
-      </a:dk2>
-      <a:lt2>
-        <a:srgbClr val="E9EDEE"/>
-      </a:lt2>
-      <a:accent1>
-        <a:srgbClr val="595959"/>
-      </a:accent1>
-      <a:accent2>
-        <a:srgbClr val="6AA4C8"/>
-      </a:accent2>
-      <a:accent3>
-        <a:srgbClr val="EB5600"/>
-      </a:accent3>
-      <a:accent4>
-        <a:srgbClr val="A2FFE8"/>
-      </a:accent4>
-      <a:accent5>
-        <a:srgbClr val="1C3678"/>
-      </a:accent5>
-      <a:accent6>
-        <a:srgbClr val="FFB8A2"/>
-      </a:accent6>
-      <a:hlink>
-        <a:srgbClr val="1C3678"/>
-      </a:hlink>
-      <a:folHlink>
-        <a:srgbClr val="1C3678"/>
-      </a:folHlink>
-    </a:clrScheme>
-    <a:fontScheme name="Office">
-      <a:majorFont>
-        <a:latin typeface="Arial"/>
-        <a:ea typeface=""/>
-        <a:cs typeface=""/>
-        <a:font script="Jpan" typeface="ＭＳ Ｐゴシック"/>
-        <a:font script="Hang" typeface="맑은 고딕"/>
-        <a:font script="Hans" typeface="宋体"/>
-        <a:font script="Hant" typeface="新細明體"/>
-        <a:font script="Arab" typeface="Times New Roman"/>
-        <a:font script="Hebr" typeface="Times New Roman"/>
-        <a:font script="Thai" typeface="Angsana New"/>
-        <a:font script="Ethi" typeface="Nyala"/>
-        <a:font script="Beng" typeface="Vrinda"/>
-        <a:font script="Gujr" typeface="Shruti"/>
-        <a:font script="Khmr" typeface="MoolBoran"/>
-        <a:font script="Knda" typeface="Tunga"/>
-        <a:font script="Guru" typeface="Raavi"/>
-        <a:font script="Cans" typeface="Euphemia"/>
-        <a:font script="Cher" typeface="Plantagenet Cherokee"/>
-        <a:font script="Yiii" typeface="Microsoft Yi Baiti"/>
-        <a:font script="Tibt" typeface="Microsoft Himalaya"/>
-        <a:font script="Thaa" typeface="MV Boli"/>
-        <a:font script="Deva" typeface="Mangal"/>
-        <a:font script="Telu" typeface="Gautami"/>
-        <a:font script="Taml" typeface="Latha"/>
-        <a:font script="Syrc" typeface="Estrangelo Edessa"/>
-        <a:font script="Orya" typeface="Kalinga"/>
-        <a:font script="Mlym" typeface="Kartika"/>
-        <a:font script="Laoo" typeface="DokChampa"/>
-        <a:font script="Sinh" typeface="Iskoola Pota"/>
-        <a:font script="Mong" typeface="Mongolian Baiti"/>
-        <a:font script="Viet" typeface="Times New Roman"/>
-        <a:font script="Uigh" typeface="Microsoft Uighur"/>
-        <a:font script="Geor" typeface="Sylfaen"/>
-      </a:majorFont>
-      <a:minorFont>
-        <a:latin typeface="Arial"/>
-        <a:ea typeface=""/>
-        <a:cs typeface=""/>
-        <a:font script="Jpan" typeface="ＭＳ Ｐゴシック"/>
-        <a:font script="Hang" typeface="맑은 고딕"/>
-        <a:font script="Hans" typeface="宋体"/>
-        <a:font script="Hant" typeface="新細明體"/>
-        <a:font script="Arab" typeface="Arial"/>
-        <a:font script="Hebr" typeface="Arial"/>
-        <a:font script="Thai" typeface="Cordia New"/>
-        <a:font script="Ethi" typeface="Nyala"/>
-        <a:font script="Beng" typeface="Vrinda"/>
-        <a:font script="Gujr" typeface="Shruti"/>
-        <a:font script="Khmr" typeface="DaunPenh"/>
-        <a:font script="Knda" typeface="Tunga"/>
-        <a:font script="Guru" typeface="Raavi"/>
-        <a:font script="Cans" typeface="Euphemia"/>
-        <a:font script="Cher" typeface="Plantagenet Cherokee"/>
-        <a:font script="Yiii" typeface="Microsoft Yi Baiti"/>
-        <a:font script="Tibt" typeface="Microsoft Himalaya"/>
-        <a:font script="Thaa" typeface="MV Boli"/>
-        <a:font script="Deva" typeface="Mangal"/>
-        <a:font script="Telu" typeface="Gautami"/>
-        <a:font script="Taml" typeface="Latha"/>
-        <a:font script="Syrc" typeface="Estrangelo Edessa"/>
-        <a:font script="Orya" typeface="Kalinga"/>
-        <a:font script="Mlym" typeface="Kartika"/>
-        <a:font script="Laoo" typeface="DokChampa"/>
-        <a:font script="Sinh" typeface="Iskoola Pota"/>
-        <a:font script="Mong" typeface="Mongolian Baiti"/>
-        <a:font script="Viet" typeface="Arial"/>
-        <a:font script="Uigh" typeface="Microsoft Uighur"/>
-        <a:font script="Geor" typeface="Sylfaen"/>
-      </a:minorFont>
-    </a:fontScheme>
-    <a:fmtScheme name="Office">
-      <a:fillStyleLst>
-        <a:solidFill>
-          <a:schemeClr val="phClr"/>
-        </a:solidFill>
-        <a:gradFill rotWithShape="1">
-          <a:gsLst>
-            <a:gs pos="0">
-              <a:schemeClr val="phClr">
-                <a:tint val="50000"/>
-                <a:satMod val="300000"/>
-              </a:schemeClr>
-            </a:gs>
-            <a:gs pos="35000">
-              <a:schemeClr val="phClr">
-                <a:tint val="37000"/>
-                <a:satMod val="300000"/>
-              </a:schemeClr>
-            </a:gs>
-            <a:gs pos="100000">
-              <a:schemeClr val="phClr">
-                <a:tint val="15000"/>
-                <a:satMod val="350000"/>
-              </a:schemeClr>
-            </a:gs>
-          </a:gsLst>
-          <a:lin ang="16200000" scaled="1"/>
-        </a:gradFill>
-        <a:gradFill rotWithShape="1">
-          <a:gsLst>
-            <a:gs pos="0">
-              <a:schemeClr val="phClr">
-                <a:tint val="100000"/>
-                <a:shade val="100000"/>
-                <a:satMod val="130000"/>
-              </a:schemeClr>
-            </a:gs>
-            <a:gs pos="100000">
-              <a:schemeClr val="phClr">
-                <a:tint val="50000"/>
-                <a:shade val="100000"/>
-                <a:satMod val="350000"/>
-              </a:schemeClr>
-            </a:gs>
-          </a:gsLst>
-          <a:lin ang="16200000" scaled="0"/>
-        </a:gradFill>
-      </a:fillStyleLst>
-      <a:lnStyleLst>
-        <a:ln w="9525" cap="flat" cmpd="sng" algn="ctr">
-          <a:solidFill>
-            <a:schemeClr val="phClr">
-              <a:shade val="95000"/>
-              <a:satMod val="105000"/>
-            </a:schemeClr>
-          </a:solidFill>
-          <a:prstDash val="solid"/>
-        </a:ln>
-        <a:ln w="25400" cap="flat" cmpd="sng" algn="ctr">
-          <a:solidFill>
-            <a:schemeClr val="phClr"/>
-          </a:solidFill>
-          <a:prstDash val="solid"/>
-        </a:ln>
-        <a:ln w="38100" cap="flat" cmpd="sng" algn="ctr">
-          <a:solidFill>
-            <a:schemeClr val="phClr"/>
-          </a:solidFill>
-          <a:prstDash val="solid"/>
-        </a:ln>
-      </a:lnStyleLst>
-      <a:effectStyleLst>
-        <a:effectStyle>
-          <a:effectLst>
-            <a:outerShdw blurRad="40000" dist="20000" dir="5400000" rotWithShape="0">
-              <a:srgbClr val="000000">
-                <a:alpha val="38000"/>
-              </a:srgbClr>
-            </a:outerShdw>
-          </a:effectLst>
-        </a:effectStyle>
-        <a:effectStyle>
-          <a:effectLst>
-            <a:outerShdw blurRad="40000" dist="23000" dir="5400000" rotWithShape="0">
-              <a:srgbClr val="000000">
-                <a:alpha val="35000"/>
-              </a:srgbClr>
-            </a:outerShdw>
-          </a:effectLst>
-        </a:effectStyle>
-        <a:effectStyle>
-          <a:effectLst>
-            <a:outerShdw blurRad="40000" dist="23000" dir="5400000" rotWithShape="0">
-              <a:srgbClr val="000000">
-                <a:alpha val="35000"/>
-              </a:srgbClr>
-            </a:outerShdw>
-          </a:effectLst>
-          <a:scene3d>
-            <a:camera prst="orthographicFront">
-              <a:rot lat="0" lon="0" rev="0"/>
-            </a:camera>
-            <a:lightRig rig="threePt" dir="t">
-              <a:rot lat="0" lon="0" rev="1200000"/>
-            </a:lightRig>
-          </a:scene3d>
-          <a:sp3d>
-            <a:bevelT w="63500" h="25400"/>
-          </a:sp3d>
-        </a:effectStyle>
-      </a:effectStyleLst>
-      <a:bgFillStyleLst>
-        <a:solidFill>
-          <a:schemeClr val="phClr"/>
-        </a:solidFill>
-        <a:gradFill rotWithShape="1">
-          <a:gsLst>
-            <a:gs pos="0">
-              <a:schemeClr val="phClr">
-                <a:tint val="40000"/>
-                <a:satMod val="350000"/>
-              </a:schemeClr>
-            </a:gs>
-            <a:gs pos="40000">
-              <a:schemeClr val="phClr">
-                <a:tint val="45000"/>
-                <a:shade val="99000"/>
-                <a:satMod val="350000"/>
-              </a:schemeClr>
-            </a:gs>
-            <a:gs pos="100000">
-              <a:schemeClr val="phClr">
-                <a:shade val="20000"/>
-                <a:satMod val="255000"/>
-              </a:schemeClr>
-            </a:gs>
-          </a:gsLst>
-          <a:path path="circle">
-            <a:fillToRect l="50000" t="-80000" r="50000" b="180000"/>
-          </a:path>
-        </a:gradFill>
-        <a:gradFill rotWithShape="1">
-          <a:gsLst>
-            <a:gs pos="0">
-              <a:schemeClr val="phClr">
-                <a:tint val="80000"/>
-                <a:satMod val="300000"/>
-              </a:schemeClr>
-            </a:gs>
-            <a:gs pos="100000">
-              <a:schemeClr val="phClr">
-                <a:shade val="30000"/>
-                <a:satMod val="200000"/>
-              </a:schemeClr>
-            </a:gs>
-          </a:gsLst>
-          <a:path path="circle">
-            <a:fillToRect l="50000" t="50000" r="50000" b="50000"/>
-          </a:path>
-        </a:gradFill>
-      </a:bgFillStyleLst>
-    </a:fmtScheme>
-  </a:themeElements>
-</a:theme>
-</file>
-
-<file path=ppt/theme/theme2.xml><?xml version="1.0" encoding="utf-8"?>
 <a:theme xmlns:a="http://schemas.openxmlformats.org/drawingml/2006/main" xmlns:r="http://schemas.openxmlformats.org/officeDocument/2006/relationships">
   <a:themeElements>
     <a:clrScheme name="Default">
@@ -8438,4 +10055,283 @@
     </a:fmtScheme>
   </a:themeElements>
 </a:theme>
+</file>
+
+<file path=ppt/theme/theme2.xml><?xml version="1.0" encoding="utf-8"?>
+<a:theme xmlns:a="http://schemas.openxmlformats.org/drawingml/2006/main" xmlns:r="http://schemas.openxmlformats.org/officeDocument/2006/relationships" name="Focus">
+  <a:themeElements>
+    <a:clrScheme name="Focus">
+      <a:dk1>
+        <a:srgbClr val="1B212C"/>
+      </a:dk1>
+      <a:lt1>
+        <a:srgbClr val="FFFFFF"/>
+      </a:lt1>
+      <a:dk2>
+        <a:srgbClr val="D9D9D9"/>
+      </a:dk2>
+      <a:lt2>
+        <a:srgbClr val="82C7A5"/>
+      </a:lt2>
+      <a:accent1>
+        <a:srgbClr val="0145AC"/>
+      </a:accent1>
+      <a:accent2>
+        <a:srgbClr val="EECE1A"/>
+      </a:accent2>
+      <a:accent3>
+        <a:srgbClr val="4E5567"/>
+      </a:accent3>
+      <a:accent4>
+        <a:srgbClr val="F4D6AD"/>
+      </a:accent4>
+      <a:accent5>
+        <a:srgbClr val="7890CD"/>
+      </a:accent5>
+      <a:accent6>
+        <a:srgbClr val="F15E22"/>
+      </a:accent6>
+      <a:hlink>
+        <a:srgbClr val="7890CD"/>
+      </a:hlink>
+      <a:folHlink>
+        <a:srgbClr val="7890CD"/>
+      </a:folHlink>
+    </a:clrScheme>
+    <a:fontScheme name="Office">
+      <a:majorFont>
+        <a:latin typeface="Arial"/>
+        <a:ea typeface=""/>
+        <a:cs typeface=""/>
+        <a:font script="Jpan" typeface="ＭＳ Ｐゴシック"/>
+        <a:font script="Hang" typeface="맑은 고딕"/>
+        <a:font script="Hans" typeface="宋体"/>
+        <a:font script="Hant" typeface="新細明體"/>
+        <a:font script="Arab" typeface="Times New Roman"/>
+        <a:font script="Hebr" typeface="Times New Roman"/>
+        <a:font script="Thai" typeface="Angsana New"/>
+        <a:font script="Ethi" typeface="Nyala"/>
+        <a:font script="Beng" typeface="Vrinda"/>
+        <a:font script="Gujr" typeface="Shruti"/>
+        <a:font script="Khmr" typeface="MoolBoran"/>
+        <a:font script="Knda" typeface="Tunga"/>
+        <a:font script="Guru" typeface="Raavi"/>
+        <a:font script="Cans" typeface="Euphemia"/>
+        <a:font script="Cher" typeface="Plantagenet Cherokee"/>
+        <a:font script="Yiii" typeface="Microsoft Yi Baiti"/>
+        <a:font script="Tibt" typeface="Microsoft Himalaya"/>
+        <a:font script="Thaa" typeface="MV Boli"/>
+        <a:font script="Deva" typeface="Mangal"/>
+        <a:font script="Telu" typeface="Gautami"/>
+        <a:font script="Taml" typeface="Latha"/>
+        <a:font script="Syrc" typeface="Estrangelo Edessa"/>
+        <a:font script="Orya" typeface="Kalinga"/>
+        <a:font script="Mlym" typeface="Kartika"/>
+        <a:font script="Laoo" typeface="DokChampa"/>
+        <a:font script="Sinh" typeface="Iskoola Pota"/>
+        <a:font script="Mong" typeface="Mongolian Baiti"/>
+        <a:font script="Viet" typeface="Times New Roman"/>
+        <a:font script="Uigh" typeface="Microsoft Uighur"/>
+        <a:font script="Geor" typeface="Sylfaen"/>
+      </a:majorFont>
+      <a:minorFont>
+        <a:latin typeface="Arial"/>
+        <a:ea typeface=""/>
+        <a:cs typeface=""/>
+        <a:font script="Jpan" typeface="ＭＳ Ｐゴシック"/>
+        <a:font script="Hang" typeface="맑은 고딕"/>
+        <a:font script="Hans" typeface="宋体"/>
+        <a:font script="Hant" typeface="新細明體"/>
+        <a:font script="Arab" typeface="Arial"/>
+        <a:font script="Hebr" typeface="Arial"/>
+        <a:font script="Thai" typeface="Cordia New"/>
+        <a:font script="Ethi" typeface="Nyala"/>
+        <a:font script="Beng" typeface="Vrinda"/>
+        <a:font script="Gujr" typeface="Shruti"/>
+        <a:font script="Khmr" typeface="DaunPenh"/>
+        <a:font script="Knda" typeface="Tunga"/>
+        <a:font script="Guru" typeface="Raavi"/>
+        <a:font script="Cans" typeface="Euphemia"/>
+        <a:font script="Cher" typeface="Plantagenet Cherokee"/>
+        <a:font script="Yiii" typeface="Microsoft Yi Baiti"/>
+        <a:font script="Tibt" typeface="Microsoft Himalaya"/>
+        <a:font script="Thaa" typeface="MV Boli"/>
+        <a:font script="Deva" typeface="Mangal"/>
+        <a:font script="Telu" typeface="Gautami"/>
+        <a:font script="Taml" typeface="Latha"/>
+        <a:font script="Syrc" typeface="Estrangelo Edessa"/>
+        <a:font script="Orya" typeface="Kalinga"/>
+        <a:font script="Mlym" typeface="Kartika"/>
+        <a:font script="Laoo" typeface="DokChampa"/>
+        <a:font script="Sinh" typeface="Iskoola Pota"/>
+        <a:font script="Mong" typeface="Mongolian Baiti"/>
+        <a:font script="Viet" typeface="Arial"/>
+        <a:font script="Uigh" typeface="Microsoft Uighur"/>
+        <a:font script="Geor" typeface="Sylfaen"/>
+      </a:minorFont>
+    </a:fontScheme>
+    <a:fmtScheme name="Office">
+      <a:fillStyleLst>
+        <a:solidFill>
+          <a:schemeClr val="phClr"/>
+        </a:solidFill>
+        <a:gradFill rotWithShape="1">
+          <a:gsLst>
+            <a:gs pos="0">
+              <a:schemeClr val="phClr">
+                <a:tint val="50000"/>
+                <a:satMod val="300000"/>
+              </a:schemeClr>
+            </a:gs>
+            <a:gs pos="35000">
+              <a:schemeClr val="phClr">
+                <a:tint val="37000"/>
+                <a:satMod val="300000"/>
+              </a:schemeClr>
+            </a:gs>
+            <a:gs pos="100000">
+              <a:schemeClr val="phClr">
+                <a:tint val="15000"/>
+                <a:satMod val="350000"/>
+              </a:schemeClr>
+            </a:gs>
+          </a:gsLst>
+          <a:lin ang="16200000" scaled="1"/>
+        </a:gradFill>
+        <a:gradFill rotWithShape="1">
+          <a:gsLst>
+            <a:gs pos="0">
+              <a:schemeClr val="phClr">
+                <a:tint val="100000"/>
+                <a:shade val="100000"/>
+                <a:satMod val="130000"/>
+              </a:schemeClr>
+            </a:gs>
+            <a:gs pos="100000">
+              <a:schemeClr val="phClr">
+                <a:tint val="50000"/>
+                <a:shade val="100000"/>
+                <a:satMod val="350000"/>
+              </a:schemeClr>
+            </a:gs>
+          </a:gsLst>
+          <a:lin ang="16200000" scaled="0"/>
+        </a:gradFill>
+      </a:fillStyleLst>
+      <a:lnStyleLst>
+        <a:ln w="9525" cap="flat" cmpd="sng" algn="ctr">
+          <a:solidFill>
+            <a:schemeClr val="phClr">
+              <a:shade val="95000"/>
+              <a:satMod val="105000"/>
+            </a:schemeClr>
+          </a:solidFill>
+          <a:prstDash val="solid"/>
+        </a:ln>
+        <a:ln w="25400" cap="flat" cmpd="sng" algn="ctr">
+          <a:solidFill>
+            <a:schemeClr val="phClr"/>
+          </a:solidFill>
+          <a:prstDash val="solid"/>
+        </a:ln>
+        <a:ln w="38100" cap="flat" cmpd="sng" algn="ctr">
+          <a:solidFill>
+            <a:schemeClr val="phClr"/>
+          </a:solidFill>
+          <a:prstDash val="solid"/>
+        </a:ln>
+      </a:lnStyleLst>
+      <a:effectStyleLst>
+        <a:effectStyle>
+          <a:effectLst>
+            <a:outerShdw blurRad="40000" dist="20000" dir="5400000" rotWithShape="0">
+              <a:srgbClr val="000000">
+                <a:alpha val="38000"/>
+              </a:srgbClr>
+            </a:outerShdw>
+          </a:effectLst>
+        </a:effectStyle>
+        <a:effectStyle>
+          <a:effectLst>
+            <a:outerShdw blurRad="40000" dist="23000" dir="5400000" rotWithShape="0">
+              <a:srgbClr val="000000">
+                <a:alpha val="35000"/>
+              </a:srgbClr>
+            </a:outerShdw>
+          </a:effectLst>
+        </a:effectStyle>
+        <a:effectStyle>
+          <a:effectLst>
+            <a:outerShdw blurRad="40000" dist="23000" dir="5400000" rotWithShape="0">
+              <a:srgbClr val="000000">
+                <a:alpha val="35000"/>
+              </a:srgbClr>
+            </a:outerShdw>
+          </a:effectLst>
+          <a:scene3d>
+            <a:camera prst="orthographicFront">
+              <a:rot lat="0" lon="0" rev="0"/>
+            </a:camera>
+            <a:lightRig rig="threePt" dir="t">
+              <a:rot lat="0" lon="0" rev="1200000"/>
+            </a:lightRig>
+          </a:scene3d>
+          <a:sp3d>
+            <a:bevelT w="63500" h="25400"/>
+          </a:sp3d>
+        </a:effectStyle>
+      </a:effectStyleLst>
+      <a:bgFillStyleLst>
+        <a:solidFill>
+          <a:schemeClr val="phClr"/>
+        </a:solidFill>
+        <a:gradFill rotWithShape="1">
+          <a:gsLst>
+            <a:gs pos="0">
+              <a:schemeClr val="phClr">
+                <a:tint val="40000"/>
+                <a:satMod val="350000"/>
+              </a:schemeClr>
+            </a:gs>
+            <a:gs pos="40000">
+              <a:schemeClr val="phClr">
+                <a:tint val="45000"/>
+                <a:shade val="99000"/>
+                <a:satMod val="350000"/>
+              </a:schemeClr>
+            </a:gs>
+            <a:gs pos="100000">
+              <a:schemeClr val="phClr">
+                <a:shade val="20000"/>
+                <a:satMod val="255000"/>
+              </a:schemeClr>
+            </a:gs>
+          </a:gsLst>
+          <a:path path="circle">
+            <a:fillToRect l="50000" t="-80000" r="50000" b="180000"/>
+          </a:path>
+        </a:gradFill>
+        <a:gradFill rotWithShape="1">
+          <a:gsLst>
+            <a:gs pos="0">
+              <a:schemeClr val="phClr">
+                <a:tint val="80000"/>
+                <a:satMod val="300000"/>
+              </a:schemeClr>
+            </a:gs>
+            <a:gs pos="100000">
+              <a:schemeClr val="phClr">
+                <a:shade val="30000"/>
+                <a:satMod val="200000"/>
+              </a:schemeClr>
+            </a:gs>
+          </a:gsLst>
+          <a:path path="circle">
+            <a:fillToRect l="50000" t="50000" r="50000" b="50000"/>
+          </a:path>
+        </a:gradFill>
+      </a:bgFillStyleLst>
+    </a:fmtScheme>
+  </a:themeElements>
+</a:theme>
 </file>